--- a/docs/diagrams/UndoRedoActivityDiagram.pptx
+++ b/docs/diagrams/UndoRedoActivityDiagram.pptx
@@ -112,8 +112,41 @@
 </p:presentation>
 </file>
 
-<file path=ppt/revisionInfo.xml><?xml version="1.0" encoding="utf-8"?>
-<p1510:revInfo xmlns:a="http://schemas.openxmlformats.org/drawingml/2006/main" xmlns:r="http://schemas.openxmlformats.org/officeDocument/2006/relationships" xmlns:p1510="http://schemas.microsoft.com/office/powerpoint/2015/10/main"/>
+<file path=ppt/changesInfos/changesInfo1.xml><?xml version="1.0" encoding="utf-8"?>
+<pc:chgInfo xmlns:a="http://schemas.openxmlformats.org/drawingml/2006/main" xmlns:r="http://schemas.openxmlformats.org/officeDocument/2006/relationships" xmlns:ac="http://schemas.microsoft.com/office/drawing/2013/main/command" xmlns:pc="http://schemas.microsoft.com/office/powerpoint/2013/main/command">
+  <pc:docChgLst>
+    <pc:chgData name="Shengmin Leong" userId="075411cc4697ef0d" providerId="LiveId" clId="{11690F6E-4470-41DD-ADD1-EFE9608F1671}"/>
+    <pc:docChg chg="modSld">
+      <pc:chgData name="Shengmin Leong" userId="075411cc4697ef0d" providerId="LiveId" clId="{11690F6E-4470-41DD-ADD1-EFE9608F1671}" dt="2018-10-01T05:15:39.111" v="32" actId="20577"/>
+      <pc:docMkLst>
+        <pc:docMk/>
+      </pc:docMkLst>
+      <pc:sldChg chg="modSp">
+        <pc:chgData name="Shengmin Leong" userId="075411cc4697ef0d" providerId="LiveId" clId="{11690F6E-4470-41DD-ADD1-EFE9608F1671}" dt="2018-10-01T05:15:39.111" v="32" actId="20577"/>
+        <pc:sldMkLst>
+          <pc:docMk/>
+          <pc:sldMk cId="409515240" sldId="256"/>
+        </pc:sldMkLst>
+        <pc:spChg chg="mod">
+          <ac:chgData name="Shengmin Leong" userId="075411cc4697ef0d" providerId="LiveId" clId="{11690F6E-4470-41DD-ADD1-EFE9608F1671}" dt="2018-10-01T05:15:39.111" v="32" actId="20577"/>
+          <ac:spMkLst>
+            <pc:docMk/>
+            <pc:sldMk cId="409515240" sldId="256"/>
+            <ac:spMk id="48" creationId="{300470AD-DA4C-4F16-91F5-E3E560CDBEFC}"/>
+          </ac:spMkLst>
+        </pc:spChg>
+        <pc:spChg chg="mod">
+          <ac:chgData name="Shengmin Leong" userId="075411cc4697ef0d" providerId="LiveId" clId="{11690F6E-4470-41DD-ADD1-EFE9608F1671}" dt="2018-10-01T05:15:29.178" v="23" actId="20577"/>
+          <ac:spMkLst>
+            <pc:docMk/>
+            <pc:sldMk cId="409515240" sldId="256"/>
+            <ac:spMk id="51" creationId="{D62D81FC-C644-4602-90C8-B7974D14CA54}"/>
+          </ac:spMkLst>
+        </pc:spChg>
+      </pc:sldChg>
+    </pc:docChg>
+  </pc:docChgLst>
+</pc:chgInfo>
 </file>
 
 <file path=ppt/slideLayouts/slideLayout1.xml><?xml version="1.0" encoding="utf-8"?>
@@ -265,7 +298,7 @@
           <a:p>
             <a:fld id="{542F47FF-5056-41FF-A1F8-23A414798AA4}" type="datetimeFigureOut">
               <a:rPr lang="en-SG" smtClean="0"/>
-              <a:t>6/7/2018</a:t>
+              <a:t>1/10/2018</a:t>
             </a:fld>
             <a:endParaRPr lang="en-SG"/>
           </a:p>
@@ -465,7 +498,7 @@
           <a:p>
             <a:fld id="{542F47FF-5056-41FF-A1F8-23A414798AA4}" type="datetimeFigureOut">
               <a:rPr lang="en-SG" smtClean="0"/>
-              <a:t>6/7/2018</a:t>
+              <a:t>1/10/2018</a:t>
             </a:fld>
             <a:endParaRPr lang="en-SG"/>
           </a:p>
@@ -675,7 +708,7 @@
           <a:p>
             <a:fld id="{542F47FF-5056-41FF-A1F8-23A414798AA4}" type="datetimeFigureOut">
               <a:rPr lang="en-SG" smtClean="0"/>
-              <a:t>6/7/2018</a:t>
+              <a:t>1/10/2018</a:t>
             </a:fld>
             <a:endParaRPr lang="en-SG"/>
           </a:p>
@@ -875,7 +908,7 @@
           <a:p>
             <a:fld id="{542F47FF-5056-41FF-A1F8-23A414798AA4}" type="datetimeFigureOut">
               <a:rPr lang="en-SG" smtClean="0"/>
-              <a:t>6/7/2018</a:t>
+              <a:t>1/10/2018</a:t>
             </a:fld>
             <a:endParaRPr lang="en-SG"/>
           </a:p>
@@ -1151,7 +1184,7 @@
           <a:p>
             <a:fld id="{542F47FF-5056-41FF-A1F8-23A414798AA4}" type="datetimeFigureOut">
               <a:rPr lang="en-SG" smtClean="0"/>
-              <a:t>6/7/2018</a:t>
+              <a:t>1/10/2018</a:t>
             </a:fld>
             <a:endParaRPr lang="en-SG"/>
           </a:p>
@@ -1419,7 +1452,7 @@
           <a:p>
             <a:fld id="{542F47FF-5056-41FF-A1F8-23A414798AA4}" type="datetimeFigureOut">
               <a:rPr lang="en-SG" smtClean="0"/>
-              <a:t>6/7/2018</a:t>
+              <a:t>1/10/2018</a:t>
             </a:fld>
             <a:endParaRPr lang="en-SG"/>
           </a:p>
@@ -1834,7 +1867,7 @@
           <a:p>
             <a:fld id="{542F47FF-5056-41FF-A1F8-23A414798AA4}" type="datetimeFigureOut">
               <a:rPr lang="en-SG" smtClean="0"/>
-              <a:t>6/7/2018</a:t>
+              <a:t>1/10/2018</a:t>
             </a:fld>
             <a:endParaRPr lang="en-SG"/>
           </a:p>
@@ -1976,7 +2009,7 @@
           <a:p>
             <a:fld id="{542F47FF-5056-41FF-A1F8-23A414798AA4}" type="datetimeFigureOut">
               <a:rPr lang="en-SG" smtClean="0"/>
-              <a:t>6/7/2018</a:t>
+              <a:t>1/10/2018</a:t>
             </a:fld>
             <a:endParaRPr lang="en-SG"/>
           </a:p>
@@ -2089,7 +2122,7 @@
           <a:p>
             <a:fld id="{542F47FF-5056-41FF-A1F8-23A414798AA4}" type="datetimeFigureOut">
               <a:rPr lang="en-SG" smtClean="0"/>
-              <a:t>6/7/2018</a:t>
+              <a:t>1/10/2018</a:t>
             </a:fld>
             <a:endParaRPr lang="en-SG"/>
           </a:p>
@@ -2402,7 +2435,7 @@
           <a:p>
             <a:fld id="{542F47FF-5056-41FF-A1F8-23A414798AA4}" type="datetimeFigureOut">
               <a:rPr lang="en-SG" smtClean="0"/>
-              <a:t>6/7/2018</a:t>
+              <a:t>1/10/2018</a:t>
             </a:fld>
             <a:endParaRPr lang="en-SG"/>
           </a:p>
@@ -2691,7 +2724,7 @@
           <a:p>
             <a:fld id="{542F47FF-5056-41FF-A1F8-23A414798AA4}" type="datetimeFigureOut">
               <a:rPr lang="en-SG" smtClean="0"/>
-              <a:t>6/7/2018</a:t>
+              <a:t>1/10/2018</a:t>
             </a:fld>
             <a:endParaRPr lang="en-SG"/>
           </a:p>
@@ -2934,7 +2967,7 @@
           <a:p>
             <a:fld id="{542F47FF-5056-41FF-A1F8-23A414798AA4}" type="datetimeFigureOut">
               <a:rPr lang="en-SG" smtClean="0"/>
-              <a:t>6/7/2018</a:t>
+              <a:t>1/10/2018</a:t>
             </a:fld>
             <a:endParaRPr lang="en-SG"/>
           </a:p>
@@ -3656,7 +3689,15 @@
             </a:r>
             <a:r>
               <a:rPr lang="en-US" dirty="0"/>
-              <a:t>command commits address book]</a:t>
+              <a:t>command </a:t>
+            </a:r>
+            <a:r>
+              <a:rPr lang="en-US"/>
+              <a:t>commits wish </a:t>
+            </a:r>
+            <a:r>
+              <a:rPr lang="en-US" dirty="0"/>
+              <a:t>book]</a:t>
             </a:r>
             <a:endParaRPr lang="en-SG" sz="1801" dirty="0"/>
           </a:p>
@@ -3709,11 +3750,11 @@
             <a:pPr algn="ctr"/>
             <a:r>
               <a:rPr lang="en-SG" sz="1801" dirty="0"/>
-              <a:t>Purge redundant states and then save address book to </a:t>
+              <a:t>Purge redundant states and then save wish book to </a:t>
             </a:r>
             <a:r>
               <a:rPr lang="en-SG" sz="1801" dirty="0" err="1"/>
-              <a:t>addressBookStateList</a:t>
+              <a:t>wishBookStateList</a:t>
             </a:r>
             <a:r>
               <a:rPr lang="en-SG" sz="1801" dirty="0"/>

--- a/docs/diagrams/UndoRedoActivityDiagram.pptx
+++ b/docs/diagrams/UndoRedoActivityDiagram.pptx
@@ -112,8 +112,41 @@
 </p:presentation>
 </file>
 
-<file path=ppt/revisionInfo.xml><?xml version="1.0" encoding="utf-8"?>
-<p1510:revInfo xmlns:a="http://schemas.openxmlformats.org/drawingml/2006/main" xmlns:r="http://schemas.openxmlformats.org/officeDocument/2006/relationships" xmlns:p1510="http://schemas.microsoft.com/office/powerpoint/2015/10/main"/>
+<file path=ppt/changesInfos/changesInfo1.xml><?xml version="1.0" encoding="utf-8"?>
+<pc:chgInfo xmlns:a="http://schemas.openxmlformats.org/drawingml/2006/main" xmlns:r="http://schemas.openxmlformats.org/officeDocument/2006/relationships" xmlns:ac="http://schemas.microsoft.com/office/drawing/2013/main/command" xmlns:pc="http://schemas.microsoft.com/office/powerpoint/2013/main/command">
+  <pc:docChgLst>
+    <pc:chgData name="Lionel Tan Junzer" userId="04b849c6f1991e6b" providerId="LiveId" clId="{4E895395-0FA3-42FE-AF5D-DA4D7A278453}"/>
+    <pc:docChg chg="modSld">
+      <pc:chgData name="Lionel Tan Junzer" userId="04b849c6f1991e6b" providerId="LiveId" clId="{4E895395-0FA3-42FE-AF5D-DA4D7A278453}" dt="2018-10-15T06:20:59.518" v="36" actId="20577"/>
+      <pc:docMkLst>
+        <pc:docMk/>
+      </pc:docMkLst>
+      <pc:sldChg chg="modSp">
+        <pc:chgData name="Lionel Tan Junzer" userId="04b849c6f1991e6b" providerId="LiveId" clId="{4E895395-0FA3-42FE-AF5D-DA4D7A278453}" dt="2018-10-15T06:20:59.518" v="36" actId="20577"/>
+        <pc:sldMkLst>
+          <pc:docMk/>
+          <pc:sldMk cId="409515240" sldId="256"/>
+        </pc:sldMkLst>
+        <pc:spChg chg="mod">
+          <ac:chgData name="Lionel Tan Junzer" userId="04b849c6f1991e6b" providerId="LiveId" clId="{4E895395-0FA3-42FE-AF5D-DA4D7A278453}" dt="2018-10-15T06:20:48.140" v="10" actId="20577"/>
+          <ac:spMkLst>
+            <pc:docMk/>
+            <pc:sldMk cId="409515240" sldId="256"/>
+            <ac:spMk id="48" creationId="{300470AD-DA4C-4F16-91F5-E3E560CDBEFC}"/>
+          </ac:spMkLst>
+        </pc:spChg>
+        <pc:spChg chg="mod">
+          <ac:chgData name="Lionel Tan Junzer" userId="04b849c6f1991e6b" providerId="LiveId" clId="{4E895395-0FA3-42FE-AF5D-DA4D7A278453}" dt="2018-10-15T06:20:59.518" v="36" actId="20577"/>
+          <ac:spMkLst>
+            <pc:docMk/>
+            <pc:sldMk cId="409515240" sldId="256"/>
+            <ac:spMk id="51" creationId="{D62D81FC-C644-4602-90C8-B7974D14CA54}"/>
+          </ac:spMkLst>
+        </pc:spChg>
+      </pc:sldChg>
+    </pc:docChg>
+  </pc:docChgLst>
+</pc:chgInfo>
 </file>
 
 <file path=ppt/slideLayouts/slideLayout1.xml><?xml version="1.0" encoding="utf-8"?>
@@ -265,7 +298,7 @@
           <a:p>
             <a:fld id="{542F47FF-5056-41FF-A1F8-23A414798AA4}" type="datetimeFigureOut">
               <a:rPr lang="en-SG" smtClean="0"/>
-              <a:t>6/7/2018</a:t>
+              <a:t>15/10/2018</a:t>
             </a:fld>
             <a:endParaRPr lang="en-SG"/>
           </a:p>
@@ -465,7 +498,7 @@
           <a:p>
             <a:fld id="{542F47FF-5056-41FF-A1F8-23A414798AA4}" type="datetimeFigureOut">
               <a:rPr lang="en-SG" smtClean="0"/>
-              <a:t>6/7/2018</a:t>
+              <a:t>15/10/2018</a:t>
             </a:fld>
             <a:endParaRPr lang="en-SG"/>
           </a:p>
@@ -675,7 +708,7 @@
           <a:p>
             <a:fld id="{542F47FF-5056-41FF-A1F8-23A414798AA4}" type="datetimeFigureOut">
               <a:rPr lang="en-SG" smtClean="0"/>
-              <a:t>6/7/2018</a:t>
+              <a:t>15/10/2018</a:t>
             </a:fld>
             <a:endParaRPr lang="en-SG"/>
           </a:p>
@@ -875,7 +908,7 @@
           <a:p>
             <a:fld id="{542F47FF-5056-41FF-A1F8-23A414798AA4}" type="datetimeFigureOut">
               <a:rPr lang="en-SG" smtClean="0"/>
-              <a:t>6/7/2018</a:t>
+              <a:t>15/10/2018</a:t>
             </a:fld>
             <a:endParaRPr lang="en-SG"/>
           </a:p>
@@ -1151,7 +1184,7 @@
           <a:p>
             <a:fld id="{542F47FF-5056-41FF-A1F8-23A414798AA4}" type="datetimeFigureOut">
               <a:rPr lang="en-SG" smtClean="0"/>
-              <a:t>6/7/2018</a:t>
+              <a:t>15/10/2018</a:t>
             </a:fld>
             <a:endParaRPr lang="en-SG"/>
           </a:p>
@@ -1419,7 +1452,7 @@
           <a:p>
             <a:fld id="{542F47FF-5056-41FF-A1F8-23A414798AA4}" type="datetimeFigureOut">
               <a:rPr lang="en-SG" smtClean="0"/>
-              <a:t>6/7/2018</a:t>
+              <a:t>15/10/2018</a:t>
             </a:fld>
             <a:endParaRPr lang="en-SG"/>
           </a:p>
@@ -1834,7 +1867,7 @@
           <a:p>
             <a:fld id="{542F47FF-5056-41FF-A1F8-23A414798AA4}" type="datetimeFigureOut">
               <a:rPr lang="en-SG" smtClean="0"/>
-              <a:t>6/7/2018</a:t>
+              <a:t>15/10/2018</a:t>
             </a:fld>
             <a:endParaRPr lang="en-SG"/>
           </a:p>
@@ -1976,7 +2009,7 @@
           <a:p>
             <a:fld id="{542F47FF-5056-41FF-A1F8-23A414798AA4}" type="datetimeFigureOut">
               <a:rPr lang="en-SG" smtClean="0"/>
-              <a:t>6/7/2018</a:t>
+              <a:t>15/10/2018</a:t>
             </a:fld>
             <a:endParaRPr lang="en-SG"/>
           </a:p>
@@ -2089,7 +2122,7 @@
           <a:p>
             <a:fld id="{542F47FF-5056-41FF-A1F8-23A414798AA4}" type="datetimeFigureOut">
               <a:rPr lang="en-SG" smtClean="0"/>
-              <a:t>6/7/2018</a:t>
+              <a:t>15/10/2018</a:t>
             </a:fld>
             <a:endParaRPr lang="en-SG"/>
           </a:p>
@@ -2402,7 +2435,7 @@
           <a:p>
             <a:fld id="{542F47FF-5056-41FF-A1F8-23A414798AA4}" type="datetimeFigureOut">
               <a:rPr lang="en-SG" smtClean="0"/>
-              <a:t>6/7/2018</a:t>
+              <a:t>15/10/2018</a:t>
             </a:fld>
             <a:endParaRPr lang="en-SG"/>
           </a:p>
@@ -2691,7 +2724,7 @@
           <a:p>
             <a:fld id="{542F47FF-5056-41FF-A1F8-23A414798AA4}" type="datetimeFigureOut">
               <a:rPr lang="en-SG" smtClean="0"/>
-              <a:t>6/7/2018</a:t>
+              <a:t>15/10/2018</a:t>
             </a:fld>
             <a:endParaRPr lang="en-SG"/>
           </a:p>
@@ -2934,7 +2967,7 @@
           <a:p>
             <a:fld id="{542F47FF-5056-41FF-A1F8-23A414798AA4}" type="datetimeFigureOut">
               <a:rPr lang="en-SG" smtClean="0"/>
-              <a:t>6/7/2018</a:t>
+              <a:t>15/10/2018</a:t>
             </a:fld>
             <a:endParaRPr lang="en-SG"/>
           </a:p>
@@ -3656,7 +3689,7 @@
             </a:r>
             <a:r>
               <a:rPr lang="en-US" dirty="0"/>
-              <a:t>command commits address book]</a:t>
+              <a:t>command commits wish book]</a:t>
             </a:r>
             <a:endParaRPr lang="en-SG" sz="1801" dirty="0"/>
           </a:p>
@@ -3709,11 +3742,11 @@
             <a:pPr algn="ctr"/>
             <a:r>
               <a:rPr lang="en-SG" sz="1801" dirty="0"/>
-              <a:t>Purge redundant states and then save address book to </a:t>
-            </a:r>
-            <a:r>
-              <a:rPr lang="en-SG" sz="1801" dirty="0" err="1"/>
-              <a:t>addressBookStateList</a:t>
+              <a:t>Purge redundant states and then save wish book to </a:t>
+            </a:r>
+            <a:r>
+              <a:rPr lang="en-SG" sz="1801"/>
+              <a:t>wishBookStateList</a:t>
             </a:r>
             <a:r>
               <a:rPr lang="en-SG" sz="1801" dirty="0"/>

--- a/docs/diagrams/UndoRedoActivityDiagram.pptx
+++ b/docs/diagrams/UndoRedoActivityDiagram.pptx
@@ -112,10 +112,6 @@
 </p:presentation>
 </file>
 
-<file path=ppt/revisionInfo.xml><?xml version="1.0" encoding="utf-8"?>
-<p1510:revInfo xmlns:a="http://schemas.openxmlformats.org/drawingml/2006/main" xmlns:r="http://schemas.openxmlformats.org/officeDocument/2006/relationships" xmlns:p1510="http://schemas.microsoft.com/office/powerpoint/2015/10/main"/>
-</file>
-
 <file path=ppt/slideLayouts/slideLayout1.xml><?xml version="1.0" encoding="utf-8"?>
 <p:sldLayout xmlns:a="http://schemas.openxmlformats.org/drawingml/2006/main" xmlns:r="http://schemas.openxmlformats.org/officeDocument/2006/relationships" xmlns:p="http://schemas.openxmlformats.org/presentationml/2006/main" type="title" preserve="1">
   <p:cSld name="Title Slide">
@@ -265,7 +261,7 @@
           <a:p>
             <a:fld id="{542F47FF-5056-41FF-A1F8-23A414798AA4}" type="datetimeFigureOut">
               <a:rPr lang="en-SG" smtClean="0"/>
-              <a:t>6/7/2018</a:t>
+              <a:t>17/10/18</a:t>
             </a:fld>
             <a:endParaRPr lang="en-SG"/>
           </a:p>
@@ -465,7 +461,7 @@
           <a:p>
             <a:fld id="{542F47FF-5056-41FF-A1F8-23A414798AA4}" type="datetimeFigureOut">
               <a:rPr lang="en-SG" smtClean="0"/>
-              <a:t>6/7/2018</a:t>
+              <a:t>17/10/18</a:t>
             </a:fld>
             <a:endParaRPr lang="en-SG"/>
           </a:p>
@@ -675,7 +671,7 @@
           <a:p>
             <a:fld id="{542F47FF-5056-41FF-A1F8-23A414798AA4}" type="datetimeFigureOut">
               <a:rPr lang="en-SG" smtClean="0"/>
-              <a:t>6/7/2018</a:t>
+              <a:t>17/10/18</a:t>
             </a:fld>
             <a:endParaRPr lang="en-SG"/>
           </a:p>
@@ -875,7 +871,7 @@
           <a:p>
             <a:fld id="{542F47FF-5056-41FF-A1F8-23A414798AA4}" type="datetimeFigureOut">
               <a:rPr lang="en-SG" smtClean="0"/>
-              <a:t>6/7/2018</a:t>
+              <a:t>17/10/18</a:t>
             </a:fld>
             <a:endParaRPr lang="en-SG"/>
           </a:p>
@@ -1151,7 +1147,7 @@
           <a:p>
             <a:fld id="{542F47FF-5056-41FF-A1F8-23A414798AA4}" type="datetimeFigureOut">
               <a:rPr lang="en-SG" smtClean="0"/>
-              <a:t>6/7/2018</a:t>
+              <a:t>17/10/18</a:t>
             </a:fld>
             <a:endParaRPr lang="en-SG"/>
           </a:p>
@@ -1419,7 +1415,7 @@
           <a:p>
             <a:fld id="{542F47FF-5056-41FF-A1F8-23A414798AA4}" type="datetimeFigureOut">
               <a:rPr lang="en-SG" smtClean="0"/>
-              <a:t>6/7/2018</a:t>
+              <a:t>17/10/18</a:t>
             </a:fld>
             <a:endParaRPr lang="en-SG"/>
           </a:p>
@@ -1834,7 +1830,7 @@
           <a:p>
             <a:fld id="{542F47FF-5056-41FF-A1F8-23A414798AA4}" type="datetimeFigureOut">
               <a:rPr lang="en-SG" smtClean="0"/>
-              <a:t>6/7/2018</a:t>
+              <a:t>17/10/18</a:t>
             </a:fld>
             <a:endParaRPr lang="en-SG"/>
           </a:p>
@@ -1976,7 +1972,7 @@
           <a:p>
             <a:fld id="{542F47FF-5056-41FF-A1F8-23A414798AA4}" type="datetimeFigureOut">
               <a:rPr lang="en-SG" smtClean="0"/>
-              <a:t>6/7/2018</a:t>
+              <a:t>17/10/18</a:t>
             </a:fld>
             <a:endParaRPr lang="en-SG"/>
           </a:p>
@@ -2089,7 +2085,7 @@
           <a:p>
             <a:fld id="{542F47FF-5056-41FF-A1F8-23A414798AA4}" type="datetimeFigureOut">
               <a:rPr lang="en-SG" smtClean="0"/>
-              <a:t>6/7/2018</a:t>
+              <a:t>17/10/18</a:t>
             </a:fld>
             <a:endParaRPr lang="en-SG"/>
           </a:p>
@@ -2402,7 +2398,7 @@
           <a:p>
             <a:fld id="{542F47FF-5056-41FF-A1F8-23A414798AA4}" type="datetimeFigureOut">
               <a:rPr lang="en-SG" smtClean="0"/>
-              <a:t>6/7/2018</a:t>
+              <a:t>17/10/18</a:t>
             </a:fld>
             <a:endParaRPr lang="en-SG"/>
           </a:p>
@@ -2691,7 +2687,7 @@
           <a:p>
             <a:fld id="{542F47FF-5056-41FF-A1F8-23A414798AA4}" type="datetimeFigureOut">
               <a:rPr lang="en-SG" smtClean="0"/>
-              <a:t>6/7/2018</a:t>
+              <a:t>17/10/18</a:t>
             </a:fld>
             <a:endParaRPr lang="en-SG"/>
           </a:p>
@@ -2934,7 +2930,7 @@
           <a:p>
             <a:fld id="{542F47FF-5056-41FF-A1F8-23A414798AA4}" type="datetimeFigureOut">
               <a:rPr lang="en-SG" smtClean="0"/>
-              <a:t>6/7/2018</a:t>
+              <a:t>17/10/18</a:t>
             </a:fld>
             <a:endParaRPr lang="en-SG"/>
           </a:p>
@@ -3636,8 +3632,8 @@
         </p:nvSpPr>
         <p:spPr>
           <a:xfrm>
-            <a:off x="4412106" y="2102568"/>
-            <a:ext cx="2066045" cy="646587"/>
+            <a:off x="4412106" y="2182578"/>
+            <a:ext cx="2066045" cy="553998"/>
           </a:xfrm>
           <a:prstGeom prst="rect">
             <a:avLst/>
@@ -3651,14 +3647,14 @@
           <a:lstStyle/>
           <a:p>
             <a:r>
-              <a:rPr lang="en-SG" sz="1801" dirty="0"/>
+              <a:rPr lang="en-SG" sz="1600" dirty="0"/>
               <a:t>[</a:t>
             </a:r>
             <a:r>
-              <a:rPr lang="en-US" dirty="0"/>
-              <a:t>command commits address book]</a:t>
-            </a:r>
-            <a:endParaRPr lang="en-SG" sz="1801" dirty="0"/>
+              <a:rPr lang="en-US" sz="1400" dirty="0"/>
+              <a:t>command commits previewImageManager]</a:t>
+            </a:r>
+            <a:endParaRPr lang="en-SG" sz="1600" dirty="0"/>
           </a:p>
         </p:txBody>
       </p:sp>
@@ -3708,16 +3704,8 @@
           <a:p>
             <a:pPr algn="ctr"/>
             <a:r>
-              <a:rPr lang="en-SG" sz="1801" dirty="0"/>
-              <a:t>Purge redundant states and then save address book to </a:t>
-            </a:r>
-            <a:r>
-              <a:rPr lang="en-SG" sz="1801" dirty="0" err="1"/>
-              <a:t>addressBookStateList</a:t>
-            </a:r>
-            <a:r>
-              <a:rPr lang="en-SG" sz="1801" dirty="0"/>
-              <a:t> </a:t>
+              <a:rPr lang="en-SG" sz="1400" dirty="0"/>
+              <a:t>Purge redundant states, then update the model’s previewImage by requesting for currentPreviewImageState</a:t>
             </a:r>
           </a:p>
         </p:txBody>

--- a/docs/diagrams/UndoRedoActivityDiagram.pptx
+++ b/docs/diagrams/UndoRedoActivityDiagram.pptx
@@ -138,7 +138,7 @@
           <p:cNvPr id="2" name="Title 1">
             <a:extLst>
               <a:ext uri="{FF2B5EF4-FFF2-40B4-BE49-F238E27FC236}">
-                <a16:creationId xmlns:a16="http://schemas.microsoft.com/office/drawing/2014/main" id="{CE1B3102-23FE-4A07-92CF-8DB8025B5C54}"/>
+                <a16:creationId xmlns:a16="http://schemas.microsoft.com/office/drawing/2014/main" xmlns="" id="{CE1B3102-23FE-4A07-92CF-8DB8025B5C54}"/>
               </a:ext>
             </a:extLst>
           </p:cNvPr>
@@ -176,7 +176,7 @@
           <p:cNvPr id="3" name="Subtitle 2">
             <a:extLst>
               <a:ext uri="{FF2B5EF4-FFF2-40B4-BE49-F238E27FC236}">
-                <a16:creationId xmlns:a16="http://schemas.microsoft.com/office/drawing/2014/main" id="{09A64644-374F-4763-B477-E75EED09E18A}"/>
+                <a16:creationId xmlns:a16="http://schemas.microsoft.com/office/drawing/2014/main" xmlns="" id="{09A64644-374F-4763-B477-E75EED09E18A}"/>
               </a:ext>
             </a:extLst>
           </p:cNvPr>
@@ -247,7 +247,7 @@
           <p:cNvPr id="4" name="Date Placeholder 3">
             <a:extLst>
               <a:ext uri="{FF2B5EF4-FFF2-40B4-BE49-F238E27FC236}">
-                <a16:creationId xmlns:a16="http://schemas.microsoft.com/office/drawing/2014/main" id="{26CAD04B-553E-4EE0-8FEC-DA9E05F22F2C}"/>
+                <a16:creationId xmlns:a16="http://schemas.microsoft.com/office/drawing/2014/main" xmlns="" id="{26CAD04B-553E-4EE0-8FEC-DA9E05F22F2C}"/>
               </a:ext>
             </a:extLst>
           </p:cNvPr>
@@ -265,7 +265,7 @@
           <a:p>
             <a:fld id="{542F47FF-5056-41FF-A1F8-23A414798AA4}" type="datetimeFigureOut">
               <a:rPr lang="en-SG" smtClean="0"/>
-              <a:t>6/7/2018</a:t>
+              <a:t>18/10/18</a:t>
             </a:fld>
             <a:endParaRPr lang="en-SG"/>
           </a:p>
@@ -276,7 +276,7 @@
           <p:cNvPr id="5" name="Footer Placeholder 4">
             <a:extLst>
               <a:ext uri="{FF2B5EF4-FFF2-40B4-BE49-F238E27FC236}">
-                <a16:creationId xmlns:a16="http://schemas.microsoft.com/office/drawing/2014/main" id="{E6F42670-2AD7-448C-BB6C-D759C9255DEB}"/>
+                <a16:creationId xmlns:a16="http://schemas.microsoft.com/office/drawing/2014/main" xmlns="" id="{E6F42670-2AD7-448C-BB6C-D759C9255DEB}"/>
               </a:ext>
             </a:extLst>
           </p:cNvPr>
@@ -301,7 +301,7 @@
           <p:cNvPr id="6" name="Slide Number Placeholder 5">
             <a:extLst>
               <a:ext uri="{FF2B5EF4-FFF2-40B4-BE49-F238E27FC236}">
-                <a16:creationId xmlns:a16="http://schemas.microsoft.com/office/drawing/2014/main" id="{8CFAA546-9089-42A6-8CCB-5E88855E6CB1}"/>
+                <a16:creationId xmlns:a16="http://schemas.microsoft.com/office/drawing/2014/main" xmlns="" id="{8CFAA546-9089-42A6-8CCB-5E88855E6CB1}"/>
               </a:ext>
             </a:extLst>
           </p:cNvPr>
@@ -360,7 +360,7 @@
           <p:cNvPr id="2" name="Title 1">
             <a:extLst>
               <a:ext uri="{FF2B5EF4-FFF2-40B4-BE49-F238E27FC236}">
-                <a16:creationId xmlns:a16="http://schemas.microsoft.com/office/drawing/2014/main" id="{C73C8897-08BA-4903-B8F2-48E6E6713059}"/>
+                <a16:creationId xmlns:a16="http://schemas.microsoft.com/office/drawing/2014/main" xmlns="" id="{C73C8897-08BA-4903-B8F2-48E6E6713059}"/>
               </a:ext>
             </a:extLst>
           </p:cNvPr>
@@ -389,7 +389,7 @@
           <p:cNvPr id="3" name="Vertical Text Placeholder 2">
             <a:extLst>
               <a:ext uri="{FF2B5EF4-FFF2-40B4-BE49-F238E27FC236}">
-                <a16:creationId xmlns:a16="http://schemas.microsoft.com/office/drawing/2014/main" id="{F4DB86F3-F3A8-4AC4-A2D0-18858F9E9EAF}"/>
+                <a16:creationId xmlns:a16="http://schemas.microsoft.com/office/drawing/2014/main" xmlns="" id="{F4DB86F3-F3A8-4AC4-A2D0-18858F9E9EAF}"/>
               </a:ext>
             </a:extLst>
           </p:cNvPr>
@@ -447,7 +447,7 @@
           <p:cNvPr id="4" name="Date Placeholder 3">
             <a:extLst>
               <a:ext uri="{FF2B5EF4-FFF2-40B4-BE49-F238E27FC236}">
-                <a16:creationId xmlns:a16="http://schemas.microsoft.com/office/drawing/2014/main" id="{22C4FC92-3E88-48DC-9327-19CD6A48E96D}"/>
+                <a16:creationId xmlns:a16="http://schemas.microsoft.com/office/drawing/2014/main" xmlns="" id="{22C4FC92-3E88-48DC-9327-19CD6A48E96D}"/>
               </a:ext>
             </a:extLst>
           </p:cNvPr>
@@ -465,7 +465,7 @@
           <a:p>
             <a:fld id="{542F47FF-5056-41FF-A1F8-23A414798AA4}" type="datetimeFigureOut">
               <a:rPr lang="en-SG" smtClean="0"/>
-              <a:t>6/7/2018</a:t>
+              <a:t>18/10/18</a:t>
             </a:fld>
             <a:endParaRPr lang="en-SG"/>
           </a:p>
@@ -476,7 +476,7 @@
           <p:cNvPr id="5" name="Footer Placeholder 4">
             <a:extLst>
               <a:ext uri="{FF2B5EF4-FFF2-40B4-BE49-F238E27FC236}">
-                <a16:creationId xmlns:a16="http://schemas.microsoft.com/office/drawing/2014/main" id="{AA190F3C-D185-4E17-A1B5-D7F4DF331BE0}"/>
+                <a16:creationId xmlns:a16="http://schemas.microsoft.com/office/drawing/2014/main" xmlns="" id="{AA190F3C-D185-4E17-A1B5-D7F4DF331BE0}"/>
               </a:ext>
             </a:extLst>
           </p:cNvPr>
@@ -501,7 +501,7 @@
           <p:cNvPr id="6" name="Slide Number Placeholder 5">
             <a:extLst>
               <a:ext uri="{FF2B5EF4-FFF2-40B4-BE49-F238E27FC236}">
-                <a16:creationId xmlns:a16="http://schemas.microsoft.com/office/drawing/2014/main" id="{0F2506F5-483C-4F84-8363-1D309E459ADD}"/>
+                <a16:creationId xmlns:a16="http://schemas.microsoft.com/office/drawing/2014/main" xmlns="" id="{0F2506F5-483C-4F84-8363-1D309E459ADD}"/>
               </a:ext>
             </a:extLst>
           </p:cNvPr>
@@ -560,7 +560,7 @@
           <p:cNvPr id="2" name="Vertical Title 1">
             <a:extLst>
               <a:ext uri="{FF2B5EF4-FFF2-40B4-BE49-F238E27FC236}">
-                <a16:creationId xmlns:a16="http://schemas.microsoft.com/office/drawing/2014/main" id="{967C03EB-4647-4E98-B84F-7651E807A990}"/>
+                <a16:creationId xmlns:a16="http://schemas.microsoft.com/office/drawing/2014/main" xmlns="" id="{967C03EB-4647-4E98-B84F-7651E807A990}"/>
               </a:ext>
             </a:extLst>
           </p:cNvPr>
@@ -594,7 +594,7 @@
           <p:cNvPr id="3" name="Vertical Text Placeholder 2">
             <a:extLst>
               <a:ext uri="{FF2B5EF4-FFF2-40B4-BE49-F238E27FC236}">
-                <a16:creationId xmlns:a16="http://schemas.microsoft.com/office/drawing/2014/main" id="{22B1D2A8-918A-4854-959C-EDA5D46D2D74}"/>
+                <a16:creationId xmlns:a16="http://schemas.microsoft.com/office/drawing/2014/main" xmlns="" id="{22B1D2A8-918A-4854-959C-EDA5D46D2D74}"/>
               </a:ext>
             </a:extLst>
           </p:cNvPr>
@@ -657,7 +657,7 @@
           <p:cNvPr id="4" name="Date Placeholder 3">
             <a:extLst>
               <a:ext uri="{FF2B5EF4-FFF2-40B4-BE49-F238E27FC236}">
-                <a16:creationId xmlns:a16="http://schemas.microsoft.com/office/drawing/2014/main" id="{3F77D3B6-616A-4D06-980E-5A7866F9BB49}"/>
+                <a16:creationId xmlns:a16="http://schemas.microsoft.com/office/drawing/2014/main" xmlns="" id="{3F77D3B6-616A-4D06-980E-5A7866F9BB49}"/>
               </a:ext>
             </a:extLst>
           </p:cNvPr>
@@ -675,7 +675,7 @@
           <a:p>
             <a:fld id="{542F47FF-5056-41FF-A1F8-23A414798AA4}" type="datetimeFigureOut">
               <a:rPr lang="en-SG" smtClean="0"/>
-              <a:t>6/7/2018</a:t>
+              <a:t>18/10/18</a:t>
             </a:fld>
             <a:endParaRPr lang="en-SG"/>
           </a:p>
@@ -686,7 +686,7 @@
           <p:cNvPr id="5" name="Footer Placeholder 4">
             <a:extLst>
               <a:ext uri="{FF2B5EF4-FFF2-40B4-BE49-F238E27FC236}">
-                <a16:creationId xmlns:a16="http://schemas.microsoft.com/office/drawing/2014/main" id="{20525AA2-4FD6-4C5E-B28C-2C71AF011737}"/>
+                <a16:creationId xmlns:a16="http://schemas.microsoft.com/office/drawing/2014/main" xmlns="" id="{20525AA2-4FD6-4C5E-B28C-2C71AF011737}"/>
               </a:ext>
             </a:extLst>
           </p:cNvPr>
@@ -711,7 +711,7 @@
           <p:cNvPr id="6" name="Slide Number Placeholder 5">
             <a:extLst>
               <a:ext uri="{FF2B5EF4-FFF2-40B4-BE49-F238E27FC236}">
-                <a16:creationId xmlns:a16="http://schemas.microsoft.com/office/drawing/2014/main" id="{4E040DF9-BA3F-440A-8819-8D374D74F15E}"/>
+                <a16:creationId xmlns:a16="http://schemas.microsoft.com/office/drawing/2014/main" xmlns="" id="{4E040DF9-BA3F-440A-8819-8D374D74F15E}"/>
               </a:ext>
             </a:extLst>
           </p:cNvPr>
@@ -770,7 +770,7 @@
           <p:cNvPr id="2" name="Title 1">
             <a:extLst>
               <a:ext uri="{FF2B5EF4-FFF2-40B4-BE49-F238E27FC236}">
-                <a16:creationId xmlns:a16="http://schemas.microsoft.com/office/drawing/2014/main" id="{75C804EA-614F-485C-A53F-C32B83B67A30}"/>
+                <a16:creationId xmlns:a16="http://schemas.microsoft.com/office/drawing/2014/main" xmlns="" id="{75C804EA-614F-485C-A53F-C32B83B67A30}"/>
               </a:ext>
             </a:extLst>
           </p:cNvPr>
@@ -799,7 +799,7 @@
           <p:cNvPr id="3" name="Content Placeholder 2">
             <a:extLst>
               <a:ext uri="{FF2B5EF4-FFF2-40B4-BE49-F238E27FC236}">
-                <a16:creationId xmlns:a16="http://schemas.microsoft.com/office/drawing/2014/main" id="{912A86A6-5554-4D2F-97BB-2D649E738506}"/>
+                <a16:creationId xmlns:a16="http://schemas.microsoft.com/office/drawing/2014/main" xmlns="" id="{912A86A6-5554-4D2F-97BB-2D649E738506}"/>
               </a:ext>
             </a:extLst>
           </p:cNvPr>
@@ -857,7 +857,7 @@
           <p:cNvPr id="4" name="Date Placeholder 3">
             <a:extLst>
               <a:ext uri="{FF2B5EF4-FFF2-40B4-BE49-F238E27FC236}">
-                <a16:creationId xmlns:a16="http://schemas.microsoft.com/office/drawing/2014/main" id="{69704FB4-4D28-4A39-B81F-407E0DDD475C}"/>
+                <a16:creationId xmlns:a16="http://schemas.microsoft.com/office/drawing/2014/main" xmlns="" id="{69704FB4-4D28-4A39-B81F-407E0DDD475C}"/>
               </a:ext>
             </a:extLst>
           </p:cNvPr>
@@ -875,7 +875,7 @@
           <a:p>
             <a:fld id="{542F47FF-5056-41FF-A1F8-23A414798AA4}" type="datetimeFigureOut">
               <a:rPr lang="en-SG" smtClean="0"/>
-              <a:t>6/7/2018</a:t>
+              <a:t>18/10/18</a:t>
             </a:fld>
             <a:endParaRPr lang="en-SG"/>
           </a:p>
@@ -886,7 +886,7 @@
           <p:cNvPr id="5" name="Footer Placeholder 4">
             <a:extLst>
               <a:ext uri="{FF2B5EF4-FFF2-40B4-BE49-F238E27FC236}">
-                <a16:creationId xmlns:a16="http://schemas.microsoft.com/office/drawing/2014/main" id="{AFDB90F4-6173-409D-8731-A4C292C33336}"/>
+                <a16:creationId xmlns:a16="http://schemas.microsoft.com/office/drawing/2014/main" xmlns="" id="{AFDB90F4-6173-409D-8731-A4C292C33336}"/>
               </a:ext>
             </a:extLst>
           </p:cNvPr>
@@ -911,7 +911,7 @@
           <p:cNvPr id="6" name="Slide Number Placeholder 5">
             <a:extLst>
               <a:ext uri="{FF2B5EF4-FFF2-40B4-BE49-F238E27FC236}">
-                <a16:creationId xmlns:a16="http://schemas.microsoft.com/office/drawing/2014/main" id="{0C00E245-E701-4B2E-925D-4322EFA20D66}"/>
+                <a16:creationId xmlns:a16="http://schemas.microsoft.com/office/drawing/2014/main" xmlns="" id="{0C00E245-E701-4B2E-925D-4322EFA20D66}"/>
               </a:ext>
             </a:extLst>
           </p:cNvPr>
@@ -970,7 +970,7 @@
           <p:cNvPr id="2" name="Title 1">
             <a:extLst>
               <a:ext uri="{FF2B5EF4-FFF2-40B4-BE49-F238E27FC236}">
-                <a16:creationId xmlns:a16="http://schemas.microsoft.com/office/drawing/2014/main" id="{2237510E-B988-4DCB-9C02-932F190AC101}"/>
+                <a16:creationId xmlns:a16="http://schemas.microsoft.com/office/drawing/2014/main" xmlns="" id="{2237510E-B988-4DCB-9C02-932F190AC101}"/>
               </a:ext>
             </a:extLst>
           </p:cNvPr>
@@ -1008,7 +1008,7 @@
           <p:cNvPr id="3" name="Text Placeholder 2">
             <a:extLst>
               <a:ext uri="{FF2B5EF4-FFF2-40B4-BE49-F238E27FC236}">
-                <a16:creationId xmlns:a16="http://schemas.microsoft.com/office/drawing/2014/main" id="{784A23DD-6E19-4939-A085-751F973752F5}"/>
+                <a16:creationId xmlns:a16="http://schemas.microsoft.com/office/drawing/2014/main" xmlns="" id="{784A23DD-6E19-4939-A085-751F973752F5}"/>
               </a:ext>
             </a:extLst>
           </p:cNvPr>
@@ -1133,7 +1133,7 @@
           <p:cNvPr id="4" name="Date Placeholder 3">
             <a:extLst>
               <a:ext uri="{FF2B5EF4-FFF2-40B4-BE49-F238E27FC236}">
-                <a16:creationId xmlns:a16="http://schemas.microsoft.com/office/drawing/2014/main" id="{CD5B15F4-A7B8-4D17-8C46-94AC6465D19A}"/>
+                <a16:creationId xmlns:a16="http://schemas.microsoft.com/office/drawing/2014/main" xmlns="" id="{CD5B15F4-A7B8-4D17-8C46-94AC6465D19A}"/>
               </a:ext>
             </a:extLst>
           </p:cNvPr>
@@ -1151,7 +1151,7 @@
           <a:p>
             <a:fld id="{542F47FF-5056-41FF-A1F8-23A414798AA4}" type="datetimeFigureOut">
               <a:rPr lang="en-SG" smtClean="0"/>
-              <a:t>6/7/2018</a:t>
+              <a:t>18/10/18</a:t>
             </a:fld>
             <a:endParaRPr lang="en-SG"/>
           </a:p>
@@ -1162,7 +1162,7 @@
           <p:cNvPr id="5" name="Footer Placeholder 4">
             <a:extLst>
               <a:ext uri="{FF2B5EF4-FFF2-40B4-BE49-F238E27FC236}">
-                <a16:creationId xmlns:a16="http://schemas.microsoft.com/office/drawing/2014/main" id="{0CC0B098-2820-40C0-8166-283BB17CD72D}"/>
+                <a16:creationId xmlns:a16="http://schemas.microsoft.com/office/drawing/2014/main" xmlns="" id="{0CC0B098-2820-40C0-8166-283BB17CD72D}"/>
               </a:ext>
             </a:extLst>
           </p:cNvPr>
@@ -1187,7 +1187,7 @@
           <p:cNvPr id="6" name="Slide Number Placeholder 5">
             <a:extLst>
               <a:ext uri="{FF2B5EF4-FFF2-40B4-BE49-F238E27FC236}">
-                <a16:creationId xmlns:a16="http://schemas.microsoft.com/office/drawing/2014/main" id="{CA1D6085-5297-4CE0-858B-F5A8477F21A1}"/>
+                <a16:creationId xmlns:a16="http://schemas.microsoft.com/office/drawing/2014/main" xmlns="" id="{CA1D6085-5297-4CE0-858B-F5A8477F21A1}"/>
               </a:ext>
             </a:extLst>
           </p:cNvPr>
@@ -1246,7 +1246,7 @@
           <p:cNvPr id="2" name="Title 1">
             <a:extLst>
               <a:ext uri="{FF2B5EF4-FFF2-40B4-BE49-F238E27FC236}">
-                <a16:creationId xmlns:a16="http://schemas.microsoft.com/office/drawing/2014/main" id="{C8312645-9305-4015-B5DF-8CD06CE54CD2}"/>
+                <a16:creationId xmlns:a16="http://schemas.microsoft.com/office/drawing/2014/main" xmlns="" id="{C8312645-9305-4015-B5DF-8CD06CE54CD2}"/>
               </a:ext>
             </a:extLst>
           </p:cNvPr>
@@ -1275,7 +1275,7 @@
           <p:cNvPr id="3" name="Content Placeholder 2">
             <a:extLst>
               <a:ext uri="{FF2B5EF4-FFF2-40B4-BE49-F238E27FC236}">
-                <a16:creationId xmlns:a16="http://schemas.microsoft.com/office/drawing/2014/main" id="{5F718F3D-23A6-4BAE-A195-9290BED99436}"/>
+                <a16:creationId xmlns:a16="http://schemas.microsoft.com/office/drawing/2014/main" xmlns="" id="{5F718F3D-23A6-4BAE-A195-9290BED99436}"/>
               </a:ext>
             </a:extLst>
           </p:cNvPr>
@@ -1338,7 +1338,7 @@
           <p:cNvPr id="4" name="Content Placeholder 3">
             <a:extLst>
               <a:ext uri="{FF2B5EF4-FFF2-40B4-BE49-F238E27FC236}">
-                <a16:creationId xmlns:a16="http://schemas.microsoft.com/office/drawing/2014/main" id="{987DE0C4-EF3A-42E6-9D3E-22C7A0BC9A37}"/>
+                <a16:creationId xmlns:a16="http://schemas.microsoft.com/office/drawing/2014/main" xmlns="" id="{987DE0C4-EF3A-42E6-9D3E-22C7A0BC9A37}"/>
               </a:ext>
             </a:extLst>
           </p:cNvPr>
@@ -1401,7 +1401,7 @@
           <p:cNvPr id="5" name="Date Placeholder 4">
             <a:extLst>
               <a:ext uri="{FF2B5EF4-FFF2-40B4-BE49-F238E27FC236}">
-                <a16:creationId xmlns:a16="http://schemas.microsoft.com/office/drawing/2014/main" id="{E4BFA167-4D74-44D4-AA06-F7DBEA7BB015}"/>
+                <a16:creationId xmlns:a16="http://schemas.microsoft.com/office/drawing/2014/main" xmlns="" id="{E4BFA167-4D74-44D4-AA06-F7DBEA7BB015}"/>
               </a:ext>
             </a:extLst>
           </p:cNvPr>
@@ -1419,7 +1419,7 @@
           <a:p>
             <a:fld id="{542F47FF-5056-41FF-A1F8-23A414798AA4}" type="datetimeFigureOut">
               <a:rPr lang="en-SG" smtClean="0"/>
-              <a:t>6/7/2018</a:t>
+              <a:t>18/10/18</a:t>
             </a:fld>
             <a:endParaRPr lang="en-SG"/>
           </a:p>
@@ -1430,7 +1430,7 @@
           <p:cNvPr id="6" name="Footer Placeholder 5">
             <a:extLst>
               <a:ext uri="{FF2B5EF4-FFF2-40B4-BE49-F238E27FC236}">
-                <a16:creationId xmlns:a16="http://schemas.microsoft.com/office/drawing/2014/main" id="{000F966C-5803-470B-AFA7-C187FB7AE76F}"/>
+                <a16:creationId xmlns:a16="http://schemas.microsoft.com/office/drawing/2014/main" xmlns="" id="{000F966C-5803-470B-AFA7-C187FB7AE76F}"/>
               </a:ext>
             </a:extLst>
           </p:cNvPr>
@@ -1455,7 +1455,7 @@
           <p:cNvPr id="7" name="Slide Number Placeholder 6">
             <a:extLst>
               <a:ext uri="{FF2B5EF4-FFF2-40B4-BE49-F238E27FC236}">
-                <a16:creationId xmlns:a16="http://schemas.microsoft.com/office/drawing/2014/main" id="{C5072683-17F0-489D-BA30-0EAE1A9786AE}"/>
+                <a16:creationId xmlns:a16="http://schemas.microsoft.com/office/drawing/2014/main" xmlns="" id="{C5072683-17F0-489D-BA30-0EAE1A9786AE}"/>
               </a:ext>
             </a:extLst>
           </p:cNvPr>
@@ -1514,7 +1514,7 @@
           <p:cNvPr id="2" name="Title 1">
             <a:extLst>
               <a:ext uri="{FF2B5EF4-FFF2-40B4-BE49-F238E27FC236}">
-                <a16:creationId xmlns:a16="http://schemas.microsoft.com/office/drawing/2014/main" id="{CEC7B897-F9D1-4F32-BB47-48174A5ED64C}"/>
+                <a16:creationId xmlns:a16="http://schemas.microsoft.com/office/drawing/2014/main" xmlns="" id="{CEC7B897-F9D1-4F32-BB47-48174A5ED64C}"/>
               </a:ext>
             </a:extLst>
           </p:cNvPr>
@@ -1548,7 +1548,7 @@
           <p:cNvPr id="3" name="Text Placeholder 2">
             <a:extLst>
               <a:ext uri="{FF2B5EF4-FFF2-40B4-BE49-F238E27FC236}">
-                <a16:creationId xmlns:a16="http://schemas.microsoft.com/office/drawing/2014/main" id="{F641612B-9729-43C6-B566-AD5088E65020}"/>
+                <a16:creationId xmlns:a16="http://schemas.microsoft.com/office/drawing/2014/main" xmlns="" id="{F641612B-9729-43C6-B566-AD5088E65020}"/>
               </a:ext>
             </a:extLst>
           </p:cNvPr>
@@ -1619,7 +1619,7 @@
           <p:cNvPr id="4" name="Content Placeholder 3">
             <a:extLst>
               <a:ext uri="{FF2B5EF4-FFF2-40B4-BE49-F238E27FC236}">
-                <a16:creationId xmlns:a16="http://schemas.microsoft.com/office/drawing/2014/main" id="{C9E1DDFB-755B-486A-8E6E-CC7CFE66970C}"/>
+                <a16:creationId xmlns:a16="http://schemas.microsoft.com/office/drawing/2014/main" xmlns="" id="{C9E1DDFB-755B-486A-8E6E-CC7CFE66970C}"/>
               </a:ext>
             </a:extLst>
           </p:cNvPr>
@@ -1682,7 +1682,7 @@
           <p:cNvPr id="5" name="Text Placeholder 4">
             <a:extLst>
               <a:ext uri="{FF2B5EF4-FFF2-40B4-BE49-F238E27FC236}">
-                <a16:creationId xmlns:a16="http://schemas.microsoft.com/office/drawing/2014/main" id="{9C513BAE-7453-4E00-A4D1-7192F85ACD26}"/>
+                <a16:creationId xmlns:a16="http://schemas.microsoft.com/office/drawing/2014/main" xmlns="" id="{9C513BAE-7453-4E00-A4D1-7192F85ACD26}"/>
               </a:ext>
             </a:extLst>
           </p:cNvPr>
@@ -1753,7 +1753,7 @@
           <p:cNvPr id="6" name="Content Placeholder 5">
             <a:extLst>
               <a:ext uri="{FF2B5EF4-FFF2-40B4-BE49-F238E27FC236}">
-                <a16:creationId xmlns:a16="http://schemas.microsoft.com/office/drawing/2014/main" id="{CD44104D-C0AE-4458-869E-DFF710C415CC}"/>
+                <a16:creationId xmlns:a16="http://schemas.microsoft.com/office/drawing/2014/main" xmlns="" id="{CD44104D-C0AE-4458-869E-DFF710C415CC}"/>
               </a:ext>
             </a:extLst>
           </p:cNvPr>
@@ -1816,7 +1816,7 @@
           <p:cNvPr id="7" name="Date Placeholder 6">
             <a:extLst>
               <a:ext uri="{FF2B5EF4-FFF2-40B4-BE49-F238E27FC236}">
-                <a16:creationId xmlns:a16="http://schemas.microsoft.com/office/drawing/2014/main" id="{4CB7CAF3-D690-40A3-88F7-9D0D17864C18}"/>
+                <a16:creationId xmlns:a16="http://schemas.microsoft.com/office/drawing/2014/main" xmlns="" id="{4CB7CAF3-D690-40A3-88F7-9D0D17864C18}"/>
               </a:ext>
             </a:extLst>
           </p:cNvPr>
@@ -1834,7 +1834,7 @@
           <a:p>
             <a:fld id="{542F47FF-5056-41FF-A1F8-23A414798AA4}" type="datetimeFigureOut">
               <a:rPr lang="en-SG" smtClean="0"/>
-              <a:t>6/7/2018</a:t>
+              <a:t>18/10/18</a:t>
             </a:fld>
             <a:endParaRPr lang="en-SG"/>
           </a:p>
@@ -1845,7 +1845,7 @@
           <p:cNvPr id="8" name="Footer Placeholder 7">
             <a:extLst>
               <a:ext uri="{FF2B5EF4-FFF2-40B4-BE49-F238E27FC236}">
-                <a16:creationId xmlns:a16="http://schemas.microsoft.com/office/drawing/2014/main" id="{E3FCCAB0-63DD-4704-AA42-E4F81E641DA3}"/>
+                <a16:creationId xmlns:a16="http://schemas.microsoft.com/office/drawing/2014/main" xmlns="" id="{E3FCCAB0-63DD-4704-AA42-E4F81E641DA3}"/>
               </a:ext>
             </a:extLst>
           </p:cNvPr>
@@ -1870,7 +1870,7 @@
           <p:cNvPr id="9" name="Slide Number Placeholder 8">
             <a:extLst>
               <a:ext uri="{FF2B5EF4-FFF2-40B4-BE49-F238E27FC236}">
-                <a16:creationId xmlns:a16="http://schemas.microsoft.com/office/drawing/2014/main" id="{604EFCC3-8687-4BC3-9C9E-60FD561B237F}"/>
+                <a16:creationId xmlns:a16="http://schemas.microsoft.com/office/drawing/2014/main" xmlns="" id="{604EFCC3-8687-4BC3-9C9E-60FD561B237F}"/>
               </a:ext>
             </a:extLst>
           </p:cNvPr>
@@ -1929,7 +1929,7 @@
           <p:cNvPr id="2" name="Title 1">
             <a:extLst>
               <a:ext uri="{FF2B5EF4-FFF2-40B4-BE49-F238E27FC236}">
-                <a16:creationId xmlns:a16="http://schemas.microsoft.com/office/drawing/2014/main" id="{D324AE97-E2C9-4642-887A-4474C5566AA6}"/>
+                <a16:creationId xmlns:a16="http://schemas.microsoft.com/office/drawing/2014/main" xmlns="" id="{D324AE97-E2C9-4642-887A-4474C5566AA6}"/>
               </a:ext>
             </a:extLst>
           </p:cNvPr>
@@ -1958,7 +1958,7 @@
           <p:cNvPr id="3" name="Date Placeholder 2">
             <a:extLst>
               <a:ext uri="{FF2B5EF4-FFF2-40B4-BE49-F238E27FC236}">
-                <a16:creationId xmlns:a16="http://schemas.microsoft.com/office/drawing/2014/main" id="{919EDCEA-D8A9-431E-AF93-4824C03FD0F2}"/>
+                <a16:creationId xmlns:a16="http://schemas.microsoft.com/office/drawing/2014/main" xmlns="" id="{919EDCEA-D8A9-431E-AF93-4824C03FD0F2}"/>
               </a:ext>
             </a:extLst>
           </p:cNvPr>
@@ -1976,7 +1976,7 @@
           <a:p>
             <a:fld id="{542F47FF-5056-41FF-A1F8-23A414798AA4}" type="datetimeFigureOut">
               <a:rPr lang="en-SG" smtClean="0"/>
-              <a:t>6/7/2018</a:t>
+              <a:t>18/10/18</a:t>
             </a:fld>
             <a:endParaRPr lang="en-SG"/>
           </a:p>
@@ -1987,7 +1987,7 @@
           <p:cNvPr id="4" name="Footer Placeholder 3">
             <a:extLst>
               <a:ext uri="{FF2B5EF4-FFF2-40B4-BE49-F238E27FC236}">
-                <a16:creationId xmlns:a16="http://schemas.microsoft.com/office/drawing/2014/main" id="{1F13DD51-16D3-435A-A475-0C2A7255A05E}"/>
+                <a16:creationId xmlns:a16="http://schemas.microsoft.com/office/drawing/2014/main" xmlns="" id="{1F13DD51-16D3-435A-A475-0C2A7255A05E}"/>
               </a:ext>
             </a:extLst>
           </p:cNvPr>
@@ -2012,7 +2012,7 @@
           <p:cNvPr id="5" name="Slide Number Placeholder 4">
             <a:extLst>
               <a:ext uri="{FF2B5EF4-FFF2-40B4-BE49-F238E27FC236}">
-                <a16:creationId xmlns:a16="http://schemas.microsoft.com/office/drawing/2014/main" id="{3D7AC15F-BADE-4466-835A-57B1A9E5162B}"/>
+                <a16:creationId xmlns:a16="http://schemas.microsoft.com/office/drawing/2014/main" xmlns="" id="{3D7AC15F-BADE-4466-835A-57B1A9E5162B}"/>
               </a:ext>
             </a:extLst>
           </p:cNvPr>
@@ -2071,7 +2071,7 @@
           <p:cNvPr id="2" name="Date Placeholder 1">
             <a:extLst>
               <a:ext uri="{FF2B5EF4-FFF2-40B4-BE49-F238E27FC236}">
-                <a16:creationId xmlns:a16="http://schemas.microsoft.com/office/drawing/2014/main" id="{48F01CC8-EEC4-4B3C-8C73-3EBB7DCEBE67}"/>
+                <a16:creationId xmlns:a16="http://schemas.microsoft.com/office/drawing/2014/main" xmlns="" id="{48F01CC8-EEC4-4B3C-8C73-3EBB7DCEBE67}"/>
               </a:ext>
             </a:extLst>
           </p:cNvPr>
@@ -2089,7 +2089,7 @@
           <a:p>
             <a:fld id="{542F47FF-5056-41FF-A1F8-23A414798AA4}" type="datetimeFigureOut">
               <a:rPr lang="en-SG" smtClean="0"/>
-              <a:t>6/7/2018</a:t>
+              <a:t>18/10/18</a:t>
             </a:fld>
             <a:endParaRPr lang="en-SG"/>
           </a:p>
@@ -2100,7 +2100,7 @@
           <p:cNvPr id="3" name="Footer Placeholder 2">
             <a:extLst>
               <a:ext uri="{FF2B5EF4-FFF2-40B4-BE49-F238E27FC236}">
-                <a16:creationId xmlns:a16="http://schemas.microsoft.com/office/drawing/2014/main" id="{4D820BAF-6E28-43DA-9E9B-8C229AB2A964}"/>
+                <a16:creationId xmlns:a16="http://schemas.microsoft.com/office/drawing/2014/main" xmlns="" id="{4D820BAF-6E28-43DA-9E9B-8C229AB2A964}"/>
               </a:ext>
             </a:extLst>
           </p:cNvPr>
@@ -2125,7 +2125,7 @@
           <p:cNvPr id="4" name="Slide Number Placeholder 3">
             <a:extLst>
               <a:ext uri="{FF2B5EF4-FFF2-40B4-BE49-F238E27FC236}">
-                <a16:creationId xmlns:a16="http://schemas.microsoft.com/office/drawing/2014/main" id="{49BFE3EF-B472-4F66-80D5-1B722E8086E6}"/>
+                <a16:creationId xmlns:a16="http://schemas.microsoft.com/office/drawing/2014/main" xmlns="" id="{49BFE3EF-B472-4F66-80D5-1B722E8086E6}"/>
               </a:ext>
             </a:extLst>
           </p:cNvPr>
@@ -2184,7 +2184,7 @@
           <p:cNvPr id="2" name="Title 1">
             <a:extLst>
               <a:ext uri="{FF2B5EF4-FFF2-40B4-BE49-F238E27FC236}">
-                <a16:creationId xmlns:a16="http://schemas.microsoft.com/office/drawing/2014/main" id="{E1ABDE73-0F58-47D3-8C8B-C147DE1C0B22}"/>
+                <a16:creationId xmlns:a16="http://schemas.microsoft.com/office/drawing/2014/main" xmlns="" id="{E1ABDE73-0F58-47D3-8C8B-C147DE1C0B22}"/>
               </a:ext>
             </a:extLst>
           </p:cNvPr>
@@ -2222,7 +2222,7 @@
           <p:cNvPr id="3" name="Content Placeholder 2">
             <a:extLst>
               <a:ext uri="{FF2B5EF4-FFF2-40B4-BE49-F238E27FC236}">
-                <a16:creationId xmlns:a16="http://schemas.microsoft.com/office/drawing/2014/main" id="{0167F6A8-B979-42A6-B421-40577DD5582F}"/>
+                <a16:creationId xmlns:a16="http://schemas.microsoft.com/office/drawing/2014/main" xmlns="" id="{0167F6A8-B979-42A6-B421-40577DD5582F}"/>
               </a:ext>
             </a:extLst>
           </p:cNvPr>
@@ -2313,7 +2313,7 @@
           <p:cNvPr id="4" name="Text Placeholder 3">
             <a:extLst>
               <a:ext uri="{FF2B5EF4-FFF2-40B4-BE49-F238E27FC236}">
-                <a16:creationId xmlns:a16="http://schemas.microsoft.com/office/drawing/2014/main" id="{6887A488-06FE-46E9-8AC5-DF38A61CCF05}"/>
+                <a16:creationId xmlns:a16="http://schemas.microsoft.com/office/drawing/2014/main" xmlns="" id="{6887A488-06FE-46E9-8AC5-DF38A61CCF05}"/>
               </a:ext>
             </a:extLst>
           </p:cNvPr>
@@ -2384,7 +2384,7 @@
           <p:cNvPr id="5" name="Date Placeholder 4">
             <a:extLst>
               <a:ext uri="{FF2B5EF4-FFF2-40B4-BE49-F238E27FC236}">
-                <a16:creationId xmlns:a16="http://schemas.microsoft.com/office/drawing/2014/main" id="{1225C56B-78B2-45C0-A8A9-C9D435A286D0}"/>
+                <a16:creationId xmlns:a16="http://schemas.microsoft.com/office/drawing/2014/main" xmlns="" id="{1225C56B-78B2-45C0-A8A9-C9D435A286D0}"/>
               </a:ext>
             </a:extLst>
           </p:cNvPr>
@@ -2402,7 +2402,7 @@
           <a:p>
             <a:fld id="{542F47FF-5056-41FF-A1F8-23A414798AA4}" type="datetimeFigureOut">
               <a:rPr lang="en-SG" smtClean="0"/>
-              <a:t>6/7/2018</a:t>
+              <a:t>18/10/18</a:t>
             </a:fld>
             <a:endParaRPr lang="en-SG"/>
           </a:p>
@@ -2413,7 +2413,7 @@
           <p:cNvPr id="6" name="Footer Placeholder 5">
             <a:extLst>
               <a:ext uri="{FF2B5EF4-FFF2-40B4-BE49-F238E27FC236}">
-                <a16:creationId xmlns:a16="http://schemas.microsoft.com/office/drawing/2014/main" id="{3F9E1B9E-B673-4E26-9323-D731DC395F9C}"/>
+                <a16:creationId xmlns:a16="http://schemas.microsoft.com/office/drawing/2014/main" xmlns="" id="{3F9E1B9E-B673-4E26-9323-D731DC395F9C}"/>
               </a:ext>
             </a:extLst>
           </p:cNvPr>
@@ -2438,7 +2438,7 @@
           <p:cNvPr id="7" name="Slide Number Placeholder 6">
             <a:extLst>
               <a:ext uri="{FF2B5EF4-FFF2-40B4-BE49-F238E27FC236}">
-                <a16:creationId xmlns:a16="http://schemas.microsoft.com/office/drawing/2014/main" id="{6633AB4A-8EB3-4154-869B-5580DEDF4F79}"/>
+                <a16:creationId xmlns:a16="http://schemas.microsoft.com/office/drawing/2014/main" xmlns="" id="{6633AB4A-8EB3-4154-869B-5580DEDF4F79}"/>
               </a:ext>
             </a:extLst>
           </p:cNvPr>
@@ -2497,7 +2497,7 @@
           <p:cNvPr id="2" name="Title 1">
             <a:extLst>
               <a:ext uri="{FF2B5EF4-FFF2-40B4-BE49-F238E27FC236}">
-                <a16:creationId xmlns:a16="http://schemas.microsoft.com/office/drawing/2014/main" id="{61D5430E-44A7-4B67-9F34-F532D5533356}"/>
+                <a16:creationId xmlns:a16="http://schemas.microsoft.com/office/drawing/2014/main" xmlns="" id="{61D5430E-44A7-4B67-9F34-F532D5533356}"/>
               </a:ext>
             </a:extLst>
           </p:cNvPr>
@@ -2535,7 +2535,7 @@
           <p:cNvPr id="3" name="Picture Placeholder 2">
             <a:extLst>
               <a:ext uri="{FF2B5EF4-FFF2-40B4-BE49-F238E27FC236}">
-                <a16:creationId xmlns:a16="http://schemas.microsoft.com/office/drawing/2014/main" id="{94374BCC-AC4A-4ED0-A7BD-6B2491EAED7E}"/>
+                <a16:creationId xmlns:a16="http://schemas.microsoft.com/office/drawing/2014/main" xmlns="" id="{94374BCC-AC4A-4ED0-A7BD-6B2491EAED7E}"/>
               </a:ext>
             </a:extLst>
           </p:cNvPr>
@@ -2602,7 +2602,7 @@
           <p:cNvPr id="4" name="Text Placeholder 3">
             <a:extLst>
               <a:ext uri="{FF2B5EF4-FFF2-40B4-BE49-F238E27FC236}">
-                <a16:creationId xmlns:a16="http://schemas.microsoft.com/office/drawing/2014/main" id="{5AD4568E-164B-462E-9285-49B735DD9DE7}"/>
+                <a16:creationId xmlns:a16="http://schemas.microsoft.com/office/drawing/2014/main" xmlns="" id="{5AD4568E-164B-462E-9285-49B735DD9DE7}"/>
               </a:ext>
             </a:extLst>
           </p:cNvPr>
@@ -2673,7 +2673,7 @@
           <p:cNvPr id="5" name="Date Placeholder 4">
             <a:extLst>
               <a:ext uri="{FF2B5EF4-FFF2-40B4-BE49-F238E27FC236}">
-                <a16:creationId xmlns:a16="http://schemas.microsoft.com/office/drawing/2014/main" id="{ABD88AB5-C9D0-4013-85B4-2228545F24AD}"/>
+                <a16:creationId xmlns:a16="http://schemas.microsoft.com/office/drawing/2014/main" xmlns="" id="{ABD88AB5-C9D0-4013-85B4-2228545F24AD}"/>
               </a:ext>
             </a:extLst>
           </p:cNvPr>
@@ -2691,7 +2691,7 @@
           <a:p>
             <a:fld id="{542F47FF-5056-41FF-A1F8-23A414798AA4}" type="datetimeFigureOut">
               <a:rPr lang="en-SG" smtClean="0"/>
-              <a:t>6/7/2018</a:t>
+              <a:t>18/10/18</a:t>
             </a:fld>
             <a:endParaRPr lang="en-SG"/>
           </a:p>
@@ -2702,7 +2702,7 @@
           <p:cNvPr id="6" name="Footer Placeholder 5">
             <a:extLst>
               <a:ext uri="{FF2B5EF4-FFF2-40B4-BE49-F238E27FC236}">
-                <a16:creationId xmlns:a16="http://schemas.microsoft.com/office/drawing/2014/main" id="{6378A798-E2A6-4417-A003-DE553E8EC325}"/>
+                <a16:creationId xmlns:a16="http://schemas.microsoft.com/office/drawing/2014/main" xmlns="" id="{6378A798-E2A6-4417-A003-DE553E8EC325}"/>
               </a:ext>
             </a:extLst>
           </p:cNvPr>
@@ -2727,7 +2727,7 @@
           <p:cNvPr id="7" name="Slide Number Placeholder 6">
             <a:extLst>
               <a:ext uri="{FF2B5EF4-FFF2-40B4-BE49-F238E27FC236}">
-                <a16:creationId xmlns:a16="http://schemas.microsoft.com/office/drawing/2014/main" id="{7BC6852D-C345-455C-9499-B57AE4D2D943}"/>
+                <a16:creationId xmlns:a16="http://schemas.microsoft.com/office/drawing/2014/main" xmlns="" id="{7BC6852D-C345-455C-9499-B57AE4D2D943}"/>
               </a:ext>
             </a:extLst>
           </p:cNvPr>
@@ -2791,7 +2791,7 @@
           <p:cNvPr id="2" name="Title Placeholder 1">
             <a:extLst>
               <a:ext uri="{FF2B5EF4-FFF2-40B4-BE49-F238E27FC236}">
-                <a16:creationId xmlns:a16="http://schemas.microsoft.com/office/drawing/2014/main" id="{CF097353-E272-4974-B34C-369C28928CA1}"/>
+                <a16:creationId xmlns:a16="http://schemas.microsoft.com/office/drawing/2014/main" xmlns="" id="{CF097353-E272-4974-B34C-369C28928CA1}"/>
               </a:ext>
             </a:extLst>
           </p:cNvPr>
@@ -2830,7 +2830,7 @@
           <p:cNvPr id="3" name="Text Placeholder 2">
             <a:extLst>
               <a:ext uri="{FF2B5EF4-FFF2-40B4-BE49-F238E27FC236}">
-                <a16:creationId xmlns:a16="http://schemas.microsoft.com/office/drawing/2014/main" id="{BB1BE290-84C1-4415-A557-1ACC36D1226C}"/>
+                <a16:creationId xmlns:a16="http://schemas.microsoft.com/office/drawing/2014/main" xmlns="" id="{BB1BE290-84C1-4415-A557-1ACC36D1226C}"/>
               </a:ext>
             </a:extLst>
           </p:cNvPr>
@@ -2898,7 +2898,7 @@
           <p:cNvPr id="4" name="Date Placeholder 3">
             <a:extLst>
               <a:ext uri="{FF2B5EF4-FFF2-40B4-BE49-F238E27FC236}">
-                <a16:creationId xmlns:a16="http://schemas.microsoft.com/office/drawing/2014/main" id="{F7EAAB47-96EA-44D5-8293-0D696F52A395}"/>
+                <a16:creationId xmlns:a16="http://schemas.microsoft.com/office/drawing/2014/main" xmlns="" id="{F7EAAB47-96EA-44D5-8293-0D696F52A395}"/>
               </a:ext>
             </a:extLst>
           </p:cNvPr>
@@ -2934,7 +2934,7 @@
           <a:p>
             <a:fld id="{542F47FF-5056-41FF-A1F8-23A414798AA4}" type="datetimeFigureOut">
               <a:rPr lang="en-SG" smtClean="0"/>
-              <a:t>6/7/2018</a:t>
+              <a:t>18/10/18</a:t>
             </a:fld>
             <a:endParaRPr lang="en-SG"/>
           </a:p>
@@ -2945,7 +2945,7 @@
           <p:cNvPr id="5" name="Footer Placeholder 4">
             <a:extLst>
               <a:ext uri="{FF2B5EF4-FFF2-40B4-BE49-F238E27FC236}">
-                <a16:creationId xmlns:a16="http://schemas.microsoft.com/office/drawing/2014/main" id="{F21C6E84-C98D-4391-98A0-E77A4221131C}"/>
+                <a16:creationId xmlns:a16="http://schemas.microsoft.com/office/drawing/2014/main" xmlns="" id="{F21C6E84-C98D-4391-98A0-E77A4221131C}"/>
               </a:ext>
             </a:extLst>
           </p:cNvPr>
@@ -2988,7 +2988,7 @@
           <p:cNvPr id="6" name="Slide Number Placeholder 5">
             <a:extLst>
               <a:ext uri="{FF2B5EF4-FFF2-40B4-BE49-F238E27FC236}">
-                <a16:creationId xmlns:a16="http://schemas.microsoft.com/office/drawing/2014/main" id="{FB352E9C-7394-48E0-A08D-56390F6520E1}"/>
+                <a16:creationId xmlns:a16="http://schemas.microsoft.com/office/drawing/2014/main" xmlns="" id="{FB352E9C-7394-48E0-A08D-56390F6520E1}"/>
               </a:ext>
             </a:extLst>
           </p:cNvPr>
@@ -3356,7 +3356,7 @@
           <p:cNvPr id="4" name="Oval 3">
             <a:extLst>
               <a:ext uri="{FF2B5EF4-FFF2-40B4-BE49-F238E27FC236}">
-                <a16:creationId xmlns:a16="http://schemas.microsoft.com/office/drawing/2014/main" id="{D45F487B-A914-4C8E-B564-00C9D621567D}"/>
+                <a16:creationId xmlns:a16="http://schemas.microsoft.com/office/drawing/2014/main" xmlns="" id="{D45F487B-A914-4C8E-B564-00C9D621567D}"/>
               </a:ext>
             </a:extLst>
           </p:cNvPr>
@@ -3405,7 +3405,7 @@
           <p:cNvPr id="6" name="Straight Arrow Connector 5">
             <a:extLst>
               <a:ext uri="{FF2B5EF4-FFF2-40B4-BE49-F238E27FC236}">
-                <a16:creationId xmlns:a16="http://schemas.microsoft.com/office/drawing/2014/main" id="{73D6638D-34B0-4D9A-B7DC-62ABF1C7D407}"/>
+                <a16:creationId xmlns:a16="http://schemas.microsoft.com/office/drawing/2014/main" xmlns="" id="{73D6638D-34B0-4D9A-B7DC-62ABF1C7D407}"/>
               </a:ext>
             </a:extLst>
           </p:cNvPr>
@@ -3448,7 +3448,7 @@
           <p:cNvPr id="8" name="Rectangle: Rounded Corners 7">
             <a:extLst>
               <a:ext uri="{FF2B5EF4-FFF2-40B4-BE49-F238E27FC236}">
-                <a16:creationId xmlns:a16="http://schemas.microsoft.com/office/drawing/2014/main" id="{C13E6F3C-30CD-49FB-94D8-AF011F54E935}"/>
+                <a16:creationId xmlns:a16="http://schemas.microsoft.com/office/drawing/2014/main" xmlns="" id="{C13E6F3C-30CD-49FB-94D8-AF011F54E935}"/>
               </a:ext>
             </a:extLst>
           </p:cNvPr>
@@ -3500,7 +3500,7 @@
           <p:cNvPr id="9" name="Straight Arrow Connector 8">
             <a:extLst>
               <a:ext uri="{FF2B5EF4-FFF2-40B4-BE49-F238E27FC236}">
-                <a16:creationId xmlns:a16="http://schemas.microsoft.com/office/drawing/2014/main" id="{6A0B3198-7B18-417D-A041-B13DF5BAE7A6}"/>
+                <a16:creationId xmlns:a16="http://schemas.microsoft.com/office/drawing/2014/main" xmlns="" id="{6A0B3198-7B18-417D-A041-B13DF5BAE7A6}"/>
               </a:ext>
             </a:extLst>
           </p:cNvPr>
@@ -3543,7 +3543,7 @@
           <p:cNvPr id="46" name="Diamond 45">
             <a:extLst>
               <a:ext uri="{FF2B5EF4-FFF2-40B4-BE49-F238E27FC236}">
-                <a16:creationId xmlns:a16="http://schemas.microsoft.com/office/drawing/2014/main" id="{FDB4A38F-F816-4320-82EB-071E9BA2EFAB}"/>
+                <a16:creationId xmlns:a16="http://schemas.microsoft.com/office/drawing/2014/main" xmlns="" id="{FDB4A38F-F816-4320-82EB-071E9BA2EFAB}"/>
               </a:ext>
             </a:extLst>
           </p:cNvPr>
@@ -3592,7 +3592,7 @@
           <p:cNvPr id="47" name="TextBox 46">
             <a:extLst>
               <a:ext uri="{FF2B5EF4-FFF2-40B4-BE49-F238E27FC236}">
-                <a16:creationId xmlns:a16="http://schemas.microsoft.com/office/drawing/2014/main" id="{791A7435-1CBD-4D64-B373-CDF617409EFD}"/>
+                <a16:creationId xmlns:a16="http://schemas.microsoft.com/office/drawing/2014/main" xmlns="" id="{791A7435-1CBD-4D64-B373-CDF617409EFD}"/>
               </a:ext>
             </a:extLst>
           </p:cNvPr>
@@ -3627,7 +3627,7 @@
           <p:cNvPr id="48" name="TextBox 47">
             <a:extLst>
               <a:ext uri="{FF2B5EF4-FFF2-40B4-BE49-F238E27FC236}">
-                <a16:creationId xmlns:a16="http://schemas.microsoft.com/office/drawing/2014/main" id="{300470AD-DA4C-4F16-91F5-E3E560CDBEFC}"/>
+                <a16:creationId xmlns:a16="http://schemas.microsoft.com/office/drawing/2014/main" xmlns="" id="{300470AD-DA4C-4F16-91F5-E3E560CDBEFC}"/>
               </a:ext>
             </a:extLst>
           </p:cNvPr>
@@ -3656,7 +3656,11 @@
             </a:r>
             <a:r>
               <a:rPr lang="en-US" dirty="0"/>
-              <a:t>command commits address book]</a:t>
+              <a:t>command commits </a:t>
+            </a:r>
+            <a:r>
+              <a:rPr lang="en-US" dirty="0" smtClean="0"/>
+              <a:t>task manager]</a:t>
             </a:r>
             <a:endParaRPr lang="en-SG" sz="1801" dirty="0"/>
           </a:p>
@@ -3667,7 +3671,7 @@
           <p:cNvPr id="51" name="Rectangle: Rounded Corners 50">
             <a:extLst>
               <a:ext uri="{FF2B5EF4-FFF2-40B4-BE49-F238E27FC236}">
-                <a16:creationId xmlns:a16="http://schemas.microsoft.com/office/drawing/2014/main" id="{D62D81FC-C644-4602-90C8-B7974D14CA54}"/>
+                <a16:creationId xmlns:a16="http://schemas.microsoft.com/office/drawing/2014/main" xmlns="" id="{D62D81FC-C644-4602-90C8-B7974D14CA54}"/>
               </a:ext>
             </a:extLst>
           </p:cNvPr>
@@ -3709,16 +3713,25 @@
             <a:pPr algn="ctr"/>
             <a:r>
               <a:rPr lang="en-SG" sz="1801" dirty="0"/>
-              <a:t>Purge redundant states and then save address book to </a:t>
-            </a:r>
-            <a:r>
-              <a:rPr lang="en-SG" sz="1801" dirty="0" err="1"/>
-              <a:t>addressBookStateList</a:t>
-            </a:r>
-            <a:r>
-              <a:rPr lang="en-SG" sz="1801" dirty="0"/>
+              <a:t>Purge redundant states and then save </a:t>
+            </a:r>
+            <a:r>
+              <a:rPr lang="en-SG" sz="1801" dirty="0" smtClean="0"/>
+              <a:t>task manager </a:t>
+            </a:r>
+            <a:r>
+              <a:rPr lang="en-SG" sz="1801" dirty="0" smtClean="0"/>
+              <a:t>to </a:t>
+            </a:r>
+            <a:r>
+              <a:rPr lang="en-SG" sz="1801" dirty="0" err="1" smtClean="0"/>
+              <a:t>taskManagerStateList</a:t>
+            </a:r>
+            <a:r>
+              <a:rPr lang="en-SG" sz="1801" dirty="0" smtClean="0"/>
               <a:t> </a:t>
             </a:r>
+            <a:endParaRPr lang="en-SG" sz="1801" dirty="0"/>
           </a:p>
         </p:txBody>
       </p:sp>
@@ -3727,7 +3740,7 @@
           <p:cNvPr id="56" name="Diamond 55">
             <a:extLst>
               <a:ext uri="{FF2B5EF4-FFF2-40B4-BE49-F238E27FC236}">
-                <a16:creationId xmlns:a16="http://schemas.microsoft.com/office/drawing/2014/main" id="{0ACD7DC4-F31E-42B2-9D34-41B1AE997EB1}"/>
+                <a16:creationId xmlns:a16="http://schemas.microsoft.com/office/drawing/2014/main" xmlns="" id="{0ACD7DC4-F31E-42B2-9D34-41B1AE997EB1}"/>
               </a:ext>
             </a:extLst>
           </p:cNvPr>
@@ -3776,7 +3789,7 @@
           <p:cNvPr id="69" name="Straight Arrow Connector 68">
             <a:extLst>
               <a:ext uri="{FF2B5EF4-FFF2-40B4-BE49-F238E27FC236}">
-                <a16:creationId xmlns:a16="http://schemas.microsoft.com/office/drawing/2014/main" id="{7BE2639B-14BA-4C9C-9964-899CEF3278C9}"/>
+                <a16:creationId xmlns:a16="http://schemas.microsoft.com/office/drawing/2014/main" xmlns="" id="{7BE2639B-14BA-4C9C-9964-899CEF3278C9}"/>
               </a:ext>
             </a:extLst>
           </p:cNvPr>
@@ -3819,7 +3832,7 @@
           <p:cNvPr id="75" name="Group 74">
             <a:extLst>
               <a:ext uri="{FF2B5EF4-FFF2-40B4-BE49-F238E27FC236}">
-                <a16:creationId xmlns:a16="http://schemas.microsoft.com/office/drawing/2014/main" id="{A48F4168-7D41-4ED6-97F1-58289DDE3C4D}"/>
+                <a16:creationId xmlns:a16="http://schemas.microsoft.com/office/drawing/2014/main" xmlns="" id="{A48F4168-7D41-4ED6-97F1-58289DDE3C4D}"/>
               </a:ext>
             </a:extLst>
           </p:cNvPr>
@@ -3839,7 +3852,7 @@
             <p:cNvPr id="68" name="Oval 67">
               <a:extLst>
                 <a:ext uri="{FF2B5EF4-FFF2-40B4-BE49-F238E27FC236}">
-                  <a16:creationId xmlns:a16="http://schemas.microsoft.com/office/drawing/2014/main" id="{E423C8D7-553D-4A16-BA68-78DB113CAEC3}"/>
+                  <a16:creationId xmlns:a16="http://schemas.microsoft.com/office/drawing/2014/main" xmlns="" id="{E423C8D7-553D-4A16-BA68-78DB113CAEC3}"/>
                 </a:ext>
               </a:extLst>
             </p:cNvPr>
@@ -3891,7 +3904,7 @@
             <p:cNvPr id="71" name="Oval 70">
               <a:extLst>
                 <a:ext uri="{FF2B5EF4-FFF2-40B4-BE49-F238E27FC236}">
-                  <a16:creationId xmlns:a16="http://schemas.microsoft.com/office/drawing/2014/main" id="{1F41AA13-1BFC-498E-BBC4-DC32053E38E1}"/>
+                  <a16:creationId xmlns:a16="http://schemas.microsoft.com/office/drawing/2014/main" xmlns="" id="{1F41AA13-1BFC-498E-BBC4-DC32053E38E1}"/>
                 </a:ext>
               </a:extLst>
             </p:cNvPr>

--- a/docs/diagrams/UndoRedoActivityDiagram.pptx
+++ b/docs/diagrams/UndoRedoActivityDiagram.pptx
@@ -112,10 +112,6 @@
 </p:presentation>
 </file>
 
-<file path=ppt/revisionInfo.xml><?xml version="1.0" encoding="utf-8"?>
-<p1510:revInfo xmlns:a="http://schemas.openxmlformats.org/drawingml/2006/main" xmlns:r="http://schemas.openxmlformats.org/officeDocument/2006/relationships" xmlns:p1510="http://schemas.microsoft.com/office/powerpoint/2015/10/main"/>
-</file>
-
 <file path=ppt/slideLayouts/slideLayout1.xml><?xml version="1.0" encoding="utf-8"?>
 <p:sldLayout xmlns:a="http://schemas.openxmlformats.org/drawingml/2006/main" xmlns:r="http://schemas.openxmlformats.org/officeDocument/2006/relationships" xmlns:p="http://schemas.openxmlformats.org/presentationml/2006/main" type="title" preserve="1">
   <p:cSld name="Title Slide">
@@ -265,7 +261,7 @@
           <a:p>
             <a:fld id="{542F47FF-5056-41FF-A1F8-23A414798AA4}" type="datetimeFigureOut">
               <a:rPr lang="en-SG" smtClean="0"/>
-              <a:t>6/7/2018</a:t>
+              <a:t>22/10/2018</a:t>
             </a:fld>
             <a:endParaRPr lang="en-SG"/>
           </a:p>
@@ -465,7 +461,7 @@
           <a:p>
             <a:fld id="{542F47FF-5056-41FF-A1F8-23A414798AA4}" type="datetimeFigureOut">
               <a:rPr lang="en-SG" smtClean="0"/>
-              <a:t>6/7/2018</a:t>
+              <a:t>22/10/2018</a:t>
             </a:fld>
             <a:endParaRPr lang="en-SG"/>
           </a:p>
@@ -675,7 +671,7 @@
           <a:p>
             <a:fld id="{542F47FF-5056-41FF-A1F8-23A414798AA4}" type="datetimeFigureOut">
               <a:rPr lang="en-SG" smtClean="0"/>
-              <a:t>6/7/2018</a:t>
+              <a:t>22/10/2018</a:t>
             </a:fld>
             <a:endParaRPr lang="en-SG"/>
           </a:p>
@@ -875,7 +871,7 @@
           <a:p>
             <a:fld id="{542F47FF-5056-41FF-A1F8-23A414798AA4}" type="datetimeFigureOut">
               <a:rPr lang="en-SG" smtClean="0"/>
-              <a:t>6/7/2018</a:t>
+              <a:t>22/10/2018</a:t>
             </a:fld>
             <a:endParaRPr lang="en-SG"/>
           </a:p>
@@ -1151,7 +1147,7 @@
           <a:p>
             <a:fld id="{542F47FF-5056-41FF-A1F8-23A414798AA4}" type="datetimeFigureOut">
               <a:rPr lang="en-SG" smtClean="0"/>
-              <a:t>6/7/2018</a:t>
+              <a:t>22/10/2018</a:t>
             </a:fld>
             <a:endParaRPr lang="en-SG"/>
           </a:p>
@@ -1419,7 +1415,7 @@
           <a:p>
             <a:fld id="{542F47FF-5056-41FF-A1F8-23A414798AA4}" type="datetimeFigureOut">
               <a:rPr lang="en-SG" smtClean="0"/>
-              <a:t>6/7/2018</a:t>
+              <a:t>22/10/2018</a:t>
             </a:fld>
             <a:endParaRPr lang="en-SG"/>
           </a:p>
@@ -1834,7 +1830,7 @@
           <a:p>
             <a:fld id="{542F47FF-5056-41FF-A1F8-23A414798AA4}" type="datetimeFigureOut">
               <a:rPr lang="en-SG" smtClean="0"/>
-              <a:t>6/7/2018</a:t>
+              <a:t>22/10/2018</a:t>
             </a:fld>
             <a:endParaRPr lang="en-SG"/>
           </a:p>
@@ -1976,7 +1972,7 @@
           <a:p>
             <a:fld id="{542F47FF-5056-41FF-A1F8-23A414798AA4}" type="datetimeFigureOut">
               <a:rPr lang="en-SG" smtClean="0"/>
-              <a:t>6/7/2018</a:t>
+              <a:t>22/10/2018</a:t>
             </a:fld>
             <a:endParaRPr lang="en-SG"/>
           </a:p>
@@ -2089,7 +2085,7 @@
           <a:p>
             <a:fld id="{542F47FF-5056-41FF-A1F8-23A414798AA4}" type="datetimeFigureOut">
               <a:rPr lang="en-SG" smtClean="0"/>
-              <a:t>6/7/2018</a:t>
+              <a:t>22/10/2018</a:t>
             </a:fld>
             <a:endParaRPr lang="en-SG"/>
           </a:p>
@@ -2402,7 +2398,7 @@
           <a:p>
             <a:fld id="{542F47FF-5056-41FF-A1F8-23A414798AA4}" type="datetimeFigureOut">
               <a:rPr lang="en-SG" smtClean="0"/>
-              <a:t>6/7/2018</a:t>
+              <a:t>22/10/2018</a:t>
             </a:fld>
             <a:endParaRPr lang="en-SG"/>
           </a:p>
@@ -2691,7 +2687,7 @@
           <a:p>
             <a:fld id="{542F47FF-5056-41FF-A1F8-23A414798AA4}" type="datetimeFigureOut">
               <a:rPr lang="en-SG" smtClean="0"/>
-              <a:t>6/7/2018</a:t>
+              <a:t>22/10/2018</a:t>
             </a:fld>
             <a:endParaRPr lang="en-SG"/>
           </a:p>
@@ -2934,7 +2930,7 @@
           <a:p>
             <a:fld id="{542F47FF-5056-41FF-A1F8-23A414798AA4}" type="datetimeFigureOut">
               <a:rPr lang="en-SG" smtClean="0"/>
-              <a:t>6/7/2018</a:t>
+              <a:t>22/10/2018</a:t>
             </a:fld>
             <a:endParaRPr lang="en-SG"/>
           </a:p>
@@ -3656,7 +3652,7 @@
             </a:r>
             <a:r>
               <a:rPr lang="en-US" dirty="0"/>
-              <a:t>command commits address book]</a:t>
+              <a:t>command commits schedule planner]</a:t>
             </a:r>
             <a:endParaRPr lang="en-SG" sz="1801" dirty="0"/>
           </a:p>
@@ -3709,11 +3705,11 @@
             <a:pPr algn="ctr"/>
             <a:r>
               <a:rPr lang="en-SG" sz="1801" dirty="0"/>
-              <a:t>Purge redundant states and then save address book to </a:t>
+              <a:t>Purge redundant states and then save schedule planner to </a:t>
             </a:r>
             <a:r>
               <a:rPr lang="en-SG" sz="1801" dirty="0" err="1"/>
-              <a:t>addressBookStateList</a:t>
+              <a:t>schedulePlannerStateList</a:t>
             </a:r>
             <a:r>
               <a:rPr lang="en-SG" sz="1801" dirty="0"/>

--- a/docs/diagrams/UndoRedoActivityDiagram.pptx
+++ b/docs/diagrams/UndoRedoActivityDiagram.pptx
@@ -112,10 +112,6 @@
 </p:presentation>
 </file>
 
-<file path=ppt/revisionInfo.xml><?xml version="1.0" encoding="utf-8"?>
-<p1510:revInfo xmlns:a="http://schemas.openxmlformats.org/drawingml/2006/main" xmlns:r="http://schemas.openxmlformats.org/officeDocument/2006/relationships" xmlns:p1510="http://schemas.microsoft.com/office/powerpoint/2015/10/main"/>
-</file>
-
 <file path=ppt/slideLayouts/slideLayout1.xml><?xml version="1.0" encoding="utf-8"?>
 <p:sldLayout xmlns:a="http://schemas.openxmlformats.org/drawingml/2006/main" xmlns:r="http://schemas.openxmlformats.org/officeDocument/2006/relationships" xmlns:p="http://schemas.openxmlformats.org/presentationml/2006/main" type="title" preserve="1">
   <p:cSld name="Title Slide">
@@ -265,7 +261,7 @@
           <a:p>
             <a:fld id="{542F47FF-5056-41FF-A1F8-23A414798AA4}" type="datetimeFigureOut">
               <a:rPr lang="en-SG" smtClean="0"/>
-              <a:t>6/7/2018</a:t>
+              <a:t>25/10/2018</a:t>
             </a:fld>
             <a:endParaRPr lang="en-SG"/>
           </a:p>
@@ -465,7 +461,7 @@
           <a:p>
             <a:fld id="{542F47FF-5056-41FF-A1F8-23A414798AA4}" type="datetimeFigureOut">
               <a:rPr lang="en-SG" smtClean="0"/>
-              <a:t>6/7/2018</a:t>
+              <a:t>25/10/2018</a:t>
             </a:fld>
             <a:endParaRPr lang="en-SG"/>
           </a:p>
@@ -675,7 +671,7 @@
           <a:p>
             <a:fld id="{542F47FF-5056-41FF-A1F8-23A414798AA4}" type="datetimeFigureOut">
               <a:rPr lang="en-SG" smtClean="0"/>
-              <a:t>6/7/2018</a:t>
+              <a:t>25/10/2018</a:t>
             </a:fld>
             <a:endParaRPr lang="en-SG"/>
           </a:p>
@@ -875,7 +871,7 @@
           <a:p>
             <a:fld id="{542F47FF-5056-41FF-A1F8-23A414798AA4}" type="datetimeFigureOut">
               <a:rPr lang="en-SG" smtClean="0"/>
-              <a:t>6/7/2018</a:t>
+              <a:t>25/10/2018</a:t>
             </a:fld>
             <a:endParaRPr lang="en-SG"/>
           </a:p>
@@ -1151,7 +1147,7 @@
           <a:p>
             <a:fld id="{542F47FF-5056-41FF-A1F8-23A414798AA4}" type="datetimeFigureOut">
               <a:rPr lang="en-SG" smtClean="0"/>
-              <a:t>6/7/2018</a:t>
+              <a:t>25/10/2018</a:t>
             </a:fld>
             <a:endParaRPr lang="en-SG"/>
           </a:p>
@@ -1419,7 +1415,7 @@
           <a:p>
             <a:fld id="{542F47FF-5056-41FF-A1F8-23A414798AA4}" type="datetimeFigureOut">
               <a:rPr lang="en-SG" smtClean="0"/>
-              <a:t>6/7/2018</a:t>
+              <a:t>25/10/2018</a:t>
             </a:fld>
             <a:endParaRPr lang="en-SG"/>
           </a:p>
@@ -1834,7 +1830,7 @@
           <a:p>
             <a:fld id="{542F47FF-5056-41FF-A1F8-23A414798AA4}" type="datetimeFigureOut">
               <a:rPr lang="en-SG" smtClean="0"/>
-              <a:t>6/7/2018</a:t>
+              <a:t>25/10/2018</a:t>
             </a:fld>
             <a:endParaRPr lang="en-SG"/>
           </a:p>
@@ -1976,7 +1972,7 @@
           <a:p>
             <a:fld id="{542F47FF-5056-41FF-A1F8-23A414798AA4}" type="datetimeFigureOut">
               <a:rPr lang="en-SG" smtClean="0"/>
-              <a:t>6/7/2018</a:t>
+              <a:t>25/10/2018</a:t>
             </a:fld>
             <a:endParaRPr lang="en-SG"/>
           </a:p>
@@ -2089,7 +2085,7 @@
           <a:p>
             <a:fld id="{542F47FF-5056-41FF-A1F8-23A414798AA4}" type="datetimeFigureOut">
               <a:rPr lang="en-SG" smtClean="0"/>
-              <a:t>6/7/2018</a:t>
+              <a:t>25/10/2018</a:t>
             </a:fld>
             <a:endParaRPr lang="en-SG"/>
           </a:p>
@@ -2402,7 +2398,7 @@
           <a:p>
             <a:fld id="{542F47FF-5056-41FF-A1F8-23A414798AA4}" type="datetimeFigureOut">
               <a:rPr lang="en-SG" smtClean="0"/>
-              <a:t>6/7/2018</a:t>
+              <a:t>25/10/2018</a:t>
             </a:fld>
             <a:endParaRPr lang="en-SG"/>
           </a:p>
@@ -2691,7 +2687,7 @@
           <a:p>
             <a:fld id="{542F47FF-5056-41FF-A1F8-23A414798AA4}" type="datetimeFigureOut">
               <a:rPr lang="en-SG" smtClean="0"/>
-              <a:t>6/7/2018</a:t>
+              <a:t>25/10/2018</a:t>
             </a:fld>
             <a:endParaRPr lang="en-SG"/>
           </a:p>
@@ -2934,7 +2930,7 @@
           <a:p>
             <a:fld id="{542F47FF-5056-41FF-A1F8-23A414798AA4}" type="datetimeFigureOut">
               <a:rPr lang="en-SG" smtClean="0"/>
-              <a:t>6/7/2018</a:t>
+              <a:t>25/10/2018</a:t>
             </a:fld>
             <a:endParaRPr lang="en-SG"/>
           </a:p>
@@ -3656,7 +3652,7 @@
             </a:r>
             <a:r>
               <a:rPr lang="en-US" dirty="0"/>
-              <a:t>command commits address book]</a:t>
+              <a:t>command commits scheduler]</a:t>
             </a:r>
             <a:endParaRPr lang="en-SG" sz="1801" dirty="0"/>
           </a:p>
@@ -3709,11 +3705,11 @@
             <a:pPr algn="ctr"/>
             <a:r>
               <a:rPr lang="en-SG" sz="1801" dirty="0"/>
-              <a:t>Purge redundant states and then save address book to </a:t>
+              <a:t>Purge redundant states and then save scheduler to </a:t>
             </a:r>
             <a:r>
               <a:rPr lang="en-SG" sz="1801" dirty="0" err="1"/>
-              <a:t>addressBookStateList</a:t>
+              <a:t>schedulerStateList</a:t>
             </a:r>
             <a:r>
               <a:rPr lang="en-SG" sz="1801" dirty="0"/>

--- a/docs/diagrams/UndoRedoActivityDiagram.pptx
+++ b/docs/diagrams/UndoRedoActivityDiagram.pptx
@@ -261,7 +261,7 @@
           <a:p>
             <a:fld id="{542F47FF-5056-41FF-A1F8-23A414798AA4}" type="datetimeFigureOut">
               <a:rPr lang="en-SG" smtClean="0"/>
-              <a:t>17/10/18</a:t>
+              <a:t>1/11/18</a:t>
             </a:fld>
             <a:endParaRPr lang="en-SG"/>
           </a:p>
@@ -461,7 +461,7 @@
           <a:p>
             <a:fld id="{542F47FF-5056-41FF-A1F8-23A414798AA4}" type="datetimeFigureOut">
               <a:rPr lang="en-SG" smtClean="0"/>
-              <a:t>17/10/18</a:t>
+              <a:t>1/11/18</a:t>
             </a:fld>
             <a:endParaRPr lang="en-SG"/>
           </a:p>
@@ -671,7 +671,7 @@
           <a:p>
             <a:fld id="{542F47FF-5056-41FF-A1F8-23A414798AA4}" type="datetimeFigureOut">
               <a:rPr lang="en-SG" smtClean="0"/>
-              <a:t>17/10/18</a:t>
+              <a:t>1/11/18</a:t>
             </a:fld>
             <a:endParaRPr lang="en-SG"/>
           </a:p>
@@ -871,7 +871,7 @@
           <a:p>
             <a:fld id="{542F47FF-5056-41FF-A1F8-23A414798AA4}" type="datetimeFigureOut">
               <a:rPr lang="en-SG" smtClean="0"/>
-              <a:t>17/10/18</a:t>
+              <a:t>1/11/18</a:t>
             </a:fld>
             <a:endParaRPr lang="en-SG"/>
           </a:p>
@@ -1147,7 +1147,7 @@
           <a:p>
             <a:fld id="{542F47FF-5056-41FF-A1F8-23A414798AA4}" type="datetimeFigureOut">
               <a:rPr lang="en-SG" smtClean="0"/>
-              <a:t>17/10/18</a:t>
+              <a:t>1/11/18</a:t>
             </a:fld>
             <a:endParaRPr lang="en-SG"/>
           </a:p>
@@ -1415,7 +1415,7 @@
           <a:p>
             <a:fld id="{542F47FF-5056-41FF-A1F8-23A414798AA4}" type="datetimeFigureOut">
               <a:rPr lang="en-SG" smtClean="0"/>
-              <a:t>17/10/18</a:t>
+              <a:t>1/11/18</a:t>
             </a:fld>
             <a:endParaRPr lang="en-SG"/>
           </a:p>
@@ -1830,7 +1830,7 @@
           <a:p>
             <a:fld id="{542F47FF-5056-41FF-A1F8-23A414798AA4}" type="datetimeFigureOut">
               <a:rPr lang="en-SG" smtClean="0"/>
-              <a:t>17/10/18</a:t>
+              <a:t>1/11/18</a:t>
             </a:fld>
             <a:endParaRPr lang="en-SG"/>
           </a:p>
@@ -1972,7 +1972,7 @@
           <a:p>
             <a:fld id="{542F47FF-5056-41FF-A1F8-23A414798AA4}" type="datetimeFigureOut">
               <a:rPr lang="en-SG" smtClean="0"/>
-              <a:t>17/10/18</a:t>
+              <a:t>1/11/18</a:t>
             </a:fld>
             <a:endParaRPr lang="en-SG"/>
           </a:p>
@@ -2085,7 +2085,7 @@
           <a:p>
             <a:fld id="{542F47FF-5056-41FF-A1F8-23A414798AA4}" type="datetimeFigureOut">
               <a:rPr lang="en-SG" smtClean="0"/>
-              <a:t>17/10/18</a:t>
+              <a:t>1/11/18</a:t>
             </a:fld>
             <a:endParaRPr lang="en-SG"/>
           </a:p>
@@ -2398,7 +2398,7 @@
           <a:p>
             <a:fld id="{542F47FF-5056-41FF-A1F8-23A414798AA4}" type="datetimeFigureOut">
               <a:rPr lang="en-SG" smtClean="0"/>
-              <a:t>17/10/18</a:t>
+              <a:t>1/11/18</a:t>
             </a:fld>
             <a:endParaRPr lang="en-SG"/>
           </a:p>
@@ -2687,7 +2687,7 @@
           <a:p>
             <a:fld id="{542F47FF-5056-41FF-A1F8-23A414798AA4}" type="datetimeFigureOut">
               <a:rPr lang="en-SG" smtClean="0"/>
-              <a:t>17/10/18</a:t>
+              <a:t>1/11/18</a:t>
             </a:fld>
             <a:endParaRPr lang="en-SG"/>
           </a:p>
@@ -2930,7 +2930,7 @@
           <a:p>
             <a:fld id="{542F47FF-5056-41FF-A1F8-23A414798AA4}" type="datetimeFigureOut">
               <a:rPr lang="en-SG" smtClean="0"/>
-              <a:t>17/10/18</a:t>
+              <a:t>1/11/18</a:t>
             </a:fld>
             <a:endParaRPr lang="en-SG"/>
           </a:p>
@@ -3361,7 +3361,7 @@
         </p:nvSpPr>
         <p:spPr>
           <a:xfrm>
-            <a:off x="2680041" y="3197106"/>
+            <a:off x="759801" y="3197106"/>
             <a:ext cx="235669" cy="235669"/>
           </a:xfrm>
           <a:prstGeom prst="ellipse">
@@ -3408,13 +3408,12 @@
           <p:cNvCxnSpPr>
             <a:cxnSpLocks/>
             <a:stCxn id="4" idx="6"/>
-            <a:endCxn id="8" idx="1"/>
           </p:cNvCxnSpPr>
           <p:nvPr/>
         </p:nvCxnSpPr>
         <p:spPr>
           <a:xfrm>
-            <a:off x="2915710" y="3314941"/>
+            <a:off x="995470" y="3314941"/>
             <a:ext cx="227605" cy="839"/>
           </a:xfrm>
           <a:prstGeom prst="straightConnector1">
@@ -3453,8 +3452,8 @@
         </p:nvSpPr>
         <p:spPr>
           <a:xfrm>
-            <a:off x="3143315" y="2957561"/>
-            <a:ext cx="1570355" cy="716437"/>
+            <a:off x="1257664" y="2954611"/>
+            <a:ext cx="1908607" cy="716437"/>
           </a:xfrm>
           <a:prstGeom prst="roundRect">
             <a:avLst/>
@@ -3486,7 +3485,7 @@
             <a:pPr algn="ctr"/>
             <a:r>
               <a:rPr lang="en-SG" sz="1801" dirty="0"/>
-              <a:t>User executes command</a:t>
+              <a:t>User executes transformation</a:t>
             </a:r>
           </a:p>
         </p:txBody>
@@ -3503,14 +3502,13 @@
           <p:cNvCxnSpPr>
             <a:cxnSpLocks/>
             <a:stCxn id="8" idx="3"/>
-            <a:endCxn id="56" idx="1"/>
           </p:cNvCxnSpPr>
           <p:nvPr/>
         </p:nvCxnSpPr>
         <p:spPr>
           <a:xfrm flipV="1">
-            <a:off x="4713670" y="3312830"/>
-            <a:ext cx="1043331" cy="2950"/>
+            <a:off x="3166271" y="3312829"/>
+            <a:ext cx="697069" cy="1"/>
           </a:xfrm>
           <a:prstGeom prst="straightConnector1">
             <a:avLst/>
@@ -3548,7 +3546,7 @@
         </p:nvSpPr>
         <p:spPr>
           <a:xfrm>
-            <a:off x="9650678" y="3075397"/>
+            <a:off x="6985014" y="3092485"/>
             <a:ext cx="480766" cy="480766"/>
           </a:xfrm>
           <a:prstGeom prst="diamond">
@@ -3597,7 +3595,7 @@
         </p:nvSpPr>
         <p:spPr>
           <a:xfrm>
-            <a:off x="5345870" y="3793595"/>
+            <a:off x="4019990" y="3813387"/>
             <a:ext cx="853127" cy="369460"/>
           </a:xfrm>
           <a:prstGeom prst="rect">
@@ -3632,8 +3630,8 @@
         </p:nvSpPr>
         <p:spPr>
           <a:xfrm>
-            <a:off x="4412106" y="2182578"/>
-            <a:ext cx="2066045" cy="553998"/>
+            <a:off x="2788920" y="2007116"/>
+            <a:ext cx="1891041" cy="769441"/>
           </a:xfrm>
           <a:prstGeom prst="rect">
             <a:avLst/>
@@ -3652,7 +3650,7 @@
             </a:r>
             <a:r>
               <a:rPr lang="en-US" sz="1400" dirty="0"/>
-              <a:t>command commits previewImageManager]</a:t>
+              <a:t>currentIndex is not pointing at the last state (currentSize -1)]</a:t>
             </a:r>
             <a:endParaRPr lang="en-SG" sz="1600" dirty="0"/>
           </a:p>
@@ -3672,8 +3670,8 @@
         </p:nvSpPr>
         <p:spPr>
           <a:xfrm>
-            <a:off x="6478151" y="2438400"/>
-            <a:ext cx="2953232" cy="814659"/>
+            <a:off x="4581005" y="2468228"/>
+            <a:ext cx="2231275" cy="814659"/>
           </a:xfrm>
           <a:prstGeom prst="roundRect">
             <a:avLst/>
@@ -3705,7 +3703,7 @@
             <a:pPr algn="ctr"/>
             <a:r>
               <a:rPr lang="en-SG" sz="1400" dirty="0"/>
-              <a:t>Purge redundant states, then update the model’s previewImage by requesting for currentPreviewImageState</a:t>
+              <a:t>Purge redundant states (states after currentIndex)</a:t>
             </a:r>
           </a:p>
         </p:txBody>
@@ -3724,7 +3722,7 @@
         </p:nvSpPr>
         <p:spPr>
           <a:xfrm>
-            <a:off x="5757001" y="3072447"/>
+            <a:off x="3863340" y="3082926"/>
             <a:ext cx="480766" cy="480766"/>
           </a:xfrm>
           <a:prstGeom prst="diamond">
@@ -3771,14 +3769,13 @@
           <p:cNvCxnSpPr>
             <a:cxnSpLocks/>
             <a:stCxn id="46" idx="3"/>
-            <a:endCxn id="68" idx="2"/>
           </p:cNvCxnSpPr>
           <p:nvPr/>
         </p:nvCxnSpPr>
         <p:spPr>
           <a:xfrm>
-            <a:off x="10131444" y="3315780"/>
-            <a:ext cx="419377" cy="7529"/>
+            <a:off x="7465780" y="3332868"/>
+            <a:ext cx="603800" cy="0"/>
           </a:xfrm>
           <a:prstGeom prst="straightConnector1">
             <a:avLst/>
@@ -3816,7 +3813,7 @@
         </p:nvGrpSpPr>
         <p:grpSpPr>
           <a:xfrm>
-            <a:off x="10550821" y="3205474"/>
+            <a:off x="10630831" y="3205474"/>
             <a:ext cx="235669" cy="235669"/>
             <a:chOff x="8040730" y="5082186"/>
             <a:chExt cx="235669" cy="235669"/>
@@ -3934,7 +3931,7 @@
         </p:nvCxnSpPr>
         <p:spPr>
           <a:xfrm rot="5400000" flipH="1" flipV="1">
-            <a:off x="6123581" y="2716584"/>
+            <a:off x="4229920" y="2727063"/>
             <a:ext cx="229667" cy="482060"/>
           </a:xfrm>
           <a:prstGeom prst="bentConnector2">
@@ -3970,12 +3967,12 @@
         </p:nvCxnSpPr>
         <p:spPr>
           <a:xfrm rot="16200000" flipH="1">
-            <a:off x="7942747" y="1607849"/>
-            <a:ext cx="2950" cy="3893677"/>
+            <a:off x="5659781" y="2007634"/>
+            <a:ext cx="9559" cy="3121674"/>
           </a:xfrm>
           <a:prstGeom prst="bentConnector3">
             <a:avLst>
-              <a:gd name="adj1" fmla="val 7849153"/>
+              <a:gd name="adj1" fmla="val 2491464"/>
             </a:avLst>
           </a:prstGeom>
           <a:ln>
@@ -4001,6 +3998,7 @@
         <p:nvCxnSpPr>
           <p:cNvPr id="74" name="Elbow Connector 73"/>
           <p:cNvCxnSpPr>
+            <a:cxnSpLocks/>
             <a:stCxn id="51" idx="3"/>
             <a:endCxn id="46" idx="0"/>
           </p:cNvCxnSpPr>
@@ -4008,10 +4006,103 @@
         </p:nvCxnSpPr>
         <p:spPr>
           <a:xfrm>
-            <a:off x="9431383" y="2845730"/>
-            <a:ext cx="459678" cy="229667"/>
+            <a:off x="6812280" y="2875558"/>
+            <a:ext cx="413117" cy="216927"/>
           </a:xfrm>
           <a:prstGeom prst="bentConnector2">
+            <a:avLst/>
+          </a:prstGeom>
+          <a:ln>
+            <a:tailEnd type="triangle"/>
+          </a:ln>
+        </p:spPr>
+        <p:style>
+          <a:lnRef idx="1">
+            <a:schemeClr val="dk1"/>
+          </a:lnRef>
+          <a:fillRef idx="0">
+            <a:schemeClr val="dk1"/>
+          </a:fillRef>
+          <a:effectRef idx="0">
+            <a:schemeClr val="dk1"/>
+          </a:effectRef>
+          <a:fontRef idx="minor">
+            <a:schemeClr val="tx1"/>
+          </a:fontRef>
+        </p:style>
+      </p:cxnSp>
+      <p:sp>
+        <p:nvSpPr>
+          <p:cNvPr id="27" name="Rectangle: Rounded Corners 7">
+            <a:extLst>
+              <a:ext uri="{FF2B5EF4-FFF2-40B4-BE49-F238E27FC236}">
+                <a16:creationId xmlns:a16="http://schemas.microsoft.com/office/drawing/2014/main" id="{118796D2-1FE6-A74D-82D7-AD6559BE3020}"/>
+              </a:ext>
+            </a:extLst>
+          </p:cNvPr>
+          <p:cNvSpPr/>
+          <p:nvPr/>
+        </p:nvSpPr>
+        <p:spPr>
+          <a:xfrm>
+            <a:off x="8094002" y="2488209"/>
+            <a:ext cx="1933029" cy="1649240"/>
+          </a:xfrm>
+          <a:prstGeom prst="roundRect">
+            <a:avLst/>
+          </a:prstGeom>
+        </p:spPr>
+        <p:style>
+          <a:lnRef idx="1">
+            <a:schemeClr val="accent5"/>
+          </a:lnRef>
+          <a:fillRef idx="2">
+            <a:schemeClr val="accent5"/>
+          </a:fillRef>
+          <a:effectRef idx="1">
+            <a:schemeClr val="accent5"/>
+          </a:effectRef>
+          <a:fontRef idx="minor">
+            <a:schemeClr val="dk1"/>
+          </a:fontRef>
+        </p:style>
+        <p:txBody>
+          <a:bodyPr rot="0" spcFirstLastPara="0" vertOverflow="overflow" horzOverflow="overflow" vert="horz" wrap="square" lIns="91440" tIns="45721" rIns="91440" bIns="45721" numCol="1" spcCol="0" rtlCol="0" fromWordArt="0" anchor="ctr" anchorCtr="0" forceAA="0" compatLnSpc="1">
+            <a:prstTxWarp prst="textNoShape">
+              <a:avLst/>
+            </a:prstTxWarp>
+            <a:noAutofit/>
+          </a:bodyPr>
+          <a:lstStyle/>
+          <a:p>
+            <a:pPr algn="ctr"/>
+            <a:r>
+              <a:rPr lang="en-SG" sz="1200" dirty="0"/>
+              <a:t>Increment currentSize and currentIndex, cache the transformed image. Update the UI with a ChangeImageEvent with the newly transformed image.</a:t>
+            </a:r>
+          </a:p>
+        </p:txBody>
+      </p:sp>
+      <p:cxnSp>
+        <p:nvCxnSpPr>
+          <p:cNvPr id="29" name="Straight Arrow Connector 28">
+            <a:extLst>
+              <a:ext uri="{FF2B5EF4-FFF2-40B4-BE49-F238E27FC236}">
+                <a16:creationId xmlns:a16="http://schemas.microsoft.com/office/drawing/2014/main" id="{9D3386A4-521B-FF44-AF6B-431F2B27BB56}"/>
+              </a:ext>
+            </a:extLst>
+          </p:cNvPr>
+          <p:cNvCxnSpPr>
+            <a:cxnSpLocks/>
+          </p:cNvCxnSpPr>
+          <p:nvPr/>
+        </p:nvCxnSpPr>
+        <p:spPr>
+          <a:xfrm>
+            <a:off x="10027031" y="3312829"/>
+            <a:ext cx="603800" cy="0"/>
+          </a:xfrm>
+          <a:prstGeom prst="straightConnector1">
             <a:avLst/>
           </a:prstGeom>
           <a:ln>

--- a/docs/diagrams/UndoRedoActivityDiagram.pptx
+++ b/docs/diagrams/UndoRedoActivityDiagram.pptx
@@ -112,10 +112,6 @@
 </p:presentation>
 </file>
 
-<file path=ppt/revisionInfo.xml><?xml version="1.0" encoding="utf-8"?>
-<p1510:revInfo xmlns:a="http://schemas.openxmlformats.org/drawingml/2006/main" xmlns:r="http://schemas.openxmlformats.org/officeDocument/2006/relationships" xmlns:p1510="http://schemas.microsoft.com/office/powerpoint/2015/10/main"/>
-</file>
-
 <file path=ppt/slideLayouts/slideLayout1.xml><?xml version="1.0" encoding="utf-8"?>
 <p:sldLayout xmlns:a="http://schemas.openxmlformats.org/drawingml/2006/main" xmlns:r="http://schemas.openxmlformats.org/officeDocument/2006/relationships" xmlns:p="http://schemas.openxmlformats.org/presentationml/2006/main" type="title" preserve="1">
   <p:cSld name="Title Slide">
@@ -265,7 +261,7 @@
           <a:p>
             <a:fld id="{542F47FF-5056-41FF-A1F8-23A414798AA4}" type="datetimeFigureOut">
               <a:rPr lang="en-SG" smtClean="0"/>
-              <a:t>6/7/2018</a:t>
+              <a:t>6/11/2018</a:t>
             </a:fld>
             <a:endParaRPr lang="en-SG"/>
           </a:p>
@@ -465,7 +461,7 @@
           <a:p>
             <a:fld id="{542F47FF-5056-41FF-A1F8-23A414798AA4}" type="datetimeFigureOut">
               <a:rPr lang="en-SG" smtClean="0"/>
-              <a:t>6/7/2018</a:t>
+              <a:t>6/11/2018</a:t>
             </a:fld>
             <a:endParaRPr lang="en-SG"/>
           </a:p>
@@ -675,7 +671,7 @@
           <a:p>
             <a:fld id="{542F47FF-5056-41FF-A1F8-23A414798AA4}" type="datetimeFigureOut">
               <a:rPr lang="en-SG" smtClean="0"/>
-              <a:t>6/7/2018</a:t>
+              <a:t>6/11/2018</a:t>
             </a:fld>
             <a:endParaRPr lang="en-SG"/>
           </a:p>
@@ -875,7 +871,7 @@
           <a:p>
             <a:fld id="{542F47FF-5056-41FF-A1F8-23A414798AA4}" type="datetimeFigureOut">
               <a:rPr lang="en-SG" smtClean="0"/>
-              <a:t>6/7/2018</a:t>
+              <a:t>6/11/2018</a:t>
             </a:fld>
             <a:endParaRPr lang="en-SG"/>
           </a:p>
@@ -1151,7 +1147,7 @@
           <a:p>
             <a:fld id="{542F47FF-5056-41FF-A1F8-23A414798AA4}" type="datetimeFigureOut">
               <a:rPr lang="en-SG" smtClean="0"/>
-              <a:t>6/7/2018</a:t>
+              <a:t>6/11/2018</a:t>
             </a:fld>
             <a:endParaRPr lang="en-SG"/>
           </a:p>
@@ -1419,7 +1415,7 @@
           <a:p>
             <a:fld id="{542F47FF-5056-41FF-A1F8-23A414798AA4}" type="datetimeFigureOut">
               <a:rPr lang="en-SG" smtClean="0"/>
-              <a:t>6/7/2018</a:t>
+              <a:t>6/11/2018</a:t>
             </a:fld>
             <a:endParaRPr lang="en-SG"/>
           </a:p>
@@ -1834,7 +1830,7 @@
           <a:p>
             <a:fld id="{542F47FF-5056-41FF-A1F8-23A414798AA4}" type="datetimeFigureOut">
               <a:rPr lang="en-SG" smtClean="0"/>
-              <a:t>6/7/2018</a:t>
+              <a:t>6/11/2018</a:t>
             </a:fld>
             <a:endParaRPr lang="en-SG"/>
           </a:p>
@@ -1976,7 +1972,7 @@
           <a:p>
             <a:fld id="{542F47FF-5056-41FF-A1F8-23A414798AA4}" type="datetimeFigureOut">
               <a:rPr lang="en-SG" smtClean="0"/>
-              <a:t>6/7/2018</a:t>
+              <a:t>6/11/2018</a:t>
             </a:fld>
             <a:endParaRPr lang="en-SG"/>
           </a:p>
@@ -2089,7 +2085,7 @@
           <a:p>
             <a:fld id="{542F47FF-5056-41FF-A1F8-23A414798AA4}" type="datetimeFigureOut">
               <a:rPr lang="en-SG" smtClean="0"/>
-              <a:t>6/7/2018</a:t>
+              <a:t>6/11/2018</a:t>
             </a:fld>
             <a:endParaRPr lang="en-SG"/>
           </a:p>
@@ -2402,7 +2398,7 @@
           <a:p>
             <a:fld id="{542F47FF-5056-41FF-A1F8-23A414798AA4}" type="datetimeFigureOut">
               <a:rPr lang="en-SG" smtClean="0"/>
-              <a:t>6/7/2018</a:t>
+              <a:t>6/11/2018</a:t>
             </a:fld>
             <a:endParaRPr lang="en-SG"/>
           </a:p>
@@ -2691,7 +2687,7 @@
           <a:p>
             <a:fld id="{542F47FF-5056-41FF-A1F8-23A414798AA4}" type="datetimeFigureOut">
               <a:rPr lang="en-SG" smtClean="0"/>
-              <a:t>6/7/2018</a:t>
+              <a:t>6/11/2018</a:t>
             </a:fld>
             <a:endParaRPr lang="en-SG"/>
           </a:p>
@@ -2934,7 +2930,7 @@
           <a:p>
             <a:fld id="{542F47FF-5056-41FF-A1F8-23A414798AA4}" type="datetimeFigureOut">
               <a:rPr lang="en-SG" smtClean="0"/>
-              <a:t>6/7/2018</a:t>
+              <a:t>6/11/2018</a:t>
             </a:fld>
             <a:endParaRPr lang="en-SG"/>
           </a:p>
@@ -3656,7 +3652,7 @@
             </a:r>
             <a:r>
               <a:rPr lang="en-US" dirty="0"/>
-              <a:t>command commits address book]</a:t>
+              <a:t>command commits article list]</a:t>
             </a:r>
             <a:endParaRPr lang="en-SG" sz="1801" dirty="0"/>
           </a:p>
@@ -3709,11 +3705,11 @@
             <a:pPr algn="ctr"/>
             <a:r>
               <a:rPr lang="en-SG" sz="1801" dirty="0"/>
-              <a:t>Purge redundant states and then save address book to </a:t>
+              <a:t>Purge redundant states and then save article list to </a:t>
             </a:r>
             <a:r>
               <a:rPr lang="en-SG" sz="1801" dirty="0" err="1"/>
-              <a:t>addressBookStateList</a:t>
+              <a:t>articleListStateList</a:t>
             </a:r>
             <a:r>
               <a:rPr lang="en-SG" sz="1801" dirty="0"/>

--- a/docs/diagrams/UndoRedoActivityDiagram.pptx
+++ b/docs/diagrams/UndoRedoActivityDiagram.pptx
@@ -112,10 +112,6 @@
 </p:presentation>
 </file>
 
-<file path=ppt/revisionInfo.xml><?xml version="1.0" encoding="utf-8"?>
-<p1510:revInfo xmlns:a="http://schemas.openxmlformats.org/drawingml/2006/main" xmlns:r="http://schemas.openxmlformats.org/officeDocument/2006/relationships" xmlns:p1510="http://schemas.microsoft.com/office/powerpoint/2015/10/main"/>
-</file>
-
 <file path=ppt/slideLayouts/slideLayout1.xml><?xml version="1.0" encoding="utf-8"?>
 <p:sldLayout xmlns:a="http://schemas.openxmlformats.org/drawingml/2006/main" xmlns:r="http://schemas.openxmlformats.org/officeDocument/2006/relationships" xmlns:p="http://schemas.openxmlformats.org/presentationml/2006/main" type="title" preserve="1">
   <p:cSld name="Title Slide">
@@ -265,7 +261,7 @@
           <a:p>
             <a:fld id="{542F47FF-5056-41FF-A1F8-23A414798AA4}" type="datetimeFigureOut">
               <a:rPr lang="en-SG" smtClean="0"/>
-              <a:t>6/7/2018</a:t>
+              <a:t>9/11/2018</a:t>
             </a:fld>
             <a:endParaRPr lang="en-SG"/>
           </a:p>
@@ -465,7 +461,7 @@
           <a:p>
             <a:fld id="{542F47FF-5056-41FF-A1F8-23A414798AA4}" type="datetimeFigureOut">
               <a:rPr lang="en-SG" smtClean="0"/>
-              <a:t>6/7/2018</a:t>
+              <a:t>9/11/2018</a:t>
             </a:fld>
             <a:endParaRPr lang="en-SG"/>
           </a:p>
@@ -675,7 +671,7 @@
           <a:p>
             <a:fld id="{542F47FF-5056-41FF-A1F8-23A414798AA4}" type="datetimeFigureOut">
               <a:rPr lang="en-SG" smtClean="0"/>
-              <a:t>6/7/2018</a:t>
+              <a:t>9/11/2018</a:t>
             </a:fld>
             <a:endParaRPr lang="en-SG"/>
           </a:p>
@@ -875,7 +871,7 @@
           <a:p>
             <a:fld id="{542F47FF-5056-41FF-A1F8-23A414798AA4}" type="datetimeFigureOut">
               <a:rPr lang="en-SG" smtClean="0"/>
-              <a:t>6/7/2018</a:t>
+              <a:t>9/11/2018</a:t>
             </a:fld>
             <a:endParaRPr lang="en-SG"/>
           </a:p>
@@ -1151,7 +1147,7 @@
           <a:p>
             <a:fld id="{542F47FF-5056-41FF-A1F8-23A414798AA4}" type="datetimeFigureOut">
               <a:rPr lang="en-SG" smtClean="0"/>
-              <a:t>6/7/2018</a:t>
+              <a:t>9/11/2018</a:t>
             </a:fld>
             <a:endParaRPr lang="en-SG"/>
           </a:p>
@@ -1419,7 +1415,7 @@
           <a:p>
             <a:fld id="{542F47FF-5056-41FF-A1F8-23A414798AA4}" type="datetimeFigureOut">
               <a:rPr lang="en-SG" smtClean="0"/>
-              <a:t>6/7/2018</a:t>
+              <a:t>9/11/2018</a:t>
             </a:fld>
             <a:endParaRPr lang="en-SG"/>
           </a:p>
@@ -1834,7 +1830,7 @@
           <a:p>
             <a:fld id="{542F47FF-5056-41FF-A1F8-23A414798AA4}" type="datetimeFigureOut">
               <a:rPr lang="en-SG" smtClean="0"/>
-              <a:t>6/7/2018</a:t>
+              <a:t>9/11/2018</a:t>
             </a:fld>
             <a:endParaRPr lang="en-SG"/>
           </a:p>
@@ -1976,7 +1972,7 @@
           <a:p>
             <a:fld id="{542F47FF-5056-41FF-A1F8-23A414798AA4}" type="datetimeFigureOut">
               <a:rPr lang="en-SG" smtClean="0"/>
-              <a:t>6/7/2018</a:t>
+              <a:t>9/11/2018</a:t>
             </a:fld>
             <a:endParaRPr lang="en-SG"/>
           </a:p>
@@ -2089,7 +2085,7 @@
           <a:p>
             <a:fld id="{542F47FF-5056-41FF-A1F8-23A414798AA4}" type="datetimeFigureOut">
               <a:rPr lang="en-SG" smtClean="0"/>
-              <a:t>6/7/2018</a:t>
+              <a:t>9/11/2018</a:t>
             </a:fld>
             <a:endParaRPr lang="en-SG"/>
           </a:p>
@@ -2402,7 +2398,7 @@
           <a:p>
             <a:fld id="{542F47FF-5056-41FF-A1F8-23A414798AA4}" type="datetimeFigureOut">
               <a:rPr lang="en-SG" smtClean="0"/>
-              <a:t>6/7/2018</a:t>
+              <a:t>9/11/2018</a:t>
             </a:fld>
             <a:endParaRPr lang="en-SG"/>
           </a:p>
@@ -2691,7 +2687,7 @@
           <a:p>
             <a:fld id="{542F47FF-5056-41FF-A1F8-23A414798AA4}" type="datetimeFigureOut">
               <a:rPr lang="en-SG" smtClean="0"/>
-              <a:t>6/7/2018</a:t>
+              <a:t>9/11/2018</a:t>
             </a:fld>
             <a:endParaRPr lang="en-SG"/>
           </a:p>
@@ -2934,7 +2930,7 @@
           <a:p>
             <a:fld id="{542F47FF-5056-41FF-A1F8-23A414798AA4}" type="datetimeFigureOut">
               <a:rPr lang="en-SG" smtClean="0"/>
-              <a:t>6/7/2018</a:t>
+              <a:t>9/11/2018</a:t>
             </a:fld>
             <a:endParaRPr lang="en-SG"/>
           </a:p>
@@ -3656,7 +3652,7 @@
             </a:r>
             <a:r>
               <a:rPr lang="en-US" dirty="0"/>
-              <a:t>command commits address book]</a:t>
+              <a:t>command commits restaurant book]</a:t>
             </a:r>
             <a:endParaRPr lang="en-SG" sz="1801" dirty="0"/>
           </a:p>
@@ -3713,7 +3709,7 @@
             </a:r>
             <a:r>
               <a:rPr lang="en-SG" sz="1801" dirty="0" err="1"/>
-              <a:t>addressBookStateList</a:t>
+              <a:t>restaurantBookStateList</a:t>
             </a:r>
             <a:r>
               <a:rPr lang="en-SG" sz="1801" dirty="0"/>

--- a/docs/diagrams/UndoRedoActivityDiagram.pptx
+++ b/docs/diagrams/UndoRedoActivityDiagram.pptx
@@ -6,6 +6,8 @@
   </p:sldMasterIdLst>
   <p:sldIdLst>
     <p:sldId id="256" r:id="rId2"/>
+    <p:sldId id="257" r:id="rId3"/>
+    <p:sldId id="258" r:id="rId4"/>
   </p:sldIdLst>
   <p:sldSz cx="12192000" cy="6858000"/>
   <p:notesSz cx="6858000" cy="9144000"/>
@@ -261,7 +263,7 @@
           <a:p>
             <a:fld id="{542F47FF-5056-41FF-A1F8-23A414798AA4}" type="datetimeFigureOut">
               <a:rPr lang="en-SG" smtClean="0"/>
-              <a:t>1/11/18</a:t>
+              <a:t>10/11/18</a:t>
             </a:fld>
             <a:endParaRPr lang="en-SG"/>
           </a:p>
@@ -461,7 +463,7 @@
           <a:p>
             <a:fld id="{542F47FF-5056-41FF-A1F8-23A414798AA4}" type="datetimeFigureOut">
               <a:rPr lang="en-SG" smtClean="0"/>
-              <a:t>1/11/18</a:t>
+              <a:t>10/11/18</a:t>
             </a:fld>
             <a:endParaRPr lang="en-SG"/>
           </a:p>
@@ -671,7 +673,7 @@
           <a:p>
             <a:fld id="{542F47FF-5056-41FF-A1F8-23A414798AA4}" type="datetimeFigureOut">
               <a:rPr lang="en-SG" smtClean="0"/>
-              <a:t>1/11/18</a:t>
+              <a:t>10/11/18</a:t>
             </a:fld>
             <a:endParaRPr lang="en-SG"/>
           </a:p>
@@ -871,7 +873,7 @@
           <a:p>
             <a:fld id="{542F47FF-5056-41FF-A1F8-23A414798AA4}" type="datetimeFigureOut">
               <a:rPr lang="en-SG" smtClean="0"/>
-              <a:t>1/11/18</a:t>
+              <a:t>10/11/18</a:t>
             </a:fld>
             <a:endParaRPr lang="en-SG"/>
           </a:p>
@@ -1147,7 +1149,7 @@
           <a:p>
             <a:fld id="{542F47FF-5056-41FF-A1F8-23A414798AA4}" type="datetimeFigureOut">
               <a:rPr lang="en-SG" smtClean="0"/>
-              <a:t>1/11/18</a:t>
+              <a:t>10/11/18</a:t>
             </a:fld>
             <a:endParaRPr lang="en-SG"/>
           </a:p>
@@ -1415,7 +1417,7 @@
           <a:p>
             <a:fld id="{542F47FF-5056-41FF-A1F8-23A414798AA4}" type="datetimeFigureOut">
               <a:rPr lang="en-SG" smtClean="0"/>
-              <a:t>1/11/18</a:t>
+              <a:t>10/11/18</a:t>
             </a:fld>
             <a:endParaRPr lang="en-SG"/>
           </a:p>
@@ -1830,7 +1832,7 @@
           <a:p>
             <a:fld id="{542F47FF-5056-41FF-A1F8-23A414798AA4}" type="datetimeFigureOut">
               <a:rPr lang="en-SG" smtClean="0"/>
-              <a:t>1/11/18</a:t>
+              <a:t>10/11/18</a:t>
             </a:fld>
             <a:endParaRPr lang="en-SG"/>
           </a:p>
@@ -1972,7 +1974,7 @@
           <a:p>
             <a:fld id="{542F47FF-5056-41FF-A1F8-23A414798AA4}" type="datetimeFigureOut">
               <a:rPr lang="en-SG" smtClean="0"/>
-              <a:t>1/11/18</a:t>
+              <a:t>10/11/18</a:t>
             </a:fld>
             <a:endParaRPr lang="en-SG"/>
           </a:p>
@@ -2085,7 +2087,7 @@
           <a:p>
             <a:fld id="{542F47FF-5056-41FF-A1F8-23A414798AA4}" type="datetimeFigureOut">
               <a:rPr lang="en-SG" smtClean="0"/>
-              <a:t>1/11/18</a:t>
+              <a:t>10/11/18</a:t>
             </a:fld>
             <a:endParaRPr lang="en-SG"/>
           </a:p>
@@ -2398,7 +2400,7 @@
           <a:p>
             <a:fld id="{542F47FF-5056-41FF-A1F8-23A414798AA4}" type="datetimeFigureOut">
               <a:rPr lang="en-SG" smtClean="0"/>
-              <a:t>1/11/18</a:t>
+              <a:t>10/11/18</a:t>
             </a:fld>
             <a:endParaRPr lang="en-SG"/>
           </a:p>
@@ -2687,7 +2689,7 @@
           <a:p>
             <a:fld id="{542F47FF-5056-41FF-A1F8-23A414798AA4}" type="datetimeFigureOut">
               <a:rPr lang="en-SG" smtClean="0"/>
-              <a:t>1/11/18</a:t>
+              <a:t>10/11/18</a:t>
             </a:fld>
             <a:endParaRPr lang="en-SG"/>
           </a:p>
@@ -2930,7 +2932,7 @@
           <a:p>
             <a:fld id="{542F47FF-5056-41FF-A1F8-23A414798AA4}" type="datetimeFigureOut">
               <a:rPr lang="en-SG" smtClean="0"/>
-              <a:t>1/11/18</a:t>
+              <a:t>10/11/18</a:t>
             </a:fld>
             <a:endParaRPr lang="en-SG"/>
           </a:p>
@@ -3630,8 +3632,8 @@
         </p:nvSpPr>
         <p:spPr>
           <a:xfrm>
-            <a:off x="2788920" y="2007116"/>
-            <a:ext cx="1891041" cy="769441"/>
+            <a:off x="2793575" y="1622796"/>
+            <a:ext cx="1891041" cy="1200329"/>
           </a:xfrm>
           <a:prstGeom prst="rect">
             <a:avLst/>
@@ -3650,7 +3652,7 @@
             </a:r>
             <a:r>
               <a:rPr lang="en-US" sz="1400" dirty="0"/>
-              <a:t>currentIndex is not pointing at the last state (currentSize -1)]</a:t>
+              <a:t>currentIndex of the currentLayer’s previewImage is not pointing at the last state (currentSize -1)]</a:t>
             </a:r>
             <a:endParaRPr lang="en-SG" sz="1600" dirty="0"/>
           </a:p>
@@ -4078,7 +4080,7 @@
             <a:pPr algn="ctr"/>
             <a:r>
               <a:rPr lang="en-SG" sz="1200" dirty="0"/>
-              <a:t>Increment currentSize and currentIndex, cache the transformed image. Update the UI with a ChangeImageEvent with the newly transformed image.</a:t>
+              <a:t>Increment currentSize and currentIndex, cache the transformed image. ImageMagick renders the new canvas with the newly transformed image to update the UI.</a:t>
             </a:r>
           </a:p>
         </p:txBody>
@@ -4128,6 +4130,1734 @@
     <p:extLst>
       <p:ext uri="{BB962C8B-B14F-4D97-AF65-F5344CB8AC3E}">
         <p14:creationId xmlns:p14="http://schemas.microsoft.com/office/powerpoint/2010/main" val="409515240"/>
+      </p:ext>
+    </p:extLst>
+  </p:cSld>
+  <p:clrMapOvr>
+    <a:masterClrMapping/>
+  </p:clrMapOvr>
+</p:sld>
+</file>
+
+<file path=ppt/slides/slide2.xml><?xml version="1.0" encoding="utf-8"?>
+<p:sld xmlns:a="http://schemas.openxmlformats.org/drawingml/2006/main" xmlns:r="http://schemas.openxmlformats.org/officeDocument/2006/relationships" xmlns:p="http://schemas.openxmlformats.org/presentationml/2006/main">
+  <p:cSld>
+    <p:spTree>
+      <p:nvGrpSpPr>
+        <p:cNvPr id="1" name=""/>
+        <p:cNvGrpSpPr/>
+        <p:nvPr/>
+      </p:nvGrpSpPr>
+      <p:grpSpPr>
+        <a:xfrm>
+          <a:off x="0" y="0"/>
+          <a:ext cx="0" cy="0"/>
+          <a:chOff x="0" y="0"/>
+          <a:chExt cx="0" cy="0"/>
+        </a:xfrm>
+      </p:grpSpPr>
+      <p:sp>
+        <p:nvSpPr>
+          <p:cNvPr id="4" name="Oval 3">
+            <a:extLst>
+              <a:ext uri="{FF2B5EF4-FFF2-40B4-BE49-F238E27FC236}">
+                <a16:creationId xmlns:a16="http://schemas.microsoft.com/office/drawing/2014/main" id="{D45F487B-A914-4C8E-B564-00C9D621567D}"/>
+              </a:ext>
+            </a:extLst>
+          </p:cNvPr>
+          <p:cNvSpPr/>
+          <p:nvPr/>
+        </p:nvSpPr>
+        <p:spPr>
+          <a:xfrm>
+            <a:off x="336891" y="3197106"/>
+            <a:ext cx="235669" cy="235669"/>
+          </a:xfrm>
+          <a:prstGeom prst="ellipse">
+            <a:avLst/>
+          </a:prstGeom>
+        </p:spPr>
+        <p:style>
+          <a:lnRef idx="1">
+            <a:schemeClr val="accent1"/>
+          </a:lnRef>
+          <a:fillRef idx="2">
+            <a:schemeClr val="accent1"/>
+          </a:fillRef>
+          <a:effectRef idx="1">
+            <a:schemeClr val="accent1"/>
+          </a:effectRef>
+          <a:fontRef idx="minor">
+            <a:schemeClr val="dk1"/>
+          </a:fontRef>
+        </p:style>
+        <p:txBody>
+          <a:bodyPr rot="0" spcFirstLastPara="0" vertOverflow="overflow" horzOverflow="overflow" vert="horz" wrap="square" lIns="91440" tIns="45721" rIns="91440" bIns="45721" numCol="1" spcCol="0" rtlCol="0" fromWordArt="0" anchor="ctr" anchorCtr="0" forceAA="0" compatLnSpc="1">
+            <a:prstTxWarp prst="textNoShape">
+              <a:avLst/>
+            </a:prstTxWarp>
+            <a:noAutofit/>
+          </a:bodyPr>
+          <a:lstStyle/>
+          <a:p>
+            <a:pPr algn="ctr"/>
+            <a:endParaRPr lang="en-SG" sz="1801"/>
+          </a:p>
+        </p:txBody>
+      </p:sp>
+      <p:cxnSp>
+        <p:nvCxnSpPr>
+          <p:cNvPr id="6" name="Straight Arrow Connector 5">
+            <a:extLst>
+              <a:ext uri="{FF2B5EF4-FFF2-40B4-BE49-F238E27FC236}">
+                <a16:creationId xmlns:a16="http://schemas.microsoft.com/office/drawing/2014/main" id="{73D6638D-34B0-4D9A-B7DC-62ABF1C7D407}"/>
+              </a:ext>
+            </a:extLst>
+          </p:cNvPr>
+          <p:cNvCxnSpPr>
+            <a:cxnSpLocks/>
+            <a:stCxn id="4" idx="6"/>
+          </p:cNvCxnSpPr>
+          <p:nvPr/>
+        </p:nvCxnSpPr>
+        <p:spPr>
+          <a:xfrm>
+            <a:off x="572560" y="3314941"/>
+            <a:ext cx="227605" cy="839"/>
+          </a:xfrm>
+          <a:prstGeom prst="straightConnector1">
+            <a:avLst/>
+          </a:prstGeom>
+          <a:ln>
+            <a:tailEnd type="triangle"/>
+          </a:ln>
+        </p:spPr>
+        <p:style>
+          <a:lnRef idx="1">
+            <a:schemeClr val="dk1"/>
+          </a:lnRef>
+          <a:fillRef idx="0">
+            <a:schemeClr val="dk1"/>
+          </a:fillRef>
+          <a:effectRef idx="0">
+            <a:schemeClr val="dk1"/>
+          </a:effectRef>
+          <a:fontRef idx="minor">
+            <a:schemeClr val="tx1"/>
+          </a:fontRef>
+        </p:style>
+      </p:cxnSp>
+      <p:sp>
+        <p:nvSpPr>
+          <p:cNvPr id="8" name="Rectangle: Rounded Corners 7">
+            <a:extLst>
+              <a:ext uri="{FF2B5EF4-FFF2-40B4-BE49-F238E27FC236}">
+                <a16:creationId xmlns:a16="http://schemas.microsoft.com/office/drawing/2014/main" id="{C13E6F3C-30CD-49FB-94D8-AF011F54E935}"/>
+              </a:ext>
+            </a:extLst>
+          </p:cNvPr>
+          <p:cNvSpPr/>
+          <p:nvPr/>
+        </p:nvSpPr>
+        <p:spPr>
+          <a:xfrm>
+            <a:off x="834755" y="2954611"/>
+            <a:ext cx="1200770" cy="716437"/>
+          </a:xfrm>
+          <a:prstGeom prst="roundRect">
+            <a:avLst/>
+          </a:prstGeom>
+        </p:spPr>
+        <p:style>
+          <a:lnRef idx="1">
+            <a:schemeClr val="accent5"/>
+          </a:lnRef>
+          <a:fillRef idx="2">
+            <a:schemeClr val="accent5"/>
+          </a:fillRef>
+          <a:effectRef idx="1">
+            <a:schemeClr val="accent5"/>
+          </a:effectRef>
+          <a:fontRef idx="minor">
+            <a:schemeClr val="dk1"/>
+          </a:fontRef>
+        </p:style>
+        <p:txBody>
+          <a:bodyPr rot="0" spcFirstLastPara="0" vertOverflow="overflow" horzOverflow="overflow" vert="horz" wrap="square" lIns="91440" tIns="45721" rIns="91440" bIns="45721" numCol="1" spcCol="0" rtlCol="0" fromWordArt="0" anchor="ctr" anchorCtr="0" forceAA="0" compatLnSpc="1">
+            <a:prstTxWarp prst="textNoShape">
+              <a:avLst/>
+            </a:prstTxWarp>
+            <a:noAutofit/>
+          </a:bodyPr>
+          <a:lstStyle/>
+          <a:p>
+            <a:pPr algn="ctr"/>
+            <a:r>
+              <a:rPr lang="en-SG" sz="1200" dirty="0"/>
+              <a:t>User executes undo</a:t>
+            </a:r>
+          </a:p>
+        </p:txBody>
+      </p:sp>
+      <p:cxnSp>
+        <p:nvCxnSpPr>
+          <p:cNvPr id="9" name="Straight Arrow Connector 8">
+            <a:extLst>
+              <a:ext uri="{FF2B5EF4-FFF2-40B4-BE49-F238E27FC236}">
+                <a16:creationId xmlns:a16="http://schemas.microsoft.com/office/drawing/2014/main" id="{6A0B3198-7B18-417D-A041-B13DF5BAE7A6}"/>
+              </a:ext>
+            </a:extLst>
+          </p:cNvPr>
+          <p:cNvCxnSpPr>
+            <a:cxnSpLocks/>
+            <a:stCxn id="8" idx="3"/>
+          </p:cNvCxnSpPr>
+          <p:nvPr/>
+        </p:nvCxnSpPr>
+        <p:spPr>
+          <a:xfrm>
+            <a:off x="2035525" y="3312830"/>
+            <a:ext cx="758050" cy="0"/>
+          </a:xfrm>
+          <a:prstGeom prst="straightConnector1">
+            <a:avLst/>
+          </a:prstGeom>
+          <a:ln>
+            <a:tailEnd type="triangle"/>
+          </a:ln>
+        </p:spPr>
+        <p:style>
+          <a:lnRef idx="1">
+            <a:schemeClr val="dk1"/>
+          </a:lnRef>
+          <a:fillRef idx="0">
+            <a:schemeClr val="dk1"/>
+          </a:fillRef>
+          <a:effectRef idx="0">
+            <a:schemeClr val="dk1"/>
+          </a:effectRef>
+          <a:fontRef idx="minor">
+            <a:schemeClr val="tx1"/>
+          </a:fontRef>
+        </p:style>
+      </p:cxnSp>
+      <p:sp>
+        <p:nvSpPr>
+          <p:cNvPr id="46" name="Diamond 45">
+            <a:extLst>
+              <a:ext uri="{FF2B5EF4-FFF2-40B4-BE49-F238E27FC236}">
+                <a16:creationId xmlns:a16="http://schemas.microsoft.com/office/drawing/2014/main" id="{FDB4A38F-F816-4320-82EB-071E9BA2EFAB}"/>
+              </a:ext>
+            </a:extLst>
+          </p:cNvPr>
+          <p:cNvSpPr/>
+          <p:nvPr/>
+        </p:nvSpPr>
+        <p:spPr>
+          <a:xfrm>
+            <a:off x="5933454" y="3092485"/>
+            <a:ext cx="480766" cy="480766"/>
+          </a:xfrm>
+          <a:prstGeom prst="diamond">
+            <a:avLst/>
+          </a:prstGeom>
+        </p:spPr>
+        <p:style>
+          <a:lnRef idx="1">
+            <a:schemeClr val="accent6"/>
+          </a:lnRef>
+          <a:fillRef idx="2">
+            <a:schemeClr val="accent6"/>
+          </a:fillRef>
+          <a:effectRef idx="1">
+            <a:schemeClr val="accent6"/>
+          </a:effectRef>
+          <a:fontRef idx="minor">
+            <a:schemeClr val="dk1"/>
+          </a:fontRef>
+        </p:style>
+        <p:txBody>
+          <a:bodyPr rot="0" spcFirstLastPara="0" vertOverflow="overflow" horzOverflow="overflow" vert="horz" wrap="square" lIns="91440" tIns="45721" rIns="91440" bIns="45721" numCol="1" spcCol="0" rtlCol="0" fromWordArt="0" anchor="ctr" anchorCtr="0" forceAA="0" compatLnSpc="1">
+            <a:prstTxWarp prst="textNoShape">
+              <a:avLst/>
+            </a:prstTxWarp>
+            <a:noAutofit/>
+          </a:bodyPr>
+          <a:lstStyle/>
+          <a:p>
+            <a:pPr algn="ctr"/>
+            <a:endParaRPr lang="en-SG" sz="1801"/>
+          </a:p>
+        </p:txBody>
+      </p:sp>
+      <p:sp>
+        <p:nvSpPr>
+          <p:cNvPr id="47" name="TextBox 46">
+            <a:extLst>
+              <a:ext uri="{FF2B5EF4-FFF2-40B4-BE49-F238E27FC236}">
+                <a16:creationId xmlns:a16="http://schemas.microsoft.com/office/drawing/2014/main" id="{791A7435-1CBD-4D64-B373-CDF617409EFD}"/>
+              </a:ext>
+            </a:extLst>
+          </p:cNvPr>
+          <p:cNvSpPr txBox="1"/>
+          <p:nvPr/>
+        </p:nvSpPr>
+        <p:spPr>
+          <a:xfrm>
+            <a:off x="1435140" y="4217356"/>
+            <a:ext cx="2167673" cy="307777"/>
+          </a:xfrm>
+          <a:prstGeom prst="rect">
+            <a:avLst/>
+          </a:prstGeom>
+          <a:noFill/>
+        </p:spPr>
+        <p:txBody>
+          <a:bodyPr wrap="square" rtlCol="0">
+            <a:spAutoFit/>
+          </a:bodyPr>
+          <a:lstStyle/>
+          <a:p>
+            <a:r>
+              <a:rPr lang="en-SG" sz="1400" dirty="0"/>
+              <a:t>[currentIndex is at 0]</a:t>
+            </a:r>
+          </a:p>
+        </p:txBody>
+      </p:sp>
+      <p:sp>
+        <p:nvSpPr>
+          <p:cNvPr id="48" name="TextBox 47">
+            <a:extLst>
+              <a:ext uri="{FF2B5EF4-FFF2-40B4-BE49-F238E27FC236}">
+                <a16:creationId xmlns:a16="http://schemas.microsoft.com/office/drawing/2014/main" id="{300470AD-DA4C-4F16-91F5-E3E560CDBEFC}"/>
+              </a:ext>
+            </a:extLst>
+          </p:cNvPr>
+          <p:cNvSpPr txBox="1"/>
+          <p:nvPr/>
+        </p:nvSpPr>
+        <p:spPr>
+          <a:xfrm>
+            <a:off x="1389773" y="2012835"/>
+            <a:ext cx="2627216" cy="646331"/>
+          </a:xfrm>
+          <a:prstGeom prst="rect">
+            <a:avLst/>
+          </a:prstGeom>
+          <a:noFill/>
+        </p:spPr>
+        <p:txBody>
+          <a:bodyPr wrap="square" rtlCol="0">
+            <a:spAutoFit/>
+          </a:bodyPr>
+          <a:lstStyle/>
+          <a:p>
+            <a:r>
+              <a:rPr lang="en-SG" sz="1200" dirty="0"/>
+              <a:t>[</a:t>
+            </a:r>
+            <a:r>
+              <a:rPr lang="en-US" sz="1200" dirty="0"/>
+              <a:t>currentIndex of the currentLayer’s previewImage is greater than 0 </a:t>
+            </a:r>
+          </a:p>
+          <a:p>
+            <a:r>
+              <a:rPr lang="en-US" sz="1200" dirty="0"/>
+              <a:t>(has states to undo)]</a:t>
+            </a:r>
+            <a:endParaRPr lang="en-SG" sz="1200" dirty="0"/>
+          </a:p>
+        </p:txBody>
+      </p:sp>
+      <p:sp>
+        <p:nvSpPr>
+          <p:cNvPr id="51" name="Rectangle: Rounded Corners 50">
+            <a:extLst>
+              <a:ext uri="{FF2B5EF4-FFF2-40B4-BE49-F238E27FC236}">
+                <a16:creationId xmlns:a16="http://schemas.microsoft.com/office/drawing/2014/main" id="{D62D81FC-C644-4602-90C8-B7974D14CA54}"/>
+              </a:ext>
+            </a:extLst>
+          </p:cNvPr>
+          <p:cNvSpPr/>
+          <p:nvPr/>
+        </p:nvSpPr>
+        <p:spPr>
+          <a:xfrm>
+            <a:off x="3529445" y="2323911"/>
+            <a:ext cx="2231275" cy="814659"/>
+          </a:xfrm>
+          <a:prstGeom prst="roundRect">
+            <a:avLst/>
+          </a:prstGeom>
+        </p:spPr>
+        <p:style>
+          <a:lnRef idx="1">
+            <a:schemeClr val="accent6"/>
+          </a:lnRef>
+          <a:fillRef idx="2">
+            <a:schemeClr val="accent6"/>
+          </a:fillRef>
+          <a:effectRef idx="1">
+            <a:schemeClr val="accent6"/>
+          </a:effectRef>
+          <a:fontRef idx="minor">
+            <a:schemeClr val="dk1"/>
+          </a:fontRef>
+        </p:style>
+        <p:txBody>
+          <a:bodyPr rot="0" spcFirstLastPara="0" vertOverflow="overflow" horzOverflow="overflow" vert="horz" wrap="square" lIns="91440" tIns="45721" rIns="91440" bIns="45721" numCol="1" spcCol="0" rtlCol="0" fromWordArt="0" anchor="ctr" anchorCtr="0" forceAA="0" compatLnSpc="1">
+            <a:prstTxWarp prst="textNoShape">
+              <a:avLst/>
+            </a:prstTxWarp>
+            <a:noAutofit/>
+          </a:bodyPr>
+          <a:lstStyle/>
+          <a:p>
+            <a:pPr algn="ctr"/>
+            <a:r>
+              <a:rPr lang="en-SG" sz="1400" dirty="0"/>
+              <a:t>currentIndex is decremented, pointing to the previous state</a:t>
+            </a:r>
+          </a:p>
+        </p:txBody>
+      </p:sp>
+      <p:sp>
+        <p:nvSpPr>
+          <p:cNvPr id="56" name="Diamond 55">
+            <a:extLst>
+              <a:ext uri="{FF2B5EF4-FFF2-40B4-BE49-F238E27FC236}">
+                <a16:creationId xmlns:a16="http://schemas.microsoft.com/office/drawing/2014/main" id="{0ACD7DC4-F31E-42B2-9D34-41B1AE997EB1}"/>
+              </a:ext>
+            </a:extLst>
+          </p:cNvPr>
+          <p:cNvSpPr/>
+          <p:nvPr/>
+        </p:nvSpPr>
+        <p:spPr>
+          <a:xfrm>
+            <a:off x="2811780" y="3082926"/>
+            <a:ext cx="480766" cy="480766"/>
+          </a:xfrm>
+          <a:prstGeom prst="diamond">
+            <a:avLst/>
+          </a:prstGeom>
+        </p:spPr>
+        <p:style>
+          <a:lnRef idx="1">
+            <a:schemeClr val="accent6"/>
+          </a:lnRef>
+          <a:fillRef idx="2">
+            <a:schemeClr val="accent6"/>
+          </a:fillRef>
+          <a:effectRef idx="1">
+            <a:schemeClr val="accent6"/>
+          </a:effectRef>
+          <a:fontRef idx="minor">
+            <a:schemeClr val="dk1"/>
+          </a:fontRef>
+        </p:style>
+        <p:txBody>
+          <a:bodyPr rot="0" spcFirstLastPara="0" vertOverflow="overflow" horzOverflow="overflow" vert="horz" wrap="square" lIns="91440" tIns="45721" rIns="91440" bIns="45721" numCol="1" spcCol="0" rtlCol="0" fromWordArt="0" anchor="ctr" anchorCtr="0" forceAA="0" compatLnSpc="1">
+            <a:prstTxWarp prst="textNoShape">
+              <a:avLst/>
+            </a:prstTxWarp>
+            <a:noAutofit/>
+          </a:bodyPr>
+          <a:lstStyle/>
+          <a:p>
+            <a:pPr algn="ctr"/>
+            <a:endParaRPr lang="en-SG" sz="1801"/>
+          </a:p>
+        </p:txBody>
+      </p:sp>
+      <p:cxnSp>
+        <p:nvCxnSpPr>
+          <p:cNvPr id="69" name="Straight Arrow Connector 68">
+            <a:extLst>
+              <a:ext uri="{FF2B5EF4-FFF2-40B4-BE49-F238E27FC236}">
+                <a16:creationId xmlns:a16="http://schemas.microsoft.com/office/drawing/2014/main" id="{7BE2639B-14BA-4C9C-9964-899CEF3278C9}"/>
+              </a:ext>
+            </a:extLst>
+          </p:cNvPr>
+          <p:cNvCxnSpPr>
+            <a:cxnSpLocks/>
+            <a:stCxn id="46" idx="3"/>
+          </p:cNvCxnSpPr>
+          <p:nvPr/>
+        </p:nvCxnSpPr>
+        <p:spPr>
+          <a:xfrm>
+            <a:off x="6414220" y="3332868"/>
+            <a:ext cx="603800" cy="0"/>
+          </a:xfrm>
+          <a:prstGeom prst="straightConnector1">
+            <a:avLst/>
+          </a:prstGeom>
+          <a:ln>
+            <a:tailEnd type="triangle"/>
+          </a:ln>
+        </p:spPr>
+        <p:style>
+          <a:lnRef idx="1">
+            <a:schemeClr val="dk1"/>
+          </a:lnRef>
+          <a:fillRef idx="0">
+            <a:schemeClr val="dk1"/>
+          </a:fillRef>
+          <a:effectRef idx="0">
+            <a:schemeClr val="dk1"/>
+          </a:effectRef>
+          <a:fontRef idx="minor">
+            <a:schemeClr val="tx1"/>
+          </a:fontRef>
+        </p:style>
+      </p:cxnSp>
+      <p:grpSp>
+        <p:nvGrpSpPr>
+          <p:cNvPr id="75" name="Group 74">
+            <a:extLst>
+              <a:ext uri="{FF2B5EF4-FFF2-40B4-BE49-F238E27FC236}">
+                <a16:creationId xmlns:a16="http://schemas.microsoft.com/office/drawing/2014/main" id="{A48F4168-7D41-4ED6-97F1-58289DDE3C4D}"/>
+              </a:ext>
+            </a:extLst>
+          </p:cNvPr>
+          <p:cNvGrpSpPr/>
+          <p:nvPr/>
+        </p:nvGrpSpPr>
+        <p:grpSpPr>
+          <a:xfrm>
+            <a:off x="9554849" y="3203782"/>
+            <a:ext cx="235669" cy="235669"/>
+            <a:chOff x="8040730" y="5082186"/>
+            <a:chExt cx="235669" cy="235669"/>
+          </a:xfrm>
+        </p:grpSpPr>
+        <p:sp>
+          <p:nvSpPr>
+            <p:cNvPr id="68" name="Oval 67">
+              <a:extLst>
+                <a:ext uri="{FF2B5EF4-FFF2-40B4-BE49-F238E27FC236}">
+                  <a16:creationId xmlns:a16="http://schemas.microsoft.com/office/drawing/2014/main" id="{E423C8D7-553D-4A16-BA68-78DB113CAEC3}"/>
+                </a:ext>
+              </a:extLst>
+            </p:cNvPr>
+            <p:cNvSpPr/>
+            <p:nvPr/>
+          </p:nvSpPr>
+          <p:spPr>
+            <a:xfrm>
+              <a:off x="8040730" y="5082186"/>
+              <a:ext cx="235669" cy="235669"/>
+            </a:xfrm>
+            <a:prstGeom prst="ellipse">
+              <a:avLst/>
+            </a:prstGeom>
+            <a:solidFill>
+              <a:schemeClr val="bg1"/>
+            </a:solidFill>
+          </p:spPr>
+          <p:style>
+            <a:lnRef idx="1">
+              <a:schemeClr val="accent1"/>
+            </a:lnRef>
+            <a:fillRef idx="2">
+              <a:schemeClr val="accent1"/>
+            </a:fillRef>
+            <a:effectRef idx="1">
+              <a:schemeClr val="accent1"/>
+            </a:effectRef>
+            <a:fontRef idx="minor">
+              <a:schemeClr val="dk1"/>
+            </a:fontRef>
+          </p:style>
+          <p:txBody>
+            <a:bodyPr rot="0" spcFirstLastPara="0" vertOverflow="overflow" horzOverflow="overflow" vert="horz" wrap="square" lIns="91440" tIns="45721" rIns="91440" bIns="45721" numCol="1" spcCol="0" rtlCol="0" fromWordArt="0" anchor="ctr" anchorCtr="0" forceAA="0" compatLnSpc="1">
+              <a:prstTxWarp prst="textNoShape">
+                <a:avLst/>
+              </a:prstTxWarp>
+              <a:noAutofit/>
+            </a:bodyPr>
+            <a:lstStyle/>
+            <a:p>
+              <a:pPr algn="ctr"/>
+              <a:endParaRPr lang="en-SG" sz="1801"/>
+            </a:p>
+          </p:txBody>
+        </p:sp>
+        <p:sp>
+          <p:nvSpPr>
+            <p:cNvPr id="71" name="Oval 70">
+              <a:extLst>
+                <a:ext uri="{FF2B5EF4-FFF2-40B4-BE49-F238E27FC236}">
+                  <a16:creationId xmlns:a16="http://schemas.microsoft.com/office/drawing/2014/main" id="{1F41AA13-1BFC-498E-BBC4-DC32053E38E1}"/>
+                </a:ext>
+              </a:extLst>
+            </p:cNvPr>
+            <p:cNvSpPr/>
+            <p:nvPr/>
+          </p:nvSpPr>
+          <p:spPr>
+            <a:xfrm>
+              <a:off x="8088348" y="5134633"/>
+              <a:ext cx="136201" cy="136201"/>
+            </a:xfrm>
+            <a:prstGeom prst="ellipse">
+              <a:avLst/>
+            </a:prstGeom>
+          </p:spPr>
+          <p:style>
+            <a:lnRef idx="1">
+              <a:schemeClr val="accent1"/>
+            </a:lnRef>
+            <a:fillRef idx="2">
+              <a:schemeClr val="accent1"/>
+            </a:fillRef>
+            <a:effectRef idx="1">
+              <a:schemeClr val="accent1"/>
+            </a:effectRef>
+            <a:fontRef idx="minor">
+              <a:schemeClr val="dk1"/>
+            </a:fontRef>
+          </p:style>
+          <p:txBody>
+            <a:bodyPr rot="0" spcFirstLastPara="0" vertOverflow="overflow" horzOverflow="overflow" vert="horz" wrap="square" lIns="91440" tIns="45721" rIns="91440" bIns="45721" numCol="1" spcCol="0" rtlCol="0" fromWordArt="0" anchor="ctr" anchorCtr="0" forceAA="0" compatLnSpc="1">
+              <a:prstTxWarp prst="textNoShape">
+                <a:avLst/>
+              </a:prstTxWarp>
+              <a:noAutofit/>
+            </a:bodyPr>
+            <a:lstStyle/>
+            <a:p>
+              <a:pPr algn="ctr"/>
+              <a:endParaRPr lang="en-SG" sz="1801"/>
+            </a:p>
+          </p:txBody>
+        </p:sp>
+      </p:grpSp>
+      <p:cxnSp>
+        <p:nvCxnSpPr>
+          <p:cNvPr id="66" name="Elbow Connector 65"/>
+          <p:cNvCxnSpPr>
+            <a:cxnSpLocks/>
+            <a:stCxn id="56" idx="0"/>
+          </p:cNvCxnSpPr>
+          <p:nvPr/>
+        </p:nvCxnSpPr>
+        <p:spPr>
+          <a:xfrm rot="5400000" flipH="1" flipV="1">
+            <a:off x="3178360" y="2727063"/>
+            <a:ext cx="229667" cy="482060"/>
+          </a:xfrm>
+          <a:prstGeom prst="bentConnector2">
+            <a:avLst/>
+          </a:prstGeom>
+          <a:ln>
+            <a:tailEnd type="triangle"/>
+          </a:ln>
+        </p:spPr>
+        <p:style>
+          <a:lnRef idx="1">
+            <a:schemeClr val="dk1"/>
+          </a:lnRef>
+          <a:fillRef idx="0">
+            <a:schemeClr val="dk1"/>
+          </a:fillRef>
+          <a:effectRef idx="0">
+            <a:schemeClr val="dk1"/>
+          </a:effectRef>
+          <a:fontRef idx="minor">
+            <a:schemeClr val="tx1"/>
+          </a:fontRef>
+        </p:style>
+      </p:cxnSp>
+      <p:cxnSp>
+        <p:nvCxnSpPr>
+          <p:cNvPr id="72" name="Elbow Connector 71"/>
+          <p:cNvCxnSpPr>
+            <a:cxnSpLocks/>
+            <a:stCxn id="56" idx="2"/>
+            <a:endCxn id="46" idx="2"/>
+          </p:cNvCxnSpPr>
+          <p:nvPr/>
+        </p:nvCxnSpPr>
+        <p:spPr>
+          <a:xfrm rot="16200000" flipH="1">
+            <a:off x="4608221" y="2007634"/>
+            <a:ext cx="9559" cy="3121674"/>
+          </a:xfrm>
+          <a:prstGeom prst="bentConnector3">
+            <a:avLst>
+              <a:gd name="adj1" fmla="val 6437378"/>
+            </a:avLst>
+          </a:prstGeom>
+          <a:ln>
+            <a:tailEnd type="triangle"/>
+          </a:ln>
+        </p:spPr>
+        <p:style>
+          <a:lnRef idx="1">
+            <a:schemeClr val="dk1"/>
+          </a:lnRef>
+          <a:fillRef idx="0">
+            <a:schemeClr val="dk1"/>
+          </a:fillRef>
+          <a:effectRef idx="0">
+            <a:schemeClr val="dk1"/>
+          </a:effectRef>
+          <a:fontRef idx="minor">
+            <a:schemeClr val="tx1"/>
+          </a:fontRef>
+        </p:style>
+      </p:cxnSp>
+      <p:cxnSp>
+        <p:nvCxnSpPr>
+          <p:cNvPr id="74" name="Elbow Connector 73"/>
+          <p:cNvCxnSpPr>
+            <a:cxnSpLocks/>
+            <a:stCxn id="51" idx="3"/>
+            <a:endCxn id="46" idx="0"/>
+          </p:cNvCxnSpPr>
+          <p:nvPr/>
+        </p:nvCxnSpPr>
+        <p:spPr>
+          <a:xfrm>
+            <a:off x="5760720" y="2731241"/>
+            <a:ext cx="413117" cy="361244"/>
+          </a:xfrm>
+          <a:prstGeom prst="bentConnector2">
+            <a:avLst/>
+          </a:prstGeom>
+          <a:ln>
+            <a:tailEnd type="triangle"/>
+          </a:ln>
+        </p:spPr>
+        <p:style>
+          <a:lnRef idx="1">
+            <a:schemeClr val="dk1"/>
+          </a:lnRef>
+          <a:fillRef idx="0">
+            <a:schemeClr val="dk1"/>
+          </a:fillRef>
+          <a:effectRef idx="0">
+            <a:schemeClr val="dk1"/>
+          </a:effectRef>
+          <a:fontRef idx="minor">
+            <a:schemeClr val="tx1"/>
+          </a:fontRef>
+        </p:style>
+      </p:cxnSp>
+      <p:sp>
+        <p:nvSpPr>
+          <p:cNvPr id="27" name="Rectangle: Rounded Corners 7">
+            <a:extLst>
+              <a:ext uri="{FF2B5EF4-FFF2-40B4-BE49-F238E27FC236}">
+                <a16:creationId xmlns:a16="http://schemas.microsoft.com/office/drawing/2014/main" id="{118796D2-1FE6-A74D-82D7-AD6559BE3020}"/>
+              </a:ext>
+            </a:extLst>
+          </p:cNvPr>
+          <p:cNvSpPr/>
+          <p:nvPr/>
+        </p:nvSpPr>
+        <p:spPr>
+          <a:xfrm>
+            <a:off x="7018020" y="2795127"/>
+            <a:ext cx="1933029" cy="1075482"/>
+          </a:xfrm>
+          <a:prstGeom prst="roundRect">
+            <a:avLst/>
+          </a:prstGeom>
+        </p:spPr>
+        <p:style>
+          <a:lnRef idx="1">
+            <a:schemeClr val="accent5"/>
+          </a:lnRef>
+          <a:fillRef idx="2">
+            <a:schemeClr val="accent5"/>
+          </a:fillRef>
+          <a:effectRef idx="1">
+            <a:schemeClr val="accent5"/>
+          </a:effectRef>
+          <a:fontRef idx="minor">
+            <a:schemeClr val="dk1"/>
+          </a:fontRef>
+        </p:style>
+        <p:txBody>
+          <a:bodyPr rot="0" spcFirstLastPara="0" vertOverflow="overflow" horzOverflow="overflow" vert="horz" wrap="square" lIns="91440" tIns="45721" rIns="91440" bIns="45721" numCol="1" spcCol="0" rtlCol="0" fromWordArt="0" anchor="ctr" anchorCtr="0" forceAA="0" compatLnSpc="1">
+            <a:prstTxWarp prst="textNoShape">
+              <a:avLst/>
+            </a:prstTxWarp>
+            <a:noAutofit/>
+          </a:bodyPr>
+          <a:lstStyle/>
+          <a:p>
+            <a:pPr algn="ctr"/>
+            <a:r>
+              <a:rPr lang="en-SG" sz="1200" dirty="0"/>
+              <a:t>ImageMagick renders the canvas with the provided image the pointer is pointing to</a:t>
+            </a:r>
+          </a:p>
+        </p:txBody>
+      </p:sp>
+      <p:cxnSp>
+        <p:nvCxnSpPr>
+          <p:cNvPr id="29" name="Straight Arrow Connector 28">
+            <a:extLst>
+              <a:ext uri="{FF2B5EF4-FFF2-40B4-BE49-F238E27FC236}">
+                <a16:creationId xmlns:a16="http://schemas.microsoft.com/office/drawing/2014/main" id="{9D3386A4-521B-FF44-AF6B-431F2B27BB56}"/>
+              </a:ext>
+            </a:extLst>
+          </p:cNvPr>
+          <p:cNvCxnSpPr>
+            <a:cxnSpLocks/>
+          </p:cNvCxnSpPr>
+          <p:nvPr/>
+        </p:nvCxnSpPr>
+        <p:spPr>
+          <a:xfrm>
+            <a:off x="8951049" y="3311137"/>
+            <a:ext cx="603800" cy="0"/>
+          </a:xfrm>
+          <a:prstGeom prst="straightConnector1">
+            <a:avLst/>
+          </a:prstGeom>
+          <a:ln>
+            <a:tailEnd type="triangle"/>
+          </a:ln>
+        </p:spPr>
+        <p:style>
+          <a:lnRef idx="1">
+            <a:schemeClr val="dk1"/>
+          </a:lnRef>
+          <a:fillRef idx="0">
+            <a:schemeClr val="dk1"/>
+          </a:fillRef>
+          <a:effectRef idx="0">
+            <a:schemeClr val="dk1"/>
+          </a:effectRef>
+          <a:fontRef idx="minor">
+            <a:schemeClr val="tx1"/>
+          </a:fontRef>
+        </p:style>
+      </p:cxnSp>
+      <p:sp>
+        <p:nvSpPr>
+          <p:cNvPr id="23" name="Rectangle: Rounded Corners 50">
+            <a:extLst>
+              <a:ext uri="{FF2B5EF4-FFF2-40B4-BE49-F238E27FC236}">
+                <a16:creationId xmlns:a16="http://schemas.microsoft.com/office/drawing/2014/main" id="{65E19DAB-4025-3546-8A87-46882B88DD8C}"/>
+              </a:ext>
+            </a:extLst>
+          </p:cNvPr>
+          <p:cNvSpPr/>
+          <p:nvPr/>
+        </p:nvSpPr>
+        <p:spPr>
+          <a:xfrm>
+            <a:off x="3529445" y="3690217"/>
+            <a:ext cx="2231275" cy="1201823"/>
+          </a:xfrm>
+          <a:prstGeom prst="roundRect">
+            <a:avLst/>
+          </a:prstGeom>
+        </p:spPr>
+        <p:style>
+          <a:lnRef idx="1">
+            <a:schemeClr val="accent6"/>
+          </a:lnRef>
+          <a:fillRef idx="2">
+            <a:schemeClr val="accent6"/>
+          </a:fillRef>
+          <a:effectRef idx="1">
+            <a:schemeClr val="accent6"/>
+          </a:effectRef>
+          <a:fontRef idx="minor">
+            <a:schemeClr val="dk1"/>
+          </a:fontRef>
+        </p:style>
+        <p:txBody>
+          <a:bodyPr rot="0" spcFirstLastPara="0" vertOverflow="overflow" horzOverflow="overflow" vert="horz" wrap="square" lIns="91440" tIns="45721" rIns="91440" bIns="45721" numCol="1" spcCol="0" rtlCol="0" fromWordArt="0" anchor="ctr" anchorCtr="0" forceAA="0" compatLnSpc="1">
+            <a:prstTxWarp prst="textNoShape">
+              <a:avLst/>
+            </a:prstTxWarp>
+            <a:noAutofit/>
+          </a:bodyPr>
+          <a:lstStyle/>
+          <a:p>
+            <a:pPr algn="ctr"/>
+            <a:r>
+              <a:rPr lang="en-SG" sz="1400" dirty="0"/>
+              <a:t>Model is unable to undo the previewImage, throws a CommandException. currentIndex remains at 0</a:t>
+            </a:r>
+          </a:p>
+        </p:txBody>
+      </p:sp>
+    </p:spTree>
+    <p:extLst>
+      <p:ext uri="{BB962C8B-B14F-4D97-AF65-F5344CB8AC3E}">
+        <p14:creationId xmlns:p14="http://schemas.microsoft.com/office/powerpoint/2010/main" val="2418508798"/>
+      </p:ext>
+    </p:extLst>
+  </p:cSld>
+  <p:clrMapOvr>
+    <a:masterClrMapping/>
+  </p:clrMapOvr>
+</p:sld>
+</file>
+
+<file path=ppt/slides/slide3.xml><?xml version="1.0" encoding="utf-8"?>
+<p:sld xmlns:a="http://schemas.openxmlformats.org/drawingml/2006/main" xmlns:r="http://schemas.openxmlformats.org/officeDocument/2006/relationships" xmlns:p="http://schemas.openxmlformats.org/presentationml/2006/main">
+  <p:cSld>
+    <p:spTree>
+      <p:nvGrpSpPr>
+        <p:cNvPr id="1" name=""/>
+        <p:cNvGrpSpPr/>
+        <p:nvPr/>
+      </p:nvGrpSpPr>
+      <p:grpSpPr>
+        <a:xfrm>
+          <a:off x="0" y="0"/>
+          <a:ext cx="0" cy="0"/>
+          <a:chOff x="0" y="0"/>
+          <a:chExt cx="0" cy="0"/>
+        </a:xfrm>
+      </p:grpSpPr>
+      <p:sp>
+        <p:nvSpPr>
+          <p:cNvPr id="4" name="Oval 3">
+            <a:extLst>
+              <a:ext uri="{FF2B5EF4-FFF2-40B4-BE49-F238E27FC236}">
+                <a16:creationId xmlns:a16="http://schemas.microsoft.com/office/drawing/2014/main" id="{D45F487B-A914-4C8E-B564-00C9D621567D}"/>
+              </a:ext>
+            </a:extLst>
+          </p:cNvPr>
+          <p:cNvSpPr/>
+          <p:nvPr/>
+        </p:nvSpPr>
+        <p:spPr>
+          <a:xfrm>
+            <a:off x="336891" y="3197106"/>
+            <a:ext cx="235669" cy="235669"/>
+          </a:xfrm>
+          <a:prstGeom prst="ellipse">
+            <a:avLst/>
+          </a:prstGeom>
+        </p:spPr>
+        <p:style>
+          <a:lnRef idx="1">
+            <a:schemeClr val="accent1"/>
+          </a:lnRef>
+          <a:fillRef idx="2">
+            <a:schemeClr val="accent1"/>
+          </a:fillRef>
+          <a:effectRef idx="1">
+            <a:schemeClr val="accent1"/>
+          </a:effectRef>
+          <a:fontRef idx="minor">
+            <a:schemeClr val="dk1"/>
+          </a:fontRef>
+        </p:style>
+        <p:txBody>
+          <a:bodyPr rot="0" spcFirstLastPara="0" vertOverflow="overflow" horzOverflow="overflow" vert="horz" wrap="square" lIns="91440" tIns="45721" rIns="91440" bIns="45721" numCol="1" spcCol="0" rtlCol="0" fromWordArt="0" anchor="ctr" anchorCtr="0" forceAA="0" compatLnSpc="1">
+            <a:prstTxWarp prst="textNoShape">
+              <a:avLst/>
+            </a:prstTxWarp>
+            <a:noAutofit/>
+          </a:bodyPr>
+          <a:lstStyle/>
+          <a:p>
+            <a:pPr algn="ctr"/>
+            <a:endParaRPr lang="en-SG" sz="1801"/>
+          </a:p>
+        </p:txBody>
+      </p:sp>
+      <p:cxnSp>
+        <p:nvCxnSpPr>
+          <p:cNvPr id="6" name="Straight Arrow Connector 5">
+            <a:extLst>
+              <a:ext uri="{FF2B5EF4-FFF2-40B4-BE49-F238E27FC236}">
+                <a16:creationId xmlns:a16="http://schemas.microsoft.com/office/drawing/2014/main" id="{73D6638D-34B0-4D9A-B7DC-62ABF1C7D407}"/>
+              </a:ext>
+            </a:extLst>
+          </p:cNvPr>
+          <p:cNvCxnSpPr>
+            <a:cxnSpLocks/>
+            <a:stCxn id="4" idx="6"/>
+          </p:cNvCxnSpPr>
+          <p:nvPr/>
+        </p:nvCxnSpPr>
+        <p:spPr>
+          <a:xfrm>
+            <a:off x="572560" y="3314941"/>
+            <a:ext cx="227605" cy="839"/>
+          </a:xfrm>
+          <a:prstGeom prst="straightConnector1">
+            <a:avLst/>
+          </a:prstGeom>
+          <a:ln>
+            <a:tailEnd type="triangle"/>
+          </a:ln>
+        </p:spPr>
+        <p:style>
+          <a:lnRef idx="1">
+            <a:schemeClr val="dk1"/>
+          </a:lnRef>
+          <a:fillRef idx="0">
+            <a:schemeClr val="dk1"/>
+          </a:fillRef>
+          <a:effectRef idx="0">
+            <a:schemeClr val="dk1"/>
+          </a:effectRef>
+          <a:fontRef idx="minor">
+            <a:schemeClr val="tx1"/>
+          </a:fontRef>
+        </p:style>
+      </p:cxnSp>
+      <p:sp>
+        <p:nvSpPr>
+          <p:cNvPr id="8" name="Rectangle: Rounded Corners 7">
+            <a:extLst>
+              <a:ext uri="{FF2B5EF4-FFF2-40B4-BE49-F238E27FC236}">
+                <a16:creationId xmlns:a16="http://schemas.microsoft.com/office/drawing/2014/main" id="{C13E6F3C-30CD-49FB-94D8-AF011F54E935}"/>
+              </a:ext>
+            </a:extLst>
+          </p:cNvPr>
+          <p:cNvSpPr/>
+          <p:nvPr/>
+        </p:nvSpPr>
+        <p:spPr>
+          <a:xfrm>
+            <a:off x="834755" y="2954611"/>
+            <a:ext cx="1200770" cy="716437"/>
+          </a:xfrm>
+          <a:prstGeom prst="roundRect">
+            <a:avLst/>
+          </a:prstGeom>
+        </p:spPr>
+        <p:style>
+          <a:lnRef idx="1">
+            <a:schemeClr val="accent5"/>
+          </a:lnRef>
+          <a:fillRef idx="2">
+            <a:schemeClr val="accent5"/>
+          </a:fillRef>
+          <a:effectRef idx="1">
+            <a:schemeClr val="accent5"/>
+          </a:effectRef>
+          <a:fontRef idx="minor">
+            <a:schemeClr val="dk1"/>
+          </a:fontRef>
+        </p:style>
+        <p:txBody>
+          <a:bodyPr rot="0" spcFirstLastPara="0" vertOverflow="overflow" horzOverflow="overflow" vert="horz" wrap="square" lIns="91440" tIns="45721" rIns="91440" bIns="45721" numCol="1" spcCol="0" rtlCol="0" fromWordArt="0" anchor="ctr" anchorCtr="0" forceAA="0" compatLnSpc="1">
+            <a:prstTxWarp prst="textNoShape">
+              <a:avLst/>
+            </a:prstTxWarp>
+            <a:noAutofit/>
+          </a:bodyPr>
+          <a:lstStyle/>
+          <a:p>
+            <a:pPr algn="ctr"/>
+            <a:r>
+              <a:rPr lang="en-SG" sz="1200" dirty="0"/>
+              <a:t>User executes redo</a:t>
+            </a:r>
+          </a:p>
+        </p:txBody>
+      </p:sp>
+      <p:cxnSp>
+        <p:nvCxnSpPr>
+          <p:cNvPr id="9" name="Straight Arrow Connector 8">
+            <a:extLst>
+              <a:ext uri="{FF2B5EF4-FFF2-40B4-BE49-F238E27FC236}">
+                <a16:creationId xmlns:a16="http://schemas.microsoft.com/office/drawing/2014/main" id="{6A0B3198-7B18-417D-A041-B13DF5BAE7A6}"/>
+              </a:ext>
+            </a:extLst>
+          </p:cNvPr>
+          <p:cNvCxnSpPr>
+            <a:cxnSpLocks/>
+            <a:stCxn id="8" idx="3"/>
+          </p:cNvCxnSpPr>
+          <p:nvPr/>
+        </p:nvCxnSpPr>
+        <p:spPr>
+          <a:xfrm>
+            <a:off x="2035525" y="3312830"/>
+            <a:ext cx="758050" cy="0"/>
+          </a:xfrm>
+          <a:prstGeom prst="straightConnector1">
+            <a:avLst/>
+          </a:prstGeom>
+          <a:ln>
+            <a:tailEnd type="triangle"/>
+          </a:ln>
+        </p:spPr>
+        <p:style>
+          <a:lnRef idx="1">
+            <a:schemeClr val="dk1"/>
+          </a:lnRef>
+          <a:fillRef idx="0">
+            <a:schemeClr val="dk1"/>
+          </a:fillRef>
+          <a:effectRef idx="0">
+            <a:schemeClr val="dk1"/>
+          </a:effectRef>
+          <a:fontRef idx="minor">
+            <a:schemeClr val="tx1"/>
+          </a:fontRef>
+        </p:style>
+      </p:cxnSp>
+      <p:sp>
+        <p:nvSpPr>
+          <p:cNvPr id="46" name="Diamond 45">
+            <a:extLst>
+              <a:ext uri="{FF2B5EF4-FFF2-40B4-BE49-F238E27FC236}">
+                <a16:creationId xmlns:a16="http://schemas.microsoft.com/office/drawing/2014/main" id="{FDB4A38F-F816-4320-82EB-071E9BA2EFAB}"/>
+              </a:ext>
+            </a:extLst>
+          </p:cNvPr>
+          <p:cNvSpPr/>
+          <p:nvPr/>
+        </p:nvSpPr>
+        <p:spPr>
+          <a:xfrm>
+            <a:off x="5933454" y="3092485"/>
+            <a:ext cx="480766" cy="480766"/>
+          </a:xfrm>
+          <a:prstGeom prst="diamond">
+            <a:avLst/>
+          </a:prstGeom>
+        </p:spPr>
+        <p:style>
+          <a:lnRef idx="1">
+            <a:schemeClr val="accent6"/>
+          </a:lnRef>
+          <a:fillRef idx="2">
+            <a:schemeClr val="accent6"/>
+          </a:fillRef>
+          <a:effectRef idx="1">
+            <a:schemeClr val="accent6"/>
+          </a:effectRef>
+          <a:fontRef idx="minor">
+            <a:schemeClr val="dk1"/>
+          </a:fontRef>
+        </p:style>
+        <p:txBody>
+          <a:bodyPr rot="0" spcFirstLastPara="0" vertOverflow="overflow" horzOverflow="overflow" vert="horz" wrap="square" lIns="91440" tIns="45721" rIns="91440" bIns="45721" numCol="1" spcCol="0" rtlCol="0" fromWordArt="0" anchor="ctr" anchorCtr="0" forceAA="0" compatLnSpc="1">
+            <a:prstTxWarp prst="textNoShape">
+              <a:avLst/>
+            </a:prstTxWarp>
+            <a:noAutofit/>
+          </a:bodyPr>
+          <a:lstStyle/>
+          <a:p>
+            <a:pPr algn="ctr"/>
+            <a:endParaRPr lang="en-SG" sz="1801"/>
+          </a:p>
+        </p:txBody>
+      </p:sp>
+      <p:sp>
+        <p:nvSpPr>
+          <p:cNvPr id="47" name="TextBox 46">
+            <a:extLst>
+              <a:ext uri="{FF2B5EF4-FFF2-40B4-BE49-F238E27FC236}">
+                <a16:creationId xmlns:a16="http://schemas.microsoft.com/office/drawing/2014/main" id="{791A7435-1CBD-4D64-B373-CDF617409EFD}"/>
+              </a:ext>
+            </a:extLst>
+          </p:cNvPr>
+          <p:cNvSpPr txBox="1"/>
+          <p:nvPr/>
+        </p:nvSpPr>
+        <p:spPr>
+          <a:xfrm>
+            <a:off x="2602244" y="4199396"/>
+            <a:ext cx="2167673" cy="307777"/>
+          </a:xfrm>
+          <a:prstGeom prst="rect">
+            <a:avLst/>
+          </a:prstGeom>
+          <a:noFill/>
+        </p:spPr>
+        <p:txBody>
+          <a:bodyPr wrap="square" rtlCol="0">
+            <a:spAutoFit/>
+          </a:bodyPr>
+          <a:lstStyle/>
+          <a:p>
+            <a:r>
+              <a:rPr lang="en-SG" sz="1400" dirty="0"/>
+              <a:t>[else]</a:t>
+            </a:r>
+          </a:p>
+        </p:txBody>
+      </p:sp>
+      <p:sp>
+        <p:nvSpPr>
+          <p:cNvPr id="48" name="TextBox 47">
+            <a:extLst>
+              <a:ext uri="{FF2B5EF4-FFF2-40B4-BE49-F238E27FC236}">
+                <a16:creationId xmlns:a16="http://schemas.microsoft.com/office/drawing/2014/main" id="{300470AD-DA4C-4F16-91F5-E3E560CDBEFC}"/>
+              </a:ext>
+            </a:extLst>
+          </p:cNvPr>
+          <p:cNvSpPr txBox="1"/>
+          <p:nvPr/>
+        </p:nvSpPr>
+        <p:spPr>
+          <a:xfrm>
+            <a:off x="686362" y="2390990"/>
+            <a:ext cx="2999719" cy="276999"/>
+          </a:xfrm>
+          <a:prstGeom prst="rect">
+            <a:avLst/>
+          </a:prstGeom>
+          <a:noFill/>
+        </p:spPr>
+        <p:txBody>
+          <a:bodyPr wrap="square" rtlCol="0">
+            <a:spAutoFit/>
+          </a:bodyPr>
+          <a:lstStyle/>
+          <a:p>
+            <a:r>
+              <a:rPr lang="en-SG" sz="1200" dirty="0"/>
+              <a:t>[</a:t>
+            </a:r>
+            <a:r>
+              <a:rPr lang="en-US" sz="1200" dirty="0"/>
+              <a:t>currentIndex not equal to currentSize -1]</a:t>
+            </a:r>
+            <a:endParaRPr lang="en-SG" sz="1200" dirty="0"/>
+          </a:p>
+        </p:txBody>
+      </p:sp>
+      <p:sp>
+        <p:nvSpPr>
+          <p:cNvPr id="51" name="Rectangle: Rounded Corners 50">
+            <a:extLst>
+              <a:ext uri="{FF2B5EF4-FFF2-40B4-BE49-F238E27FC236}">
+                <a16:creationId xmlns:a16="http://schemas.microsoft.com/office/drawing/2014/main" id="{D62D81FC-C644-4602-90C8-B7974D14CA54}"/>
+              </a:ext>
+            </a:extLst>
+          </p:cNvPr>
+          <p:cNvSpPr/>
+          <p:nvPr/>
+        </p:nvSpPr>
+        <p:spPr>
+          <a:xfrm>
+            <a:off x="3529445" y="2323911"/>
+            <a:ext cx="2231275" cy="814659"/>
+          </a:xfrm>
+          <a:prstGeom prst="roundRect">
+            <a:avLst/>
+          </a:prstGeom>
+        </p:spPr>
+        <p:style>
+          <a:lnRef idx="1">
+            <a:schemeClr val="accent6"/>
+          </a:lnRef>
+          <a:fillRef idx="2">
+            <a:schemeClr val="accent6"/>
+          </a:fillRef>
+          <a:effectRef idx="1">
+            <a:schemeClr val="accent6"/>
+          </a:effectRef>
+          <a:fontRef idx="minor">
+            <a:schemeClr val="dk1"/>
+          </a:fontRef>
+        </p:style>
+        <p:txBody>
+          <a:bodyPr rot="0" spcFirstLastPara="0" vertOverflow="overflow" horzOverflow="overflow" vert="horz" wrap="square" lIns="91440" tIns="45721" rIns="91440" bIns="45721" numCol="1" spcCol="0" rtlCol="0" fromWordArt="0" anchor="ctr" anchorCtr="0" forceAA="0" compatLnSpc="1">
+            <a:prstTxWarp prst="textNoShape">
+              <a:avLst/>
+            </a:prstTxWarp>
+            <a:noAutofit/>
+          </a:bodyPr>
+          <a:lstStyle/>
+          <a:p>
+            <a:pPr algn="ctr"/>
+            <a:r>
+              <a:rPr lang="en-SG" sz="1400" dirty="0"/>
+              <a:t>currentIndex is incremented, pointing to the next state</a:t>
+            </a:r>
+          </a:p>
+        </p:txBody>
+      </p:sp>
+      <p:sp>
+        <p:nvSpPr>
+          <p:cNvPr id="56" name="Diamond 55">
+            <a:extLst>
+              <a:ext uri="{FF2B5EF4-FFF2-40B4-BE49-F238E27FC236}">
+                <a16:creationId xmlns:a16="http://schemas.microsoft.com/office/drawing/2014/main" id="{0ACD7DC4-F31E-42B2-9D34-41B1AE997EB1}"/>
+              </a:ext>
+            </a:extLst>
+          </p:cNvPr>
+          <p:cNvSpPr/>
+          <p:nvPr/>
+        </p:nvSpPr>
+        <p:spPr>
+          <a:xfrm>
+            <a:off x="2811780" y="3082926"/>
+            <a:ext cx="480766" cy="480766"/>
+          </a:xfrm>
+          <a:prstGeom prst="diamond">
+            <a:avLst/>
+          </a:prstGeom>
+        </p:spPr>
+        <p:style>
+          <a:lnRef idx="1">
+            <a:schemeClr val="accent6"/>
+          </a:lnRef>
+          <a:fillRef idx="2">
+            <a:schemeClr val="accent6"/>
+          </a:fillRef>
+          <a:effectRef idx="1">
+            <a:schemeClr val="accent6"/>
+          </a:effectRef>
+          <a:fontRef idx="minor">
+            <a:schemeClr val="dk1"/>
+          </a:fontRef>
+        </p:style>
+        <p:txBody>
+          <a:bodyPr rot="0" spcFirstLastPara="0" vertOverflow="overflow" horzOverflow="overflow" vert="horz" wrap="square" lIns="91440" tIns="45721" rIns="91440" bIns="45721" numCol="1" spcCol="0" rtlCol="0" fromWordArt="0" anchor="ctr" anchorCtr="0" forceAA="0" compatLnSpc="1">
+            <a:prstTxWarp prst="textNoShape">
+              <a:avLst/>
+            </a:prstTxWarp>
+            <a:noAutofit/>
+          </a:bodyPr>
+          <a:lstStyle/>
+          <a:p>
+            <a:pPr algn="ctr"/>
+            <a:endParaRPr lang="en-SG" sz="1801"/>
+          </a:p>
+        </p:txBody>
+      </p:sp>
+      <p:cxnSp>
+        <p:nvCxnSpPr>
+          <p:cNvPr id="69" name="Straight Arrow Connector 68">
+            <a:extLst>
+              <a:ext uri="{FF2B5EF4-FFF2-40B4-BE49-F238E27FC236}">
+                <a16:creationId xmlns:a16="http://schemas.microsoft.com/office/drawing/2014/main" id="{7BE2639B-14BA-4C9C-9964-899CEF3278C9}"/>
+              </a:ext>
+            </a:extLst>
+          </p:cNvPr>
+          <p:cNvCxnSpPr>
+            <a:cxnSpLocks/>
+            <a:stCxn id="46" idx="3"/>
+          </p:cNvCxnSpPr>
+          <p:nvPr/>
+        </p:nvCxnSpPr>
+        <p:spPr>
+          <a:xfrm>
+            <a:off x="6414220" y="3332868"/>
+            <a:ext cx="603800" cy="0"/>
+          </a:xfrm>
+          <a:prstGeom prst="straightConnector1">
+            <a:avLst/>
+          </a:prstGeom>
+          <a:ln>
+            <a:tailEnd type="triangle"/>
+          </a:ln>
+        </p:spPr>
+        <p:style>
+          <a:lnRef idx="1">
+            <a:schemeClr val="dk1"/>
+          </a:lnRef>
+          <a:fillRef idx="0">
+            <a:schemeClr val="dk1"/>
+          </a:fillRef>
+          <a:effectRef idx="0">
+            <a:schemeClr val="dk1"/>
+          </a:effectRef>
+          <a:fontRef idx="minor">
+            <a:schemeClr val="tx1"/>
+          </a:fontRef>
+        </p:style>
+      </p:cxnSp>
+      <p:grpSp>
+        <p:nvGrpSpPr>
+          <p:cNvPr id="75" name="Group 74">
+            <a:extLst>
+              <a:ext uri="{FF2B5EF4-FFF2-40B4-BE49-F238E27FC236}">
+                <a16:creationId xmlns:a16="http://schemas.microsoft.com/office/drawing/2014/main" id="{A48F4168-7D41-4ED6-97F1-58289DDE3C4D}"/>
+              </a:ext>
+            </a:extLst>
+          </p:cNvPr>
+          <p:cNvGrpSpPr/>
+          <p:nvPr/>
+        </p:nvGrpSpPr>
+        <p:grpSpPr>
+          <a:xfrm>
+            <a:off x="9554849" y="3203782"/>
+            <a:ext cx="235669" cy="235669"/>
+            <a:chOff x="8040730" y="5082186"/>
+            <a:chExt cx="235669" cy="235669"/>
+          </a:xfrm>
+        </p:grpSpPr>
+        <p:sp>
+          <p:nvSpPr>
+            <p:cNvPr id="68" name="Oval 67">
+              <a:extLst>
+                <a:ext uri="{FF2B5EF4-FFF2-40B4-BE49-F238E27FC236}">
+                  <a16:creationId xmlns:a16="http://schemas.microsoft.com/office/drawing/2014/main" id="{E423C8D7-553D-4A16-BA68-78DB113CAEC3}"/>
+                </a:ext>
+              </a:extLst>
+            </p:cNvPr>
+            <p:cNvSpPr/>
+            <p:nvPr/>
+          </p:nvSpPr>
+          <p:spPr>
+            <a:xfrm>
+              <a:off x="8040730" y="5082186"/>
+              <a:ext cx="235669" cy="235669"/>
+            </a:xfrm>
+            <a:prstGeom prst="ellipse">
+              <a:avLst/>
+            </a:prstGeom>
+            <a:solidFill>
+              <a:schemeClr val="bg1"/>
+            </a:solidFill>
+          </p:spPr>
+          <p:style>
+            <a:lnRef idx="1">
+              <a:schemeClr val="accent1"/>
+            </a:lnRef>
+            <a:fillRef idx="2">
+              <a:schemeClr val="accent1"/>
+            </a:fillRef>
+            <a:effectRef idx="1">
+              <a:schemeClr val="accent1"/>
+            </a:effectRef>
+            <a:fontRef idx="minor">
+              <a:schemeClr val="dk1"/>
+            </a:fontRef>
+          </p:style>
+          <p:txBody>
+            <a:bodyPr rot="0" spcFirstLastPara="0" vertOverflow="overflow" horzOverflow="overflow" vert="horz" wrap="square" lIns="91440" tIns="45721" rIns="91440" bIns="45721" numCol="1" spcCol="0" rtlCol="0" fromWordArt="0" anchor="ctr" anchorCtr="0" forceAA="0" compatLnSpc="1">
+              <a:prstTxWarp prst="textNoShape">
+                <a:avLst/>
+              </a:prstTxWarp>
+              <a:noAutofit/>
+            </a:bodyPr>
+            <a:lstStyle/>
+            <a:p>
+              <a:pPr algn="ctr"/>
+              <a:endParaRPr lang="en-SG" sz="1801"/>
+            </a:p>
+          </p:txBody>
+        </p:sp>
+        <p:sp>
+          <p:nvSpPr>
+            <p:cNvPr id="71" name="Oval 70">
+              <a:extLst>
+                <a:ext uri="{FF2B5EF4-FFF2-40B4-BE49-F238E27FC236}">
+                  <a16:creationId xmlns:a16="http://schemas.microsoft.com/office/drawing/2014/main" id="{1F41AA13-1BFC-498E-BBC4-DC32053E38E1}"/>
+                </a:ext>
+              </a:extLst>
+            </p:cNvPr>
+            <p:cNvSpPr/>
+            <p:nvPr/>
+          </p:nvSpPr>
+          <p:spPr>
+            <a:xfrm>
+              <a:off x="8088348" y="5134633"/>
+              <a:ext cx="136201" cy="136201"/>
+            </a:xfrm>
+            <a:prstGeom prst="ellipse">
+              <a:avLst/>
+            </a:prstGeom>
+          </p:spPr>
+          <p:style>
+            <a:lnRef idx="1">
+              <a:schemeClr val="accent1"/>
+            </a:lnRef>
+            <a:fillRef idx="2">
+              <a:schemeClr val="accent1"/>
+            </a:fillRef>
+            <a:effectRef idx="1">
+              <a:schemeClr val="accent1"/>
+            </a:effectRef>
+            <a:fontRef idx="minor">
+              <a:schemeClr val="dk1"/>
+            </a:fontRef>
+          </p:style>
+          <p:txBody>
+            <a:bodyPr rot="0" spcFirstLastPara="0" vertOverflow="overflow" horzOverflow="overflow" vert="horz" wrap="square" lIns="91440" tIns="45721" rIns="91440" bIns="45721" numCol="1" spcCol="0" rtlCol="0" fromWordArt="0" anchor="ctr" anchorCtr="0" forceAA="0" compatLnSpc="1">
+              <a:prstTxWarp prst="textNoShape">
+                <a:avLst/>
+              </a:prstTxWarp>
+              <a:noAutofit/>
+            </a:bodyPr>
+            <a:lstStyle/>
+            <a:p>
+              <a:pPr algn="ctr"/>
+              <a:endParaRPr lang="en-SG" sz="1801"/>
+            </a:p>
+          </p:txBody>
+        </p:sp>
+      </p:grpSp>
+      <p:cxnSp>
+        <p:nvCxnSpPr>
+          <p:cNvPr id="66" name="Elbow Connector 65"/>
+          <p:cNvCxnSpPr>
+            <a:cxnSpLocks/>
+            <a:stCxn id="56" idx="0"/>
+          </p:cNvCxnSpPr>
+          <p:nvPr/>
+        </p:nvCxnSpPr>
+        <p:spPr>
+          <a:xfrm rot="5400000" flipH="1" flipV="1">
+            <a:off x="3178360" y="2727063"/>
+            <a:ext cx="229667" cy="482060"/>
+          </a:xfrm>
+          <a:prstGeom prst="bentConnector2">
+            <a:avLst/>
+          </a:prstGeom>
+          <a:ln>
+            <a:tailEnd type="triangle"/>
+          </a:ln>
+        </p:spPr>
+        <p:style>
+          <a:lnRef idx="1">
+            <a:schemeClr val="dk1"/>
+          </a:lnRef>
+          <a:fillRef idx="0">
+            <a:schemeClr val="dk1"/>
+          </a:fillRef>
+          <a:effectRef idx="0">
+            <a:schemeClr val="dk1"/>
+          </a:effectRef>
+          <a:fontRef idx="minor">
+            <a:schemeClr val="tx1"/>
+          </a:fontRef>
+        </p:style>
+      </p:cxnSp>
+      <p:cxnSp>
+        <p:nvCxnSpPr>
+          <p:cNvPr id="72" name="Elbow Connector 71"/>
+          <p:cNvCxnSpPr>
+            <a:cxnSpLocks/>
+            <a:stCxn id="56" idx="2"/>
+            <a:endCxn id="46" idx="2"/>
+          </p:cNvCxnSpPr>
+          <p:nvPr/>
+        </p:nvCxnSpPr>
+        <p:spPr>
+          <a:xfrm rot="16200000" flipH="1">
+            <a:off x="4608221" y="2007634"/>
+            <a:ext cx="9559" cy="3121674"/>
+          </a:xfrm>
+          <a:prstGeom prst="bentConnector3">
+            <a:avLst>
+              <a:gd name="adj1" fmla="val 6437378"/>
+            </a:avLst>
+          </a:prstGeom>
+          <a:ln>
+            <a:tailEnd type="triangle"/>
+          </a:ln>
+        </p:spPr>
+        <p:style>
+          <a:lnRef idx="1">
+            <a:schemeClr val="dk1"/>
+          </a:lnRef>
+          <a:fillRef idx="0">
+            <a:schemeClr val="dk1"/>
+          </a:fillRef>
+          <a:effectRef idx="0">
+            <a:schemeClr val="dk1"/>
+          </a:effectRef>
+          <a:fontRef idx="minor">
+            <a:schemeClr val="tx1"/>
+          </a:fontRef>
+        </p:style>
+      </p:cxnSp>
+      <p:cxnSp>
+        <p:nvCxnSpPr>
+          <p:cNvPr id="74" name="Elbow Connector 73"/>
+          <p:cNvCxnSpPr>
+            <a:cxnSpLocks/>
+            <a:stCxn id="51" idx="3"/>
+            <a:endCxn id="46" idx="0"/>
+          </p:cNvCxnSpPr>
+          <p:nvPr/>
+        </p:nvCxnSpPr>
+        <p:spPr>
+          <a:xfrm>
+            <a:off x="5760720" y="2731241"/>
+            <a:ext cx="413117" cy="361244"/>
+          </a:xfrm>
+          <a:prstGeom prst="bentConnector2">
+            <a:avLst/>
+          </a:prstGeom>
+          <a:ln>
+            <a:tailEnd type="triangle"/>
+          </a:ln>
+        </p:spPr>
+        <p:style>
+          <a:lnRef idx="1">
+            <a:schemeClr val="dk1"/>
+          </a:lnRef>
+          <a:fillRef idx="0">
+            <a:schemeClr val="dk1"/>
+          </a:fillRef>
+          <a:effectRef idx="0">
+            <a:schemeClr val="dk1"/>
+          </a:effectRef>
+          <a:fontRef idx="minor">
+            <a:schemeClr val="tx1"/>
+          </a:fontRef>
+        </p:style>
+      </p:cxnSp>
+      <p:sp>
+        <p:nvSpPr>
+          <p:cNvPr id="27" name="Rectangle: Rounded Corners 7">
+            <a:extLst>
+              <a:ext uri="{FF2B5EF4-FFF2-40B4-BE49-F238E27FC236}">
+                <a16:creationId xmlns:a16="http://schemas.microsoft.com/office/drawing/2014/main" id="{118796D2-1FE6-A74D-82D7-AD6559BE3020}"/>
+              </a:ext>
+            </a:extLst>
+          </p:cNvPr>
+          <p:cNvSpPr/>
+          <p:nvPr/>
+        </p:nvSpPr>
+        <p:spPr>
+          <a:xfrm>
+            <a:off x="7018020" y="2795127"/>
+            <a:ext cx="1933029" cy="1075482"/>
+          </a:xfrm>
+          <a:prstGeom prst="roundRect">
+            <a:avLst/>
+          </a:prstGeom>
+        </p:spPr>
+        <p:style>
+          <a:lnRef idx="1">
+            <a:schemeClr val="accent5"/>
+          </a:lnRef>
+          <a:fillRef idx="2">
+            <a:schemeClr val="accent5"/>
+          </a:fillRef>
+          <a:effectRef idx="1">
+            <a:schemeClr val="accent5"/>
+          </a:effectRef>
+          <a:fontRef idx="minor">
+            <a:schemeClr val="dk1"/>
+          </a:fontRef>
+        </p:style>
+        <p:txBody>
+          <a:bodyPr rot="0" spcFirstLastPara="0" vertOverflow="overflow" horzOverflow="overflow" vert="horz" wrap="square" lIns="91440" tIns="45721" rIns="91440" bIns="45721" numCol="1" spcCol="0" rtlCol="0" fromWordArt="0" anchor="ctr" anchorCtr="0" forceAA="0" compatLnSpc="1">
+            <a:prstTxWarp prst="textNoShape">
+              <a:avLst/>
+            </a:prstTxWarp>
+            <a:noAutofit/>
+          </a:bodyPr>
+          <a:lstStyle/>
+          <a:p>
+            <a:pPr algn="ctr"/>
+            <a:r>
+              <a:rPr lang="en-SG" sz="1200" dirty="0"/>
+              <a:t>ImageMagick renders the canvas with the provided image the pointer is pointing to</a:t>
+            </a:r>
+          </a:p>
+        </p:txBody>
+      </p:sp>
+      <p:cxnSp>
+        <p:nvCxnSpPr>
+          <p:cNvPr id="29" name="Straight Arrow Connector 28">
+            <a:extLst>
+              <a:ext uri="{FF2B5EF4-FFF2-40B4-BE49-F238E27FC236}">
+                <a16:creationId xmlns:a16="http://schemas.microsoft.com/office/drawing/2014/main" id="{9D3386A4-521B-FF44-AF6B-431F2B27BB56}"/>
+              </a:ext>
+            </a:extLst>
+          </p:cNvPr>
+          <p:cNvCxnSpPr>
+            <a:cxnSpLocks/>
+          </p:cNvCxnSpPr>
+          <p:nvPr/>
+        </p:nvCxnSpPr>
+        <p:spPr>
+          <a:xfrm>
+            <a:off x="8951049" y="3311137"/>
+            <a:ext cx="603800" cy="0"/>
+          </a:xfrm>
+          <a:prstGeom prst="straightConnector1">
+            <a:avLst/>
+          </a:prstGeom>
+          <a:ln>
+            <a:tailEnd type="triangle"/>
+          </a:ln>
+        </p:spPr>
+        <p:style>
+          <a:lnRef idx="1">
+            <a:schemeClr val="dk1"/>
+          </a:lnRef>
+          <a:fillRef idx="0">
+            <a:schemeClr val="dk1"/>
+          </a:fillRef>
+          <a:effectRef idx="0">
+            <a:schemeClr val="dk1"/>
+          </a:effectRef>
+          <a:fontRef idx="minor">
+            <a:schemeClr val="tx1"/>
+          </a:fontRef>
+        </p:style>
+      </p:cxnSp>
+      <p:sp>
+        <p:nvSpPr>
+          <p:cNvPr id="23" name="Rectangle: Rounded Corners 50">
+            <a:extLst>
+              <a:ext uri="{FF2B5EF4-FFF2-40B4-BE49-F238E27FC236}">
+                <a16:creationId xmlns:a16="http://schemas.microsoft.com/office/drawing/2014/main" id="{65E19DAB-4025-3546-8A87-46882B88DD8C}"/>
+              </a:ext>
+            </a:extLst>
+          </p:cNvPr>
+          <p:cNvSpPr/>
+          <p:nvPr/>
+        </p:nvSpPr>
+        <p:spPr>
+          <a:xfrm>
+            <a:off x="3529445" y="3690217"/>
+            <a:ext cx="2231275" cy="1201823"/>
+          </a:xfrm>
+          <a:prstGeom prst="roundRect">
+            <a:avLst/>
+          </a:prstGeom>
+        </p:spPr>
+        <p:style>
+          <a:lnRef idx="1">
+            <a:schemeClr val="accent6"/>
+          </a:lnRef>
+          <a:fillRef idx="2">
+            <a:schemeClr val="accent6"/>
+          </a:fillRef>
+          <a:effectRef idx="1">
+            <a:schemeClr val="accent6"/>
+          </a:effectRef>
+          <a:fontRef idx="minor">
+            <a:schemeClr val="dk1"/>
+          </a:fontRef>
+        </p:style>
+        <p:txBody>
+          <a:bodyPr rot="0" spcFirstLastPara="0" vertOverflow="overflow" horzOverflow="overflow" vert="horz" wrap="square" lIns="91440" tIns="45721" rIns="91440" bIns="45721" numCol="1" spcCol="0" rtlCol="0" fromWordArt="0" anchor="ctr" anchorCtr="0" forceAA="0" compatLnSpc="1">
+            <a:prstTxWarp prst="textNoShape">
+              <a:avLst/>
+            </a:prstTxWarp>
+            <a:noAutofit/>
+          </a:bodyPr>
+          <a:lstStyle/>
+          <a:p>
+            <a:pPr algn="ctr"/>
+            <a:r>
+              <a:rPr lang="en-SG" sz="1400" dirty="0"/>
+              <a:t>Model is unable to redo the previewImage, throws a CommandException. currentIndex remains equal to (currentSize -1)</a:t>
+            </a:r>
+          </a:p>
+        </p:txBody>
+      </p:sp>
+    </p:spTree>
+    <p:extLst>
+      <p:ext uri="{BB962C8B-B14F-4D97-AF65-F5344CB8AC3E}">
+        <p14:creationId xmlns:p14="http://schemas.microsoft.com/office/powerpoint/2010/main" val="2634888380"/>
       </p:ext>
     </p:extLst>
   </p:cSld>

--- a/docs/diagrams/UndoRedoActivityDiagram.pptx
+++ b/docs/diagrams/UndoRedoActivityDiagram.pptx
@@ -112,10 +112,6 @@
 </p:presentation>
 </file>
 
-<file path=ppt/revisionInfo.xml><?xml version="1.0" encoding="utf-8"?>
-<p1510:revInfo xmlns:a="http://schemas.openxmlformats.org/drawingml/2006/main" xmlns:r="http://schemas.openxmlformats.org/officeDocument/2006/relationships" xmlns:p1510="http://schemas.microsoft.com/office/powerpoint/2015/10/main"/>
-</file>
-
 <file path=ppt/slideLayouts/slideLayout1.xml><?xml version="1.0" encoding="utf-8"?>
 <p:sldLayout xmlns:a="http://schemas.openxmlformats.org/drawingml/2006/main" xmlns:r="http://schemas.openxmlformats.org/officeDocument/2006/relationships" xmlns:p="http://schemas.openxmlformats.org/presentationml/2006/main" type="title" preserve="1">
   <p:cSld name="Title Slide">
@@ -265,7 +261,7 @@
           <a:p>
             <a:fld id="{542F47FF-5056-41FF-A1F8-23A414798AA4}" type="datetimeFigureOut">
               <a:rPr lang="en-SG" smtClean="0"/>
-              <a:t>6/7/2018</a:t>
+              <a:t>11/11/2018</a:t>
             </a:fld>
             <a:endParaRPr lang="en-SG"/>
           </a:p>
@@ -465,7 +461,7 @@
           <a:p>
             <a:fld id="{542F47FF-5056-41FF-A1F8-23A414798AA4}" type="datetimeFigureOut">
               <a:rPr lang="en-SG" smtClean="0"/>
-              <a:t>6/7/2018</a:t>
+              <a:t>11/11/2018</a:t>
             </a:fld>
             <a:endParaRPr lang="en-SG"/>
           </a:p>
@@ -675,7 +671,7 @@
           <a:p>
             <a:fld id="{542F47FF-5056-41FF-A1F8-23A414798AA4}" type="datetimeFigureOut">
               <a:rPr lang="en-SG" smtClean="0"/>
-              <a:t>6/7/2018</a:t>
+              <a:t>11/11/2018</a:t>
             </a:fld>
             <a:endParaRPr lang="en-SG"/>
           </a:p>
@@ -875,7 +871,7 @@
           <a:p>
             <a:fld id="{542F47FF-5056-41FF-A1F8-23A414798AA4}" type="datetimeFigureOut">
               <a:rPr lang="en-SG" smtClean="0"/>
-              <a:t>6/7/2018</a:t>
+              <a:t>11/11/2018</a:t>
             </a:fld>
             <a:endParaRPr lang="en-SG"/>
           </a:p>
@@ -1151,7 +1147,7 @@
           <a:p>
             <a:fld id="{542F47FF-5056-41FF-A1F8-23A414798AA4}" type="datetimeFigureOut">
               <a:rPr lang="en-SG" smtClean="0"/>
-              <a:t>6/7/2018</a:t>
+              <a:t>11/11/2018</a:t>
             </a:fld>
             <a:endParaRPr lang="en-SG"/>
           </a:p>
@@ -1419,7 +1415,7 @@
           <a:p>
             <a:fld id="{542F47FF-5056-41FF-A1F8-23A414798AA4}" type="datetimeFigureOut">
               <a:rPr lang="en-SG" smtClean="0"/>
-              <a:t>6/7/2018</a:t>
+              <a:t>11/11/2018</a:t>
             </a:fld>
             <a:endParaRPr lang="en-SG"/>
           </a:p>
@@ -1834,7 +1830,7 @@
           <a:p>
             <a:fld id="{542F47FF-5056-41FF-A1F8-23A414798AA4}" type="datetimeFigureOut">
               <a:rPr lang="en-SG" smtClean="0"/>
-              <a:t>6/7/2018</a:t>
+              <a:t>11/11/2018</a:t>
             </a:fld>
             <a:endParaRPr lang="en-SG"/>
           </a:p>
@@ -1976,7 +1972,7 @@
           <a:p>
             <a:fld id="{542F47FF-5056-41FF-A1F8-23A414798AA4}" type="datetimeFigureOut">
               <a:rPr lang="en-SG" smtClean="0"/>
-              <a:t>6/7/2018</a:t>
+              <a:t>11/11/2018</a:t>
             </a:fld>
             <a:endParaRPr lang="en-SG"/>
           </a:p>
@@ -2089,7 +2085,7 @@
           <a:p>
             <a:fld id="{542F47FF-5056-41FF-A1F8-23A414798AA4}" type="datetimeFigureOut">
               <a:rPr lang="en-SG" smtClean="0"/>
-              <a:t>6/7/2018</a:t>
+              <a:t>11/11/2018</a:t>
             </a:fld>
             <a:endParaRPr lang="en-SG"/>
           </a:p>
@@ -2402,7 +2398,7 @@
           <a:p>
             <a:fld id="{542F47FF-5056-41FF-A1F8-23A414798AA4}" type="datetimeFigureOut">
               <a:rPr lang="en-SG" smtClean="0"/>
-              <a:t>6/7/2018</a:t>
+              <a:t>11/11/2018</a:t>
             </a:fld>
             <a:endParaRPr lang="en-SG"/>
           </a:p>
@@ -2691,7 +2687,7 @@
           <a:p>
             <a:fld id="{542F47FF-5056-41FF-A1F8-23A414798AA4}" type="datetimeFigureOut">
               <a:rPr lang="en-SG" smtClean="0"/>
-              <a:t>6/7/2018</a:t>
+              <a:t>11/11/2018</a:t>
             </a:fld>
             <a:endParaRPr lang="en-SG"/>
           </a:p>
@@ -2934,7 +2930,7 @@
           <a:p>
             <a:fld id="{542F47FF-5056-41FF-A1F8-23A414798AA4}" type="datetimeFigureOut">
               <a:rPr lang="en-SG" smtClean="0"/>
-              <a:t>6/7/2018</a:t>
+              <a:t>11/11/2018</a:t>
             </a:fld>
             <a:endParaRPr lang="en-SG"/>
           </a:p>
@@ -3656,7 +3652,7 @@
             </a:r>
             <a:r>
               <a:rPr lang="en-US" dirty="0"/>
-              <a:t>command commits address book]</a:t>
+              <a:t>command commits expense tracker]</a:t>
             </a:r>
             <a:endParaRPr lang="en-SG" sz="1801" dirty="0"/>
           </a:p>
@@ -3709,11 +3705,11 @@
             <a:pPr algn="ctr"/>
             <a:r>
               <a:rPr lang="en-SG" sz="1801" dirty="0"/>
-              <a:t>Purge redundant states and then save address book to </a:t>
+              <a:t>Purge redundant states and then save expense tracker to </a:t>
             </a:r>
             <a:r>
               <a:rPr lang="en-SG" sz="1801" dirty="0" err="1"/>
-              <a:t>addressBookStateList</a:t>
+              <a:t>expenseTrackerStateList</a:t>
             </a:r>
             <a:r>
               <a:rPr lang="en-SG" sz="1801" dirty="0"/>

--- a/docs/diagrams/UndoRedoActivityDiagram.pptx
+++ b/docs/diagrams/UndoRedoActivityDiagram.pptx
@@ -112,10 +112,6 @@
 </p:presentation>
 </file>
 
-<file path=ppt/revisionInfo.xml><?xml version="1.0" encoding="utf-8"?>
-<p1510:revInfo xmlns:a="http://schemas.openxmlformats.org/drawingml/2006/main" xmlns:r="http://schemas.openxmlformats.org/officeDocument/2006/relationships" xmlns:p1510="http://schemas.microsoft.com/office/powerpoint/2015/10/main"/>
-</file>
-
 <file path=ppt/slideLayouts/slideLayout1.xml><?xml version="1.0" encoding="utf-8"?>
 <p:sldLayout xmlns:a="http://schemas.openxmlformats.org/drawingml/2006/main" xmlns:r="http://schemas.openxmlformats.org/officeDocument/2006/relationships" xmlns:p="http://schemas.openxmlformats.org/presentationml/2006/main" type="title" preserve="1">
   <p:cSld name="Title Slide">
@@ -265,7 +261,7 @@
           <a:p>
             <a:fld id="{542F47FF-5056-41FF-A1F8-23A414798AA4}" type="datetimeFigureOut">
               <a:rPr lang="en-SG" smtClean="0"/>
-              <a:t>6/7/2018</a:t>
+              <a:t>12/11/2018</a:t>
             </a:fld>
             <a:endParaRPr lang="en-SG"/>
           </a:p>
@@ -465,7 +461,7 @@
           <a:p>
             <a:fld id="{542F47FF-5056-41FF-A1F8-23A414798AA4}" type="datetimeFigureOut">
               <a:rPr lang="en-SG" smtClean="0"/>
-              <a:t>6/7/2018</a:t>
+              <a:t>12/11/2018</a:t>
             </a:fld>
             <a:endParaRPr lang="en-SG"/>
           </a:p>
@@ -675,7 +671,7 @@
           <a:p>
             <a:fld id="{542F47FF-5056-41FF-A1F8-23A414798AA4}" type="datetimeFigureOut">
               <a:rPr lang="en-SG" smtClean="0"/>
-              <a:t>6/7/2018</a:t>
+              <a:t>12/11/2018</a:t>
             </a:fld>
             <a:endParaRPr lang="en-SG"/>
           </a:p>
@@ -875,7 +871,7 @@
           <a:p>
             <a:fld id="{542F47FF-5056-41FF-A1F8-23A414798AA4}" type="datetimeFigureOut">
               <a:rPr lang="en-SG" smtClean="0"/>
-              <a:t>6/7/2018</a:t>
+              <a:t>12/11/2018</a:t>
             </a:fld>
             <a:endParaRPr lang="en-SG"/>
           </a:p>
@@ -1151,7 +1147,7 @@
           <a:p>
             <a:fld id="{542F47FF-5056-41FF-A1F8-23A414798AA4}" type="datetimeFigureOut">
               <a:rPr lang="en-SG" smtClean="0"/>
-              <a:t>6/7/2018</a:t>
+              <a:t>12/11/2018</a:t>
             </a:fld>
             <a:endParaRPr lang="en-SG"/>
           </a:p>
@@ -1419,7 +1415,7 @@
           <a:p>
             <a:fld id="{542F47FF-5056-41FF-A1F8-23A414798AA4}" type="datetimeFigureOut">
               <a:rPr lang="en-SG" smtClean="0"/>
-              <a:t>6/7/2018</a:t>
+              <a:t>12/11/2018</a:t>
             </a:fld>
             <a:endParaRPr lang="en-SG"/>
           </a:p>
@@ -1834,7 +1830,7 @@
           <a:p>
             <a:fld id="{542F47FF-5056-41FF-A1F8-23A414798AA4}" type="datetimeFigureOut">
               <a:rPr lang="en-SG" smtClean="0"/>
-              <a:t>6/7/2018</a:t>
+              <a:t>12/11/2018</a:t>
             </a:fld>
             <a:endParaRPr lang="en-SG"/>
           </a:p>
@@ -1976,7 +1972,7 @@
           <a:p>
             <a:fld id="{542F47FF-5056-41FF-A1F8-23A414798AA4}" type="datetimeFigureOut">
               <a:rPr lang="en-SG" smtClean="0"/>
-              <a:t>6/7/2018</a:t>
+              <a:t>12/11/2018</a:t>
             </a:fld>
             <a:endParaRPr lang="en-SG"/>
           </a:p>
@@ -2089,7 +2085,7 @@
           <a:p>
             <a:fld id="{542F47FF-5056-41FF-A1F8-23A414798AA4}" type="datetimeFigureOut">
               <a:rPr lang="en-SG" smtClean="0"/>
-              <a:t>6/7/2018</a:t>
+              <a:t>12/11/2018</a:t>
             </a:fld>
             <a:endParaRPr lang="en-SG"/>
           </a:p>
@@ -2402,7 +2398,7 @@
           <a:p>
             <a:fld id="{542F47FF-5056-41FF-A1F8-23A414798AA4}" type="datetimeFigureOut">
               <a:rPr lang="en-SG" smtClean="0"/>
-              <a:t>6/7/2018</a:t>
+              <a:t>12/11/2018</a:t>
             </a:fld>
             <a:endParaRPr lang="en-SG"/>
           </a:p>
@@ -2691,7 +2687,7 @@
           <a:p>
             <a:fld id="{542F47FF-5056-41FF-A1F8-23A414798AA4}" type="datetimeFigureOut">
               <a:rPr lang="en-SG" smtClean="0"/>
-              <a:t>6/7/2018</a:t>
+              <a:t>12/11/2018</a:t>
             </a:fld>
             <a:endParaRPr lang="en-SG"/>
           </a:p>
@@ -2934,7 +2930,7 @@
           <a:p>
             <a:fld id="{542F47FF-5056-41FF-A1F8-23A414798AA4}" type="datetimeFigureOut">
               <a:rPr lang="en-SG" smtClean="0"/>
-              <a:t>6/7/2018</a:t>
+              <a:t>12/11/2018</a:t>
             </a:fld>
             <a:endParaRPr lang="en-SG"/>
           </a:p>
@@ -3656,7 +3652,7 @@
             </a:r>
             <a:r>
               <a:rPr lang="en-US" dirty="0"/>
-              <a:t>command commits address book]</a:t>
+              <a:t>command commits car park finder]</a:t>
             </a:r>
             <a:endParaRPr lang="en-SG" sz="1801" dirty="0"/>
           </a:p>
@@ -3709,11 +3705,11 @@
             <a:pPr algn="ctr"/>
             <a:r>
               <a:rPr lang="en-SG" sz="1801" dirty="0"/>
-              <a:t>Purge redundant states and then save address book to </a:t>
+              <a:t>Purge redundant states and then save car park finder to </a:t>
             </a:r>
             <a:r>
               <a:rPr lang="en-SG" sz="1801" dirty="0" err="1"/>
-              <a:t>addressBookStateList</a:t>
+              <a:t>carparkFinderStateList</a:t>
             </a:r>
             <a:r>
               <a:rPr lang="en-SG" sz="1801" dirty="0"/>

--- a/docs/diagrams/UndoRedoActivityDiagram.pptx
+++ b/docs/diagrams/UndoRedoActivityDiagram.pptx
@@ -263,7 +263,7 @@
           <a:p>
             <a:fld id="{542F47FF-5056-41FF-A1F8-23A414798AA4}" type="datetimeFigureOut">
               <a:rPr lang="en-SG" smtClean="0"/>
-              <a:t>10/11/18</a:t>
+              <a:t>12/11/18</a:t>
             </a:fld>
             <a:endParaRPr lang="en-SG"/>
           </a:p>
@@ -463,7 +463,7 @@
           <a:p>
             <a:fld id="{542F47FF-5056-41FF-A1F8-23A414798AA4}" type="datetimeFigureOut">
               <a:rPr lang="en-SG" smtClean="0"/>
-              <a:t>10/11/18</a:t>
+              <a:t>12/11/18</a:t>
             </a:fld>
             <a:endParaRPr lang="en-SG"/>
           </a:p>
@@ -673,7 +673,7 @@
           <a:p>
             <a:fld id="{542F47FF-5056-41FF-A1F8-23A414798AA4}" type="datetimeFigureOut">
               <a:rPr lang="en-SG" smtClean="0"/>
-              <a:t>10/11/18</a:t>
+              <a:t>12/11/18</a:t>
             </a:fld>
             <a:endParaRPr lang="en-SG"/>
           </a:p>
@@ -873,7 +873,7 @@
           <a:p>
             <a:fld id="{542F47FF-5056-41FF-A1F8-23A414798AA4}" type="datetimeFigureOut">
               <a:rPr lang="en-SG" smtClean="0"/>
-              <a:t>10/11/18</a:t>
+              <a:t>12/11/18</a:t>
             </a:fld>
             <a:endParaRPr lang="en-SG"/>
           </a:p>
@@ -1149,7 +1149,7 @@
           <a:p>
             <a:fld id="{542F47FF-5056-41FF-A1F8-23A414798AA4}" type="datetimeFigureOut">
               <a:rPr lang="en-SG" smtClean="0"/>
-              <a:t>10/11/18</a:t>
+              <a:t>12/11/18</a:t>
             </a:fld>
             <a:endParaRPr lang="en-SG"/>
           </a:p>
@@ -1417,7 +1417,7 @@
           <a:p>
             <a:fld id="{542F47FF-5056-41FF-A1F8-23A414798AA4}" type="datetimeFigureOut">
               <a:rPr lang="en-SG" smtClean="0"/>
-              <a:t>10/11/18</a:t>
+              <a:t>12/11/18</a:t>
             </a:fld>
             <a:endParaRPr lang="en-SG"/>
           </a:p>
@@ -1832,7 +1832,7 @@
           <a:p>
             <a:fld id="{542F47FF-5056-41FF-A1F8-23A414798AA4}" type="datetimeFigureOut">
               <a:rPr lang="en-SG" smtClean="0"/>
-              <a:t>10/11/18</a:t>
+              <a:t>12/11/18</a:t>
             </a:fld>
             <a:endParaRPr lang="en-SG"/>
           </a:p>
@@ -1974,7 +1974,7 @@
           <a:p>
             <a:fld id="{542F47FF-5056-41FF-A1F8-23A414798AA4}" type="datetimeFigureOut">
               <a:rPr lang="en-SG" smtClean="0"/>
-              <a:t>10/11/18</a:t>
+              <a:t>12/11/18</a:t>
             </a:fld>
             <a:endParaRPr lang="en-SG"/>
           </a:p>
@@ -2087,7 +2087,7 @@
           <a:p>
             <a:fld id="{542F47FF-5056-41FF-A1F8-23A414798AA4}" type="datetimeFigureOut">
               <a:rPr lang="en-SG" smtClean="0"/>
-              <a:t>10/11/18</a:t>
+              <a:t>12/11/18</a:t>
             </a:fld>
             <a:endParaRPr lang="en-SG"/>
           </a:p>
@@ -2400,7 +2400,7 @@
           <a:p>
             <a:fld id="{542F47FF-5056-41FF-A1F8-23A414798AA4}" type="datetimeFigureOut">
               <a:rPr lang="en-SG" smtClean="0"/>
-              <a:t>10/11/18</a:t>
+              <a:t>12/11/18</a:t>
             </a:fld>
             <a:endParaRPr lang="en-SG"/>
           </a:p>
@@ -2689,7 +2689,7 @@
           <a:p>
             <a:fld id="{542F47FF-5056-41FF-A1F8-23A414798AA4}" type="datetimeFigureOut">
               <a:rPr lang="en-SG" smtClean="0"/>
-              <a:t>10/11/18</a:t>
+              <a:t>12/11/18</a:t>
             </a:fld>
             <a:endParaRPr lang="en-SG"/>
           </a:p>
@@ -2932,7 +2932,7 @@
           <a:p>
             <a:fld id="{542F47FF-5056-41FF-A1F8-23A414798AA4}" type="datetimeFigureOut">
               <a:rPr lang="en-SG" smtClean="0"/>
-              <a:t>10/11/18</a:t>
+              <a:t>12/11/18</a:t>
             </a:fld>
             <a:endParaRPr lang="en-SG"/>
           </a:p>
@@ -4355,7 +4355,7 @@
         </p:nvSpPr>
         <p:spPr>
           <a:xfrm>
-            <a:off x="5933454" y="3092485"/>
+            <a:off x="8466853" y="3104325"/>
             <a:ext cx="480766" cy="480766"/>
           </a:xfrm>
           <a:prstGeom prst="diamond">
@@ -4572,48 +4572,6 @@
           </a:p>
         </p:txBody>
       </p:sp>
-      <p:cxnSp>
-        <p:nvCxnSpPr>
-          <p:cNvPr id="69" name="Straight Arrow Connector 68">
-            <a:extLst>
-              <a:ext uri="{FF2B5EF4-FFF2-40B4-BE49-F238E27FC236}">
-                <a16:creationId xmlns:a16="http://schemas.microsoft.com/office/drawing/2014/main" id="{7BE2639B-14BA-4C9C-9964-899CEF3278C9}"/>
-              </a:ext>
-            </a:extLst>
-          </p:cNvPr>
-          <p:cNvCxnSpPr>
-            <a:cxnSpLocks/>
-            <a:stCxn id="46" idx="3"/>
-          </p:cNvCxnSpPr>
-          <p:nvPr/>
-        </p:nvCxnSpPr>
-        <p:spPr>
-          <a:xfrm>
-            <a:off x="6414220" y="3332868"/>
-            <a:ext cx="603800" cy="0"/>
-          </a:xfrm>
-          <a:prstGeom prst="straightConnector1">
-            <a:avLst/>
-          </a:prstGeom>
-          <a:ln>
-            <a:tailEnd type="triangle"/>
-          </a:ln>
-        </p:spPr>
-        <p:style>
-          <a:lnRef idx="1">
-            <a:schemeClr val="dk1"/>
-          </a:lnRef>
-          <a:fillRef idx="0">
-            <a:schemeClr val="dk1"/>
-          </a:fillRef>
-          <a:effectRef idx="0">
-            <a:schemeClr val="dk1"/>
-          </a:effectRef>
-          <a:fontRef idx="minor">
-            <a:schemeClr val="tx1"/>
-          </a:fontRef>
-        </p:style>
-      </p:cxnSp>
       <p:grpSp>
         <p:nvGrpSpPr>
           <p:cNvPr id="75" name="Group 74">
@@ -4628,7 +4586,7 @@
         </p:nvGrpSpPr>
         <p:grpSpPr>
           <a:xfrm>
-            <a:off x="9554849" y="3203782"/>
+            <a:off x="9631769" y="3226873"/>
             <a:ext cx="235669" cy="235669"/>
             <a:chOff x="8040730" y="5082186"/>
             <a:chExt cx="235669" cy="235669"/>
@@ -4784,12 +4742,12 @@
         </p:nvCxnSpPr>
         <p:spPr>
           <a:xfrm rot="16200000" flipH="1">
-            <a:off x="4608221" y="2007634"/>
-            <a:ext cx="9559" cy="3121674"/>
+            <a:off x="5869000" y="746854"/>
+            <a:ext cx="21399" cy="5655073"/>
           </a:xfrm>
           <a:prstGeom prst="bentConnector3">
             <a:avLst>
-              <a:gd name="adj1" fmla="val 6437378"/>
+              <a:gd name="adj1" fmla="val 1168274"/>
             </a:avLst>
           </a:prstGeom>
           <a:ln>
@@ -4816,15 +4774,14 @@
           <p:cNvPr id="74" name="Elbow Connector 73"/>
           <p:cNvCxnSpPr>
             <a:cxnSpLocks/>
-            <a:stCxn id="51" idx="3"/>
             <a:endCxn id="46" idx="0"/>
           </p:cNvCxnSpPr>
           <p:nvPr/>
         </p:nvCxnSpPr>
         <p:spPr>
           <a:xfrm>
-            <a:off x="5760720" y="2731241"/>
-            <a:ext cx="413117" cy="361244"/>
+            <a:off x="8156028" y="2731240"/>
+            <a:ext cx="551208" cy="373085"/>
           </a:xfrm>
           <a:prstGeom prst="bentConnector2">
             <a:avLst/>
@@ -4848,58 +4805,6 @@
           </a:fontRef>
         </p:style>
       </p:cxnSp>
-      <p:sp>
-        <p:nvSpPr>
-          <p:cNvPr id="27" name="Rectangle: Rounded Corners 7">
-            <a:extLst>
-              <a:ext uri="{FF2B5EF4-FFF2-40B4-BE49-F238E27FC236}">
-                <a16:creationId xmlns:a16="http://schemas.microsoft.com/office/drawing/2014/main" id="{118796D2-1FE6-A74D-82D7-AD6559BE3020}"/>
-              </a:ext>
-            </a:extLst>
-          </p:cNvPr>
-          <p:cNvSpPr/>
-          <p:nvPr/>
-        </p:nvSpPr>
-        <p:spPr>
-          <a:xfrm>
-            <a:off x="7018020" y="2795127"/>
-            <a:ext cx="1933029" cy="1075482"/>
-          </a:xfrm>
-          <a:prstGeom prst="roundRect">
-            <a:avLst/>
-          </a:prstGeom>
-        </p:spPr>
-        <p:style>
-          <a:lnRef idx="1">
-            <a:schemeClr val="accent5"/>
-          </a:lnRef>
-          <a:fillRef idx="2">
-            <a:schemeClr val="accent5"/>
-          </a:fillRef>
-          <a:effectRef idx="1">
-            <a:schemeClr val="accent5"/>
-          </a:effectRef>
-          <a:fontRef idx="minor">
-            <a:schemeClr val="dk1"/>
-          </a:fontRef>
-        </p:style>
-        <p:txBody>
-          <a:bodyPr rot="0" spcFirstLastPara="0" vertOverflow="overflow" horzOverflow="overflow" vert="horz" wrap="square" lIns="91440" tIns="45721" rIns="91440" bIns="45721" numCol="1" spcCol="0" rtlCol="0" fromWordArt="0" anchor="ctr" anchorCtr="0" forceAA="0" compatLnSpc="1">
-            <a:prstTxWarp prst="textNoShape">
-              <a:avLst/>
-            </a:prstTxWarp>
-            <a:noAutofit/>
-          </a:bodyPr>
-          <a:lstStyle/>
-          <a:p>
-            <a:pPr algn="ctr"/>
-            <a:r>
-              <a:rPr lang="en-SG" sz="1200" dirty="0"/>
-              <a:t>ImageMagick renders the canvas with the provided image the pointer is pointing to</a:t>
-            </a:r>
-          </a:p>
-        </p:txBody>
-      </p:sp>
       <p:cxnSp>
         <p:nvCxnSpPr>
           <p:cNvPr id="29" name="Straight Arrow Connector 28">
@@ -4911,13 +4816,14 @@
           </p:cNvPr>
           <p:cNvCxnSpPr>
             <a:cxnSpLocks/>
+            <a:stCxn id="46" idx="3"/>
           </p:cNvCxnSpPr>
           <p:nvPr/>
         </p:nvCxnSpPr>
         <p:spPr>
           <a:xfrm>
-            <a:off x="8951049" y="3311137"/>
-            <a:ext cx="603800" cy="0"/>
+            <a:off x="8947619" y="3344708"/>
+            <a:ext cx="650519" cy="0"/>
           </a:xfrm>
           <a:prstGeom prst="straightConnector1">
             <a:avLst/>
@@ -4955,7 +4861,7 @@
         </p:nvSpPr>
         <p:spPr>
           <a:xfrm>
-            <a:off x="3529445" y="3690217"/>
+            <a:off x="4875259" y="3537004"/>
             <a:ext cx="2231275" cy="1201823"/>
           </a:xfrm>
           <a:prstGeom prst="roundRect">
@@ -4989,6 +4895,103 @@
             <a:r>
               <a:rPr lang="en-SG" sz="1400" dirty="0"/>
               <a:t>Model is unable to undo the previewImage, throws a CommandException. currentIndex remains at 0</a:t>
+            </a:r>
+          </a:p>
+        </p:txBody>
+      </p:sp>
+      <p:cxnSp>
+        <p:nvCxnSpPr>
+          <p:cNvPr id="24" name="Straight Arrow Connector 23">
+            <a:extLst>
+              <a:ext uri="{FF2B5EF4-FFF2-40B4-BE49-F238E27FC236}">
+                <a16:creationId xmlns:a16="http://schemas.microsoft.com/office/drawing/2014/main" id="{EC25EBDD-71BF-AB4A-AED5-BAE330CF28D7}"/>
+              </a:ext>
+            </a:extLst>
+          </p:cNvPr>
+          <p:cNvCxnSpPr>
+            <a:cxnSpLocks/>
+          </p:cNvCxnSpPr>
+          <p:nvPr/>
+        </p:nvCxnSpPr>
+        <p:spPr>
+          <a:xfrm>
+            <a:off x="5760720" y="2731240"/>
+            <a:ext cx="230177" cy="0"/>
+          </a:xfrm>
+          <a:prstGeom prst="straightConnector1">
+            <a:avLst/>
+          </a:prstGeom>
+          <a:ln>
+            <a:tailEnd type="triangle"/>
+          </a:ln>
+        </p:spPr>
+        <p:style>
+          <a:lnRef idx="1">
+            <a:schemeClr val="dk1"/>
+          </a:lnRef>
+          <a:fillRef idx="0">
+            <a:schemeClr val="dk1"/>
+          </a:fillRef>
+          <a:effectRef idx="0">
+            <a:schemeClr val="dk1"/>
+          </a:effectRef>
+          <a:fontRef idx="minor">
+            <a:schemeClr val="tx1"/>
+          </a:fontRef>
+        </p:style>
+      </p:cxnSp>
+      <p:sp>
+        <p:nvSpPr>
+          <p:cNvPr id="25" name="Rectangle: Rounded Corners 50">
+            <a:extLst>
+              <a:ext uri="{FF2B5EF4-FFF2-40B4-BE49-F238E27FC236}">
+                <a16:creationId xmlns:a16="http://schemas.microsoft.com/office/drawing/2014/main" id="{A5E9BCC8-3A7F-C447-8428-6085E8928B7D}"/>
+              </a:ext>
+            </a:extLst>
+          </p:cNvPr>
+          <p:cNvSpPr/>
+          <p:nvPr/>
+        </p:nvSpPr>
+        <p:spPr>
+          <a:xfrm>
+            <a:off x="5990897" y="2332806"/>
+            <a:ext cx="2231275" cy="814659"/>
+          </a:xfrm>
+          <a:prstGeom prst="roundRect">
+            <a:avLst/>
+          </a:prstGeom>
+        </p:spPr>
+        <p:style>
+          <a:lnRef idx="1">
+            <a:schemeClr val="accent6"/>
+          </a:lnRef>
+          <a:fillRef idx="2">
+            <a:schemeClr val="accent6"/>
+          </a:fillRef>
+          <a:effectRef idx="1">
+            <a:schemeClr val="accent6"/>
+          </a:effectRef>
+          <a:fontRef idx="minor">
+            <a:schemeClr val="dk1"/>
+          </a:fontRef>
+        </p:style>
+        <p:txBody>
+          <a:bodyPr rot="0" spcFirstLastPara="0" vertOverflow="overflow" horzOverflow="overflow" vert="horz" wrap="square" lIns="91440" tIns="45721" rIns="91440" bIns="45721" numCol="1" spcCol="0" rtlCol="0" fromWordArt="0" anchor="ctr" anchorCtr="0" forceAA="0" compatLnSpc="1">
+            <a:prstTxWarp prst="textNoShape">
+              <a:avLst/>
+            </a:prstTxWarp>
+            <a:noAutofit/>
+          </a:bodyPr>
+          <a:lstStyle/>
+          <a:p>
+            <a:pPr lvl="0" algn="ctr"/>
+            <a:r>
+              <a:rPr lang="en-SG" sz="1200" dirty="0">
+                <a:solidFill>
+                  <a:prstClr val="black"/>
+                </a:solidFill>
+              </a:rPr>
+              <a:t>ImageMagick renders the canvas with the provided image the pointer is pointing to</a:t>
             </a:r>
           </a:p>
         </p:txBody>
@@ -5222,7 +5225,7 @@
         </p:nvSpPr>
         <p:spPr>
           <a:xfrm>
-            <a:off x="5933454" y="3092485"/>
+            <a:off x="8470283" y="3093815"/>
             <a:ext cx="480766" cy="480766"/>
           </a:xfrm>
           <a:prstGeom prst="diamond">
@@ -5444,14 +5447,13 @@
           </p:cNvPr>
           <p:cNvCxnSpPr>
             <a:cxnSpLocks/>
-            <a:stCxn id="46" idx="3"/>
           </p:cNvCxnSpPr>
           <p:nvPr/>
         </p:nvCxnSpPr>
         <p:spPr>
           <a:xfrm>
-            <a:off x="6414220" y="3332868"/>
-            <a:ext cx="603800" cy="0"/>
+            <a:off x="5760720" y="2743928"/>
+            <a:ext cx="354442" cy="0"/>
           </a:xfrm>
           <a:prstGeom prst="straightConnector1">
             <a:avLst/>
@@ -5645,12 +5647,12 @@
         </p:nvCxnSpPr>
         <p:spPr>
           <a:xfrm rot="16200000" flipH="1">
-            <a:off x="4608221" y="2007634"/>
-            <a:ext cx="9559" cy="3121674"/>
+            <a:off x="5875970" y="739884"/>
+            <a:ext cx="10889" cy="5658503"/>
           </a:xfrm>
           <a:prstGeom prst="bentConnector3">
             <a:avLst>
-              <a:gd name="adj1" fmla="val 6437378"/>
+              <a:gd name="adj1" fmla="val 2199366"/>
             </a:avLst>
           </a:prstGeom>
           <a:ln>
@@ -5677,15 +5679,14 @@
           <p:cNvPr id="74" name="Elbow Connector 73"/>
           <p:cNvCxnSpPr>
             <a:cxnSpLocks/>
-            <a:stCxn id="51" idx="3"/>
             <a:endCxn id="46" idx="0"/>
           </p:cNvCxnSpPr>
           <p:nvPr/>
         </p:nvCxnSpPr>
         <p:spPr>
           <a:xfrm>
-            <a:off x="5760720" y="2731241"/>
-            <a:ext cx="413117" cy="361244"/>
+            <a:off x="8124497" y="2731240"/>
+            <a:ext cx="586169" cy="362575"/>
           </a:xfrm>
           <a:prstGeom prst="bentConnector2">
             <a:avLst/>
@@ -5709,58 +5710,6 @@
           </a:fontRef>
         </p:style>
       </p:cxnSp>
-      <p:sp>
-        <p:nvSpPr>
-          <p:cNvPr id="27" name="Rectangle: Rounded Corners 7">
-            <a:extLst>
-              <a:ext uri="{FF2B5EF4-FFF2-40B4-BE49-F238E27FC236}">
-                <a16:creationId xmlns:a16="http://schemas.microsoft.com/office/drawing/2014/main" id="{118796D2-1FE6-A74D-82D7-AD6559BE3020}"/>
-              </a:ext>
-            </a:extLst>
-          </p:cNvPr>
-          <p:cNvSpPr/>
-          <p:nvPr/>
-        </p:nvSpPr>
-        <p:spPr>
-          <a:xfrm>
-            <a:off x="7018020" y="2795127"/>
-            <a:ext cx="1933029" cy="1075482"/>
-          </a:xfrm>
-          <a:prstGeom prst="roundRect">
-            <a:avLst/>
-          </a:prstGeom>
-        </p:spPr>
-        <p:style>
-          <a:lnRef idx="1">
-            <a:schemeClr val="accent5"/>
-          </a:lnRef>
-          <a:fillRef idx="2">
-            <a:schemeClr val="accent5"/>
-          </a:fillRef>
-          <a:effectRef idx="1">
-            <a:schemeClr val="accent5"/>
-          </a:effectRef>
-          <a:fontRef idx="minor">
-            <a:schemeClr val="dk1"/>
-          </a:fontRef>
-        </p:style>
-        <p:txBody>
-          <a:bodyPr rot="0" spcFirstLastPara="0" vertOverflow="overflow" horzOverflow="overflow" vert="horz" wrap="square" lIns="91440" tIns="45721" rIns="91440" bIns="45721" numCol="1" spcCol="0" rtlCol="0" fromWordArt="0" anchor="ctr" anchorCtr="0" forceAA="0" compatLnSpc="1">
-            <a:prstTxWarp prst="textNoShape">
-              <a:avLst/>
-            </a:prstTxWarp>
-            <a:noAutofit/>
-          </a:bodyPr>
-          <a:lstStyle/>
-          <a:p>
-            <a:pPr algn="ctr"/>
-            <a:r>
-              <a:rPr lang="en-SG" sz="1200" dirty="0"/>
-              <a:t>ImageMagick renders the canvas with the provided image the pointer is pointing to</a:t>
-            </a:r>
-          </a:p>
-        </p:txBody>
-      </p:sp>
       <p:cxnSp>
         <p:nvCxnSpPr>
           <p:cNvPr id="29" name="Straight Arrow Connector 28">
@@ -5816,7 +5765,7 @@
         </p:nvSpPr>
         <p:spPr>
           <a:xfrm>
-            <a:off x="3529445" y="3690217"/>
+            <a:off x="4822303" y="3439451"/>
             <a:ext cx="2231275" cy="1201823"/>
           </a:xfrm>
           <a:prstGeom prst="roundRect">
@@ -5850,6 +5799,62 @@
             <a:r>
               <a:rPr lang="en-SG" sz="1400" dirty="0"/>
               <a:t>Model is unable to redo the previewImage, throws a CommandException. currentIndex remains equal to (currentSize -1)</a:t>
+            </a:r>
+          </a:p>
+        </p:txBody>
+      </p:sp>
+      <p:sp>
+        <p:nvSpPr>
+          <p:cNvPr id="24" name="Rectangle: Rounded Corners 50">
+            <a:extLst>
+              <a:ext uri="{FF2B5EF4-FFF2-40B4-BE49-F238E27FC236}">
+                <a16:creationId xmlns:a16="http://schemas.microsoft.com/office/drawing/2014/main" id="{46FD0873-8A10-044D-9859-54A7E65AF25F}"/>
+              </a:ext>
+            </a:extLst>
+          </p:cNvPr>
+          <p:cNvSpPr/>
+          <p:nvPr/>
+        </p:nvSpPr>
+        <p:spPr>
+          <a:xfrm>
+            <a:off x="6106506" y="2336598"/>
+            <a:ext cx="2231275" cy="814659"/>
+          </a:xfrm>
+          <a:prstGeom prst="roundRect">
+            <a:avLst/>
+          </a:prstGeom>
+        </p:spPr>
+        <p:style>
+          <a:lnRef idx="1">
+            <a:schemeClr val="accent6"/>
+          </a:lnRef>
+          <a:fillRef idx="2">
+            <a:schemeClr val="accent6"/>
+          </a:fillRef>
+          <a:effectRef idx="1">
+            <a:schemeClr val="accent6"/>
+          </a:effectRef>
+          <a:fontRef idx="minor">
+            <a:schemeClr val="dk1"/>
+          </a:fontRef>
+        </p:style>
+        <p:txBody>
+          <a:bodyPr rot="0" spcFirstLastPara="0" vertOverflow="overflow" horzOverflow="overflow" vert="horz" wrap="square" lIns="91440" tIns="45721" rIns="91440" bIns="45721" numCol="1" spcCol="0" rtlCol="0" fromWordArt="0" anchor="ctr" anchorCtr="0" forceAA="0" compatLnSpc="1">
+            <a:prstTxWarp prst="textNoShape">
+              <a:avLst/>
+            </a:prstTxWarp>
+            <a:noAutofit/>
+          </a:bodyPr>
+          <a:lstStyle/>
+          <a:p>
+            <a:pPr lvl="0" algn="ctr"/>
+            <a:r>
+              <a:rPr lang="en-SG" sz="1200" dirty="0">
+                <a:solidFill>
+                  <a:prstClr val="black"/>
+                </a:solidFill>
+              </a:rPr>
+              <a:t>ImageMagick renders the canvas with the provided image the pointer is pointing to</a:t>
             </a:r>
           </a:p>
         </p:txBody>

--- a/docs/diagrams/UndoRedoActivityDiagram.pptx
+++ b/docs/diagrams/UndoRedoActivityDiagram.pptx
@@ -112,10 +112,6 @@
 </p:presentation>
 </file>
 
-<file path=ppt/revisionInfo.xml><?xml version="1.0" encoding="utf-8"?>
-<p1510:revInfo xmlns:a="http://schemas.openxmlformats.org/drawingml/2006/main" xmlns:r="http://schemas.openxmlformats.org/officeDocument/2006/relationships" xmlns:p1510="http://schemas.microsoft.com/office/powerpoint/2015/10/main"/>
-</file>
-
 <file path=ppt/slideLayouts/slideLayout1.xml><?xml version="1.0" encoding="utf-8"?>
 <p:sldLayout xmlns:a="http://schemas.openxmlformats.org/drawingml/2006/main" xmlns:r="http://schemas.openxmlformats.org/officeDocument/2006/relationships" xmlns:p="http://schemas.openxmlformats.org/presentationml/2006/main" type="title" preserve="1">
   <p:cSld name="Title Slide">
@@ -265,7 +261,7 @@
           <a:p>
             <a:fld id="{542F47FF-5056-41FF-A1F8-23A414798AA4}" type="datetimeFigureOut">
               <a:rPr lang="en-SG" smtClean="0"/>
-              <a:t>6/7/2018</a:t>
+              <a:t>12/11/2018</a:t>
             </a:fld>
             <a:endParaRPr lang="en-SG"/>
           </a:p>
@@ -465,7 +461,7 @@
           <a:p>
             <a:fld id="{542F47FF-5056-41FF-A1F8-23A414798AA4}" type="datetimeFigureOut">
               <a:rPr lang="en-SG" smtClean="0"/>
-              <a:t>6/7/2018</a:t>
+              <a:t>12/11/2018</a:t>
             </a:fld>
             <a:endParaRPr lang="en-SG"/>
           </a:p>
@@ -675,7 +671,7 @@
           <a:p>
             <a:fld id="{542F47FF-5056-41FF-A1F8-23A414798AA4}" type="datetimeFigureOut">
               <a:rPr lang="en-SG" smtClean="0"/>
-              <a:t>6/7/2018</a:t>
+              <a:t>12/11/2018</a:t>
             </a:fld>
             <a:endParaRPr lang="en-SG"/>
           </a:p>
@@ -875,7 +871,7 @@
           <a:p>
             <a:fld id="{542F47FF-5056-41FF-A1F8-23A414798AA4}" type="datetimeFigureOut">
               <a:rPr lang="en-SG" smtClean="0"/>
-              <a:t>6/7/2018</a:t>
+              <a:t>12/11/2018</a:t>
             </a:fld>
             <a:endParaRPr lang="en-SG"/>
           </a:p>
@@ -1151,7 +1147,7 @@
           <a:p>
             <a:fld id="{542F47FF-5056-41FF-A1F8-23A414798AA4}" type="datetimeFigureOut">
               <a:rPr lang="en-SG" smtClean="0"/>
-              <a:t>6/7/2018</a:t>
+              <a:t>12/11/2018</a:t>
             </a:fld>
             <a:endParaRPr lang="en-SG"/>
           </a:p>
@@ -1419,7 +1415,7 @@
           <a:p>
             <a:fld id="{542F47FF-5056-41FF-A1F8-23A414798AA4}" type="datetimeFigureOut">
               <a:rPr lang="en-SG" smtClean="0"/>
-              <a:t>6/7/2018</a:t>
+              <a:t>12/11/2018</a:t>
             </a:fld>
             <a:endParaRPr lang="en-SG"/>
           </a:p>
@@ -1834,7 +1830,7 @@
           <a:p>
             <a:fld id="{542F47FF-5056-41FF-A1F8-23A414798AA4}" type="datetimeFigureOut">
               <a:rPr lang="en-SG" smtClean="0"/>
-              <a:t>6/7/2018</a:t>
+              <a:t>12/11/2018</a:t>
             </a:fld>
             <a:endParaRPr lang="en-SG"/>
           </a:p>
@@ -1976,7 +1972,7 @@
           <a:p>
             <a:fld id="{542F47FF-5056-41FF-A1F8-23A414798AA4}" type="datetimeFigureOut">
               <a:rPr lang="en-SG" smtClean="0"/>
-              <a:t>6/7/2018</a:t>
+              <a:t>12/11/2018</a:t>
             </a:fld>
             <a:endParaRPr lang="en-SG"/>
           </a:p>
@@ -2089,7 +2085,7 @@
           <a:p>
             <a:fld id="{542F47FF-5056-41FF-A1F8-23A414798AA4}" type="datetimeFigureOut">
               <a:rPr lang="en-SG" smtClean="0"/>
-              <a:t>6/7/2018</a:t>
+              <a:t>12/11/2018</a:t>
             </a:fld>
             <a:endParaRPr lang="en-SG"/>
           </a:p>
@@ -2402,7 +2398,7 @@
           <a:p>
             <a:fld id="{542F47FF-5056-41FF-A1F8-23A414798AA4}" type="datetimeFigureOut">
               <a:rPr lang="en-SG" smtClean="0"/>
-              <a:t>6/7/2018</a:t>
+              <a:t>12/11/2018</a:t>
             </a:fld>
             <a:endParaRPr lang="en-SG"/>
           </a:p>
@@ -2691,7 +2687,7 @@
           <a:p>
             <a:fld id="{542F47FF-5056-41FF-A1F8-23A414798AA4}" type="datetimeFigureOut">
               <a:rPr lang="en-SG" smtClean="0"/>
-              <a:t>6/7/2018</a:t>
+              <a:t>12/11/2018</a:t>
             </a:fld>
             <a:endParaRPr lang="en-SG"/>
           </a:p>
@@ -2934,7 +2930,7 @@
           <a:p>
             <a:fld id="{542F47FF-5056-41FF-A1F8-23A414798AA4}" type="datetimeFigureOut">
               <a:rPr lang="en-SG" smtClean="0"/>
-              <a:t>6/7/2018</a:t>
+              <a:t>12/11/2018</a:t>
             </a:fld>
             <a:endParaRPr lang="en-SG"/>
           </a:p>
@@ -3656,7 +3652,7 @@
             </a:r>
             <a:r>
               <a:rPr lang="en-US" dirty="0"/>
-              <a:t>command commits address book]</a:t>
+              <a:t>command commits thane park]</a:t>
             </a:r>
             <a:endParaRPr lang="en-SG" sz="1801" dirty="0"/>
           </a:p>
@@ -3709,11 +3705,11 @@
             <a:pPr algn="ctr"/>
             <a:r>
               <a:rPr lang="en-SG" sz="1801" dirty="0"/>
-              <a:t>Purge redundant states and then save address book to </a:t>
-            </a:r>
-            <a:r>
-              <a:rPr lang="en-SG" sz="1801" dirty="0" err="1"/>
-              <a:t>addressBookStateList</a:t>
+              <a:t>Purge redundant states and then save thane park to </a:t>
+            </a:r>
+            <a:r>
+              <a:rPr lang="en-SG" sz="1801"/>
+              <a:t>thaneParkStateList</a:t>
             </a:r>
             <a:r>
               <a:rPr lang="en-SG" sz="1801" dirty="0"/>

--- a/docs/diagrams/UndoRedoActivityDiagram.pptx
+++ b/docs/diagrams/UndoRedoActivityDiagram.pptx
@@ -112,10 +112,6 @@
 </p:presentation>
 </file>
 
-<file path=ppt/revisionInfo.xml><?xml version="1.0" encoding="utf-8"?>
-<p1510:revInfo xmlns:a="http://schemas.openxmlformats.org/drawingml/2006/main" xmlns:r="http://schemas.openxmlformats.org/officeDocument/2006/relationships" xmlns:p1510="http://schemas.microsoft.com/office/powerpoint/2015/10/main"/>
-</file>
-
 <file path=ppt/slideLayouts/slideLayout1.xml><?xml version="1.0" encoding="utf-8"?>
 <p:sldLayout xmlns:a="http://schemas.openxmlformats.org/drawingml/2006/main" xmlns:r="http://schemas.openxmlformats.org/officeDocument/2006/relationships" xmlns:p="http://schemas.openxmlformats.org/presentationml/2006/main" type="title" preserve="1">
   <p:cSld name="Title Slide">
@@ -265,7 +261,7 @@
           <a:p>
             <a:fld id="{542F47FF-5056-41FF-A1F8-23A414798AA4}" type="datetimeFigureOut">
               <a:rPr lang="en-SG" smtClean="0"/>
-              <a:t>6/7/2018</a:t>
+              <a:t>12/11/18</a:t>
             </a:fld>
             <a:endParaRPr lang="en-SG"/>
           </a:p>
@@ -465,7 +461,7 @@
           <a:p>
             <a:fld id="{542F47FF-5056-41FF-A1F8-23A414798AA4}" type="datetimeFigureOut">
               <a:rPr lang="en-SG" smtClean="0"/>
-              <a:t>6/7/2018</a:t>
+              <a:t>12/11/18</a:t>
             </a:fld>
             <a:endParaRPr lang="en-SG"/>
           </a:p>
@@ -675,7 +671,7 @@
           <a:p>
             <a:fld id="{542F47FF-5056-41FF-A1F8-23A414798AA4}" type="datetimeFigureOut">
               <a:rPr lang="en-SG" smtClean="0"/>
-              <a:t>6/7/2018</a:t>
+              <a:t>12/11/18</a:t>
             </a:fld>
             <a:endParaRPr lang="en-SG"/>
           </a:p>
@@ -875,7 +871,7 @@
           <a:p>
             <a:fld id="{542F47FF-5056-41FF-A1F8-23A414798AA4}" type="datetimeFigureOut">
               <a:rPr lang="en-SG" smtClean="0"/>
-              <a:t>6/7/2018</a:t>
+              <a:t>12/11/18</a:t>
             </a:fld>
             <a:endParaRPr lang="en-SG"/>
           </a:p>
@@ -1151,7 +1147,7 @@
           <a:p>
             <a:fld id="{542F47FF-5056-41FF-A1F8-23A414798AA4}" type="datetimeFigureOut">
               <a:rPr lang="en-SG" smtClean="0"/>
-              <a:t>6/7/2018</a:t>
+              <a:t>12/11/18</a:t>
             </a:fld>
             <a:endParaRPr lang="en-SG"/>
           </a:p>
@@ -1419,7 +1415,7 @@
           <a:p>
             <a:fld id="{542F47FF-5056-41FF-A1F8-23A414798AA4}" type="datetimeFigureOut">
               <a:rPr lang="en-SG" smtClean="0"/>
-              <a:t>6/7/2018</a:t>
+              <a:t>12/11/18</a:t>
             </a:fld>
             <a:endParaRPr lang="en-SG"/>
           </a:p>
@@ -1834,7 +1830,7 @@
           <a:p>
             <a:fld id="{542F47FF-5056-41FF-A1F8-23A414798AA4}" type="datetimeFigureOut">
               <a:rPr lang="en-SG" smtClean="0"/>
-              <a:t>6/7/2018</a:t>
+              <a:t>12/11/18</a:t>
             </a:fld>
             <a:endParaRPr lang="en-SG"/>
           </a:p>
@@ -1976,7 +1972,7 @@
           <a:p>
             <a:fld id="{542F47FF-5056-41FF-A1F8-23A414798AA4}" type="datetimeFigureOut">
               <a:rPr lang="en-SG" smtClean="0"/>
-              <a:t>6/7/2018</a:t>
+              <a:t>12/11/18</a:t>
             </a:fld>
             <a:endParaRPr lang="en-SG"/>
           </a:p>
@@ -2089,7 +2085,7 @@
           <a:p>
             <a:fld id="{542F47FF-5056-41FF-A1F8-23A414798AA4}" type="datetimeFigureOut">
               <a:rPr lang="en-SG" smtClean="0"/>
-              <a:t>6/7/2018</a:t>
+              <a:t>12/11/18</a:t>
             </a:fld>
             <a:endParaRPr lang="en-SG"/>
           </a:p>
@@ -2402,7 +2398,7 @@
           <a:p>
             <a:fld id="{542F47FF-5056-41FF-A1F8-23A414798AA4}" type="datetimeFigureOut">
               <a:rPr lang="en-SG" smtClean="0"/>
-              <a:t>6/7/2018</a:t>
+              <a:t>12/11/18</a:t>
             </a:fld>
             <a:endParaRPr lang="en-SG"/>
           </a:p>
@@ -2691,7 +2687,7 @@
           <a:p>
             <a:fld id="{542F47FF-5056-41FF-A1F8-23A414798AA4}" type="datetimeFigureOut">
               <a:rPr lang="en-SG" smtClean="0"/>
-              <a:t>6/7/2018</a:t>
+              <a:t>12/11/18</a:t>
             </a:fld>
             <a:endParaRPr lang="en-SG"/>
           </a:p>
@@ -2934,7 +2930,7 @@
           <a:p>
             <a:fld id="{542F47FF-5056-41FF-A1F8-23A414798AA4}" type="datetimeFigureOut">
               <a:rPr lang="en-SG" smtClean="0"/>
-              <a:t>6/7/2018</a:t>
+              <a:t>12/11/18</a:t>
             </a:fld>
             <a:endParaRPr lang="en-SG"/>
           </a:p>
@@ -3656,7 +3652,15 @@
             </a:r>
             <a:r>
               <a:rPr lang="en-US" dirty="0"/>
-              <a:t>command commits address book]</a:t>
+              <a:t>command commits </a:t>
+            </a:r>
+            <a:r>
+              <a:rPr lang="en-US"/>
+              <a:t>MeetingBook</a:t>
+            </a:r>
+            <a:r>
+              <a:rPr lang="en-US" dirty="0"/>
+              <a:t>]</a:t>
             </a:r>
             <a:endParaRPr lang="en-SG" sz="1801" dirty="0"/>
           </a:p>
@@ -3713,7 +3717,7 @@
             </a:r>
             <a:r>
               <a:rPr lang="en-SG" sz="1801" dirty="0" err="1"/>
-              <a:t>addressBookStateList</a:t>
+              <a:t>meetingBookStateList</a:t>
             </a:r>
             <a:r>
               <a:rPr lang="en-SG" sz="1801" dirty="0"/>
